--- a/how_bitcoin_works/How_02_Mining_blocks_blockchain.pptx
+++ b/how_bitcoin_works/How_02_Mining_blocks_blockchain.pptx
@@ -112,19 +112,6 @@
     </a:lvl9pPr>
   </p:defaultTextStyle>
   <p:extLst>
-    <p:ext uri="{521415D9-36F7-43E2-AB2F-B90AF26B5E84}">
-      <p14:sectionLst xmlns:p14="http://schemas.microsoft.com/office/powerpoint/2010/main">
-        <p14:section name="Default Section" id="{112781BE-91B6-423E-BBF6-7C2F44E8C1A7}">
-          <p14:sldIdLst>
-            <p14:sldId id="318"/>
-            <p14:sldId id="314"/>
-            <p14:sldId id="319"/>
-            <p14:sldId id="315"/>
-            <p14:sldId id="317"/>
-          </p14:sldIdLst>
-        </p14:section>
-      </p14:sectionLst>
-    </p:ext>
     <p:ext uri="{EFAFB233-063F-42B5-8137-9DF3F51BA10A}">
       <p15:sldGuideLst xmlns:p15="http://schemas.microsoft.com/office/powerpoint/2012/main"/>
     </p:ext>
@@ -4531,7 +4518,7 @@
         </p:blipFill>
         <p:spPr>
           <a:xfrm>
-            <a:off x="338480" y="4664449"/>
+            <a:off x="517652" y="4464129"/>
             <a:ext cx="4808109" cy="1805342"/>
           </a:xfrm>
           <a:prstGeom prst="rect">
@@ -4640,8 +4627,8 @@
         </p:blipFill>
         <p:spPr>
           <a:xfrm>
-            <a:off x="7116483" y="1383329"/>
-            <a:ext cx="4787466" cy="3666418"/>
+            <a:off x="7607155" y="2015781"/>
+            <a:ext cx="4015436" cy="3075169"/>
           </a:xfrm>
           <a:prstGeom prst="rect">
             <a:avLst/>
@@ -4805,34 +4792,6 @@
           <a:p>
             <a:pPr lvl="1"/>
             <a:endParaRPr lang="en-US" dirty="0"/>
-          </a:p>
-        </p:txBody>
-      </p:sp>
-      <p:sp>
-        <p:nvSpPr>
-          <p:cNvPr id="7" name="Slide Number Placeholder 6"/>
-          <p:cNvSpPr>
-            <a:spLocks noGrp="1"/>
-          </p:cNvSpPr>
-          <p:nvPr>
-            <p:ph type="sldNum" sz="quarter" idx="12"/>
-          </p:nvPr>
-        </p:nvSpPr>
-        <p:spPr>
-          <a:xfrm>
-            <a:off x="8388719" y="4729241"/>
-            <a:ext cx="2743200" cy="365125"/>
-          </a:xfrm>
-        </p:spPr>
-        <p:txBody>
-          <a:bodyPr/>
-          <a:lstStyle/>
-          <a:p>
-            <a:fld id="{656EEF9C-D8EE-4444-AD18-FDA4DCDDF73B}" type="slidenum">
-              <a:rPr lang="en-US" smtClean="0"/>
-              <a:t>5</a:t>
-            </a:fld>
-            <a:endParaRPr lang="en-US"/>
           </a:p>
         </p:txBody>
       </p:sp>

--- a/how_bitcoin_works/How_02_Mining_blocks_blockchain.pptx
+++ b/how_bitcoin_works/How_02_Mining_blocks_blockchain.pptx
@@ -3472,7 +3472,7 @@
         </p:blipFill>
         <p:spPr>
           <a:xfrm>
-            <a:off x="4806778" y="937798"/>
+            <a:off x="5184502" y="957048"/>
             <a:ext cx="6985553" cy="5239165"/>
           </a:xfrm>
           <a:prstGeom prst="rect">
@@ -3503,14 +3503,51 @@
         </p:blipFill>
         <p:spPr>
           <a:xfrm>
-            <a:off x="92676" y="3188043"/>
-            <a:ext cx="4613819" cy="3533432"/>
+            <a:off x="-9114" y="2637322"/>
+            <a:ext cx="5178137" cy="3965608"/>
           </a:xfrm>
           <a:prstGeom prst="rect">
             <a:avLst/>
           </a:prstGeom>
         </p:spPr>
       </p:pic>
+      <p:sp>
+        <p:nvSpPr>
+          <p:cNvPr id="7" name="Rectangle 6">
+            <a:extLst>
+              <a:ext uri="{FF2B5EF4-FFF2-40B4-BE49-F238E27FC236}">
+                <a16:creationId xmlns:a16="http://schemas.microsoft.com/office/drawing/2014/main" id="{AB5BEE11-D25A-4CCD-9948-AE6348EA59F7}"/>
+              </a:ext>
+            </a:extLst>
+          </p:cNvPr>
+          <p:cNvSpPr/>
+          <p:nvPr/>
+        </p:nvSpPr>
+        <p:spPr>
+          <a:xfrm>
+            <a:off x="1962482" y="4372266"/>
+            <a:ext cx="874205" cy="461665"/>
+          </a:xfrm>
+          <a:prstGeom prst="rect">
+            <a:avLst/>
+          </a:prstGeom>
+        </p:spPr>
+        <p:txBody>
+          <a:bodyPr wrap="square">
+            <a:spAutoFit/>
+          </a:bodyPr>
+          <a:lstStyle/>
+          <a:p>
+            <a:r>
+              <a:rPr lang="en-US" sz="2400" dirty="0">
+                <a:hlinkClick r:id="rId3"/>
+              </a:rPr>
+              <a:t>Links</a:t>
+            </a:r>
+            <a:endParaRPr lang="en-US" sz="2400" dirty="0"/>
+          </a:p>
+        </p:txBody>
+      </p:sp>
     </p:spTree>
     <p:extLst>
       <p:ext uri="{BB962C8B-B14F-4D97-AF65-F5344CB8AC3E}">
@@ -3589,13 +3626,13 @@
         </p:nvSpPr>
         <p:spPr>
           <a:xfrm>
-            <a:off x="5863280" y="520395"/>
-            <a:ext cx="6128951" cy="4354346"/>
+            <a:off x="5871410" y="943903"/>
+            <a:ext cx="6140072" cy="5091134"/>
           </a:xfrm>
         </p:spPr>
         <p:txBody>
           <a:bodyPr>
-            <a:normAutofit lnSpcReduction="10000"/>
+            <a:normAutofit/>
           </a:bodyPr>
           <a:lstStyle/>
           <a:p>
@@ -3711,7 +3748,7 @@
         </p:blipFill>
         <p:spPr>
           <a:xfrm>
-            <a:off x="245805" y="1073801"/>
+            <a:off x="245805" y="1141176"/>
             <a:ext cx="5132173" cy="2022403"/>
           </a:xfrm>
           <a:prstGeom prst="rect">
@@ -4611,32 +4648,6 @@
       </p:grpSpPr>
       <p:pic>
         <p:nvPicPr>
-          <p:cNvPr id="5" name="Picture 4">
-            <a:hlinkClick r:id="rId2"/>
-          </p:cNvPr>
-          <p:cNvPicPr>
-            <a:picLocks noChangeAspect="1"/>
-          </p:cNvPicPr>
-          <p:nvPr/>
-        </p:nvPicPr>
-        <p:blipFill>
-          <a:blip r:embed="rId3"/>
-          <a:stretch>
-            <a:fillRect/>
-          </a:stretch>
-        </p:blipFill>
-        <p:spPr>
-          <a:xfrm>
-            <a:off x="7607155" y="2015781"/>
-            <a:ext cx="4015436" cy="3075169"/>
-          </a:xfrm>
-          <a:prstGeom prst="rect">
-            <a:avLst/>
-          </a:prstGeom>
-        </p:spPr>
-      </p:pic>
-      <p:pic>
-        <p:nvPicPr>
           <p:cNvPr id="4" name="Picture 3"/>
           <p:cNvPicPr>
             <a:picLocks noChangeAspect="1"/>
@@ -4644,14 +4655,14 @@
           <p:nvPr/>
         </p:nvPicPr>
         <p:blipFill>
-          <a:blip r:embed="rId4"/>
+          <a:blip r:embed="rId2"/>
           <a:stretch>
             <a:fillRect/>
           </a:stretch>
         </p:blipFill>
         <p:spPr>
           <a:xfrm>
-            <a:off x="4229974" y="67235"/>
+            <a:off x="7955854" y="148445"/>
             <a:ext cx="3457105" cy="2369134"/>
           </a:xfrm>
           <a:prstGeom prst="rect">
@@ -4669,7 +4680,12 @@
             <p:ph type="title"/>
           </p:nvPr>
         </p:nvSpPr>
-        <p:spPr/>
+        <p:spPr>
+          <a:xfrm>
+            <a:off x="294462" y="365125"/>
+            <a:ext cx="5230439" cy="618101"/>
+          </a:xfrm>
+        </p:spPr>
         <p:txBody>
           <a:bodyPr>
             <a:normAutofit fontScale="90000"/>
@@ -4696,17 +4712,70 @@
         <p:spPr>
           <a:xfrm>
             <a:off x="294462" y="1108177"/>
-            <a:ext cx="7468070" cy="4316439"/>
+            <a:ext cx="7468070" cy="4647783"/>
           </a:xfrm>
         </p:spPr>
         <p:txBody>
           <a:bodyPr>
-            <a:normAutofit lnSpcReduction="10000"/>
+            <a:normAutofit/>
           </a:bodyPr>
           <a:lstStyle/>
           <a:p>
             <a:r>
               <a:rPr lang="en-US" dirty="0"/>
+              <a:t>Mining: </a:t>
+            </a:r>
+          </a:p>
+          <a:p>
+            <a:pPr lvl="1"/>
+            <a:r>
+              <a:rPr lang="en-US" dirty="0"/>
+              <a:t>Every 4 years, cut in half, every 10 minutes</a:t>
+            </a:r>
+          </a:p>
+          <a:p>
+            <a:pPr lvl="1"/>
+            <a:r>
+              <a:rPr lang="en-US" dirty="0"/>
+              <a:t>all 21 million in 2140,</a:t>
+            </a:r>
+            <a:r>
+              <a:rPr lang="zh-CN" altLang="en-US" dirty="0"/>
+              <a:t> </a:t>
+            </a:r>
+            <a:r>
+              <a:rPr lang="en-US" dirty="0">
+                <a:hlinkClick r:id="rId3"/>
+              </a:rPr>
+              <a:t>Current 16.3 million</a:t>
+            </a:r>
+            <a:endParaRPr lang="en-US" dirty="0"/>
+          </a:p>
+          <a:p>
+            <a:pPr lvl="1"/>
+            <a:r>
+              <a:rPr lang="en-US" dirty="0"/>
+              <a:t>Smallest: 1/100,000,000 </a:t>
+            </a:r>
+            <a:r>
+              <a:rPr lang="en-US" dirty="0" err="1"/>
+              <a:t>BitCoin</a:t>
+            </a:r>
+            <a:r>
+              <a:rPr lang="en-US" dirty="0"/>
+              <a:t>  = 1 Satoshi</a:t>
+            </a:r>
+          </a:p>
+          <a:p>
+            <a:pPr lvl="1"/>
+            <a:r>
+              <a:rPr lang="en-US" dirty="0"/>
+              <a:t>Current: 12.5 coins, Future: transactions</a:t>
+            </a:r>
+          </a:p>
+          <a:p>
+            <a:r>
+              <a:rPr lang="en-US" dirty="0"/>
               <a:t>Real purpose:</a:t>
             </a:r>
           </a:p>
@@ -4727,58 +4796,6 @@
           <a:p>
             <a:r>
               <a:rPr lang="en-US" dirty="0"/>
-              <a:t>Mining: </a:t>
-            </a:r>
-          </a:p>
-          <a:p>
-            <a:pPr lvl="1"/>
-            <a:r>
-              <a:rPr lang="en-US" dirty="0"/>
-              <a:t>Every 4 years, cut in half, every 10 minutes</a:t>
-            </a:r>
-          </a:p>
-          <a:p>
-            <a:pPr lvl="1"/>
-            <a:r>
-              <a:rPr lang="en-US" dirty="0"/>
-              <a:t>all 21 million in 2140</a:t>
-            </a:r>
-          </a:p>
-          <a:p>
-            <a:pPr lvl="1"/>
-            <a:r>
-              <a:rPr lang="en-US" dirty="0">
-                <a:hlinkClick r:id="rId5"/>
-              </a:rPr>
-              <a:t>Current 16.3 million</a:t>
-            </a:r>
-            <a:endParaRPr lang="en-US" dirty="0"/>
-          </a:p>
-          <a:p>
-            <a:pPr lvl="1"/>
-            <a:r>
-              <a:rPr lang="en-US" dirty="0"/>
-              <a:t>Smallest: 1/100,000,000 </a:t>
-            </a:r>
-            <a:r>
-              <a:rPr lang="en-US" dirty="0" err="1"/>
-              <a:t>BitCoin</a:t>
-            </a:r>
-            <a:r>
-              <a:rPr lang="en-US" dirty="0"/>
-              <a:t>  = 1 Satoshi</a:t>
-            </a:r>
-          </a:p>
-          <a:p>
-            <a:pPr lvl="1"/>
-            <a:r>
-              <a:rPr lang="en-US" dirty="0"/>
-              <a:t>Future: transactions</a:t>
-            </a:r>
-          </a:p>
-          <a:p>
-            <a:r>
-              <a:rPr lang="en-US" dirty="0"/>
               <a:t>How 10 minutes:</a:t>
             </a:r>
           </a:p>
@@ -4792,37 +4809,6 @@
           <a:p>
             <a:pPr lvl="1"/>
             <a:endParaRPr lang="en-US" dirty="0"/>
-          </a:p>
-        </p:txBody>
-      </p:sp>
-      <p:sp>
-        <p:nvSpPr>
-          <p:cNvPr id="8" name="Rectangle 7"/>
-          <p:cNvSpPr/>
-          <p:nvPr/>
-        </p:nvSpPr>
-        <p:spPr>
-          <a:xfrm>
-            <a:off x="8873414" y="4359909"/>
-            <a:ext cx="874205" cy="461665"/>
-          </a:xfrm>
-          <a:prstGeom prst="rect">
-            <a:avLst/>
-          </a:prstGeom>
-        </p:spPr>
-        <p:txBody>
-          <a:bodyPr wrap="square">
-            <a:spAutoFit/>
-          </a:bodyPr>
-          <a:lstStyle/>
-          <a:p>
-            <a:r>
-              <a:rPr lang="en-US" sz="2400" dirty="0">
-                <a:hlinkClick r:id="rId2"/>
-              </a:rPr>
-              <a:t>Links</a:t>
-            </a:r>
-            <a:endParaRPr lang="en-US" sz="2400" dirty="0"/>
           </a:p>
         </p:txBody>
       </p:sp>
@@ -4835,7 +4821,7 @@
           <p:nvPr/>
         </p:nvPicPr>
         <p:blipFill>
-          <a:blip r:embed="rId6">
+          <a:blip r:embed="rId4">
             <a:extLst>
               <a:ext uri="{28A0092B-C50C-407E-A947-70E740481C1C}">
                 <a14:useLocalDpi xmlns:a14="http://schemas.microsoft.com/office/drawing/2010/main" val="0"/>
@@ -4849,7 +4835,7 @@
         </p:blipFill>
         <p:spPr bwMode="auto">
           <a:xfrm>
-            <a:off x="7764147" y="99843"/>
+            <a:off x="7413320" y="3254216"/>
             <a:ext cx="4341942" cy="1500357"/>
           </a:xfrm>
           <a:prstGeom prst="rect">
@@ -4908,7 +4894,7 @@
         </p:nvGrpSpPr>
         <p:grpSpPr>
           <a:xfrm>
-            <a:off x="3470430" y="5585890"/>
+            <a:off x="409597" y="5764931"/>
             <a:ext cx="8284832" cy="1006444"/>
             <a:chOff x="599440" y="1245878"/>
             <a:chExt cx="8209280" cy="1838538"/>

--- a/how_bitcoin_works/How_02_Mining_blocks_blockchain.pptx
+++ b/how_bitcoin_works/How_02_Mining_blocks_blockchain.pptx
@@ -3603,7 +3603,15 @@
           <a:p>
             <a:r>
               <a:rPr lang="en-US" dirty="0"/>
-              <a:t>Blockchain</a:t>
+              <a:t>Blockchain__</a:t>
+            </a:r>
+            <a:r>
+              <a:rPr lang="en-US" dirty="0" err="1"/>
+              <a:t>TODO_insert</a:t>
+            </a:r>
+            <a:r>
+              <a:rPr lang="en-US" dirty="0"/>
+              <a:t> Explain Transaction</a:t>
             </a:r>
           </a:p>
         </p:txBody>
@@ -3728,13 +3736,7 @@
       </p:sp>
       <p:pic>
         <p:nvPicPr>
-          <p:cNvPr id="60" name="Picture 59">
-            <a:extLst>
-              <a:ext uri="{FF2B5EF4-FFF2-40B4-BE49-F238E27FC236}">
-                <a16:creationId xmlns:a16="http://schemas.microsoft.com/office/drawing/2014/main" id="{F3BD675A-A9BE-4012-9435-A37D090934C1}"/>
-              </a:ext>
-            </a:extLst>
-          </p:cNvPr>
+          <p:cNvPr id="6" name="Picture 5"/>
           <p:cNvPicPr>
             <a:picLocks noChangeAspect="1"/>
           </p:cNvPicPr>
@@ -3748,8 +3750,8 @@
         </p:blipFill>
         <p:spPr>
           <a:xfrm>
-            <a:off x="245805" y="1141176"/>
-            <a:ext cx="5132173" cy="2022403"/>
+            <a:off x="245805" y="1048548"/>
+            <a:ext cx="5572907" cy="2493259"/>
           </a:xfrm>
           <a:prstGeom prst="rect">
             <a:avLst/>
@@ -3758,33 +3760,21 @@
       </p:pic>
       <p:grpSp>
         <p:nvGrpSpPr>
-          <p:cNvPr id="63" name="Group 62">
-            <a:extLst>
-              <a:ext uri="{FF2B5EF4-FFF2-40B4-BE49-F238E27FC236}">
-                <a16:creationId xmlns:a16="http://schemas.microsoft.com/office/drawing/2014/main" id="{1F9D1138-16F8-4F25-8FF0-42B66766FA90}"/>
-              </a:ext>
-            </a:extLst>
-          </p:cNvPr>
+          <p:cNvPr id="8" name="Group 7"/>
           <p:cNvGrpSpPr/>
           <p:nvPr/>
         </p:nvGrpSpPr>
         <p:grpSpPr>
           <a:xfrm>
-            <a:off x="343526" y="3330750"/>
-            <a:ext cx="4842197" cy="3463947"/>
-            <a:chOff x="368238" y="3528462"/>
-            <a:chExt cx="4842197" cy="3463947"/>
+            <a:off x="245805" y="3158730"/>
+            <a:ext cx="6091554" cy="3635967"/>
+            <a:chOff x="245805" y="3158730"/>
+            <a:chExt cx="6091554" cy="3635967"/>
           </a:xfrm>
         </p:grpSpPr>
         <p:pic>
           <p:nvPicPr>
-            <p:cNvPr id="61" name="Picture 60">
-              <a:extLst>
-                <a:ext uri="{FF2B5EF4-FFF2-40B4-BE49-F238E27FC236}">
-                  <a16:creationId xmlns:a16="http://schemas.microsoft.com/office/drawing/2014/main" id="{5D354563-D64E-4A78-81FE-5A592DE19DA6}"/>
-                </a:ext>
-              </a:extLst>
-            </p:cNvPr>
+            <p:cNvPr id="7" name="Picture 6"/>
             <p:cNvPicPr>
               <a:picLocks noChangeAspect="1"/>
             </p:cNvPicPr>
@@ -3798,8 +3788,8 @@
           </p:blipFill>
           <p:spPr>
             <a:xfrm>
-              <a:off x="368238" y="3528462"/>
-              <a:ext cx="4842197" cy="2827888"/>
+              <a:off x="245805" y="3158730"/>
+              <a:ext cx="6091554" cy="3552308"/>
             </a:xfrm>
             <a:prstGeom prst="rect">
               <a:avLst/>
@@ -3808,19 +3798,15 @@
         </p:pic>
         <p:sp>
           <p:nvSpPr>
-            <p:cNvPr id="62" name="Rectangle 61">
-              <a:extLst>
-                <a:ext uri="{FF2B5EF4-FFF2-40B4-BE49-F238E27FC236}">
-                  <a16:creationId xmlns:a16="http://schemas.microsoft.com/office/drawing/2014/main" id="{9CA543AB-8DB9-42E2-A328-B9E134C49DD1}"/>
-                </a:ext>
-              </a:extLst>
+            <p:cNvPr id="13" name="Rectangle 12">
+              <a:extLst/>
             </p:cNvPr>
             <p:cNvSpPr/>
             <p:nvPr/>
           </p:nvSpPr>
           <p:spPr>
             <a:xfrm>
-              <a:off x="697820" y="6038302"/>
+              <a:off x="673108" y="5840590"/>
               <a:ext cx="1258329" cy="954107"/>
             </a:xfrm>
             <a:prstGeom prst="rect">
@@ -3902,6 +3888,156 @@
           </p:txBody>
         </p:sp>
       </p:grpSp>
+      <p:grpSp>
+        <p:nvGrpSpPr>
+          <p:cNvPr id="14" name="Group 13"/>
+          <p:cNvGrpSpPr/>
+          <p:nvPr/>
+        </p:nvGrpSpPr>
+        <p:grpSpPr>
+          <a:xfrm>
+            <a:off x="1847907" y="4337508"/>
+            <a:ext cx="929870" cy="1882033"/>
+            <a:chOff x="1847907" y="4337508"/>
+            <a:chExt cx="929870" cy="1882033"/>
+          </a:xfrm>
+        </p:grpSpPr>
+        <p:sp>
+          <p:nvSpPr>
+            <p:cNvPr id="9" name="Rectangle 8"/>
+            <p:cNvSpPr/>
+            <p:nvPr/>
+          </p:nvSpPr>
+          <p:spPr>
+            <a:xfrm>
+              <a:off x="1931437" y="4817289"/>
+              <a:ext cx="688330" cy="369332"/>
+            </a:xfrm>
+            <a:prstGeom prst="rect">
+              <a:avLst/>
+            </a:prstGeom>
+            <a:solidFill>
+              <a:srgbClr val="FF0000">
+                <a:alpha val="36000"/>
+              </a:srgbClr>
+            </a:solidFill>
+          </p:spPr>
+          <p:txBody>
+            <a:bodyPr wrap="none">
+              <a:spAutoFit/>
+            </a:bodyPr>
+            <a:lstStyle/>
+            <a:p>
+              <a:r>
+                <a:rPr lang="en-US" dirty="0" err="1"/>
+                <a:t>const</a:t>
+              </a:r>
+              <a:endParaRPr lang="en-US" dirty="0"/>
+            </a:p>
+          </p:txBody>
+        </p:sp>
+        <p:sp>
+          <p:nvSpPr>
+            <p:cNvPr id="17" name="Rectangle 16"/>
+            <p:cNvSpPr/>
+            <p:nvPr/>
+          </p:nvSpPr>
+          <p:spPr>
+            <a:xfrm>
+              <a:off x="1942728" y="4337508"/>
+              <a:ext cx="688330" cy="369332"/>
+            </a:xfrm>
+            <a:prstGeom prst="rect">
+              <a:avLst/>
+            </a:prstGeom>
+            <a:solidFill>
+              <a:srgbClr val="FF0000">
+                <a:alpha val="36000"/>
+              </a:srgbClr>
+            </a:solidFill>
+          </p:spPr>
+          <p:txBody>
+            <a:bodyPr wrap="none">
+              <a:spAutoFit/>
+            </a:bodyPr>
+            <a:lstStyle/>
+            <a:p>
+              <a:r>
+                <a:rPr lang="en-US" dirty="0" err="1"/>
+                <a:t>const</a:t>
+              </a:r>
+              <a:endParaRPr lang="en-US" dirty="0"/>
+            </a:p>
+          </p:txBody>
+        </p:sp>
+        <p:sp>
+          <p:nvSpPr>
+            <p:cNvPr id="18" name="Rectangle 17"/>
+            <p:cNvSpPr/>
+            <p:nvPr/>
+          </p:nvSpPr>
+          <p:spPr>
+            <a:xfrm>
+              <a:off x="1847907" y="5850209"/>
+              <a:ext cx="929870" cy="369332"/>
+            </a:xfrm>
+            <a:prstGeom prst="rect">
+              <a:avLst/>
+            </a:prstGeom>
+            <a:solidFill>
+              <a:srgbClr val="FF0000">
+                <a:alpha val="36000"/>
+              </a:srgbClr>
+            </a:solidFill>
+          </p:spPr>
+          <p:txBody>
+            <a:bodyPr wrap="none">
+              <a:spAutoFit/>
+            </a:bodyPr>
+            <a:lstStyle/>
+            <a:p>
+              <a:r>
+                <a:rPr lang="en-US" dirty="0"/>
+                <a:t>variable</a:t>
+              </a:r>
+            </a:p>
+          </p:txBody>
+        </p:sp>
+      </p:grpSp>
+      <p:sp>
+        <p:nvSpPr>
+          <p:cNvPr id="21" name="Rectangle 20"/>
+          <p:cNvSpPr/>
+          <p:nvPr/>
+        </p:nvSpPr>
+        <p:spPr>
+          <a:xfrm>
+            <a:off x="1934824" y="3736955"/>
+            <a:ext cx="688330" cy="369332"/>
+          </a:xfrm>
+          <a:prstGeom prst="rect">
+            <a:avLst/>
+          </a:prstGeom>
+          <a:solidFill>
+            <a:srgbClr val="00B050">
+              <a:alpha val="36000"/>
+            </a:srgbClr>
+          </a:solidFill>
+        </p:spPr>
+        <p:txBody>
+          <a:bodyPr wrap="none">
+            <a:spAutoFit/>
+          </a:bodyPr>
+          <a:lstStyle/>
+          <a:p>
+            <a:r>
+              <a:rPr lang="en-US" dirty="0" err="1"/>
+              <a:t>const</a:t>
+            </a:r>
+            <a:endParaRPr lang="en-US" dirty="0"/>
+          </a:p>
+        </p:txBody>
+      </p:sp>
     </p:spTree>
     <p:extLst>
       <p:ext uri="{BB962C8B-B14F-4D97-AF65-F5344CB8AC3E}">
@@ -3912,6 +4048,540 @@
   <p:clrMapOvr>
     <a:masterClrMapping/>
   </p:clrMapOvr>
+  <p:timing>
+    <p:tnLst>
+      <p:par>
+        <p:cTn id="1" dur="indefinite" restart="never" nodeType="tmRoot">
+          <p:childTnLst>
+            <p:seq concurrent="1" nextAc="seek">
+              <p:cTn id="2" dur="indefinite" nodeType="mainSeq">
+                <p:childTnLst>
+                  <p:par>
+                    <p:cTn id="3" fill="hold">
+                      <p:stCondLst>
+                        <p:cond delay="indefinite"/>
+                      </p:stCondLst>
+                      <p:childTnLst>
+                        <p:par>
+                          <p:cTn id="4" fill="hold">
+                            <p:stCondLst>
+                              <p:cond delay="0"/>
+                            </p:stCondLst>
+                            <p:childTnLst>
+                              <p:par>
+                                <p:cTn id="5" presetID="1" presetClass="entr" presetSubtype="0" fill="hold" nodeType="clickEffect">
+                                  <p:stCondLst>
+                                    <p:cond delay="0"/>
+                                  </p:stCondLst>
+                                  <p:childTnLst>
+                                    <p:set>
+                                      <p:cBhvr>
+                                        <p:cTn id="6" dur="1" fill="hold">
+                                          <p:stCondLst>
+                                            <p:cond delay="0"/>
+                                          </p:stCondLst>
+                                        </p:cTn>
+                                        <p:tgtEl>
+                                          <p:spTgt spid="6"/>
+                                        </p:tgtEl>
+                                        <p:attrNameLst>
+                                          <p:attrName>style.visibility</p:attrName>
+                                        </p:attrNameLst>
+                                      </p:cBhvr>
+                                      <p:to>
+                                        <p:strVal val="visible"/>
+                                      </p:to>
+                                    </p:set>
+                                  </p:childTnLst>
+                                </p:cTn>
+                              </p:par>
+                            </p:childTnLst>
+                          </p:cTn>
+                        </p:par>
+                      </p:childTnLst>
+                    </p:cTn>
+                  </p:par>
+                  <p:par>
+                    <p:cTn id="7" fill="hold">
+                      <p:stCondLst>
+                        <p:cond delay="indefinite"/>
+                      </p:stCondLst>
+                      <p:childTnLst>
+                        <p:par>
+                          <p:cTn id="8" fill="hold">
+                            <p:stCondLst>
+                              <p:cond delay="0"/>
+                            </p:stCondLst>
+                            <p:childTnLst>
+                              <p:par>
+                                <p:cTn id="9" presetID="1" presetClass="entr" presetSubtype="0" fill="hold" nodeType="clickEffect">
+                                  <p:stCondLst>
+                                    <p:cond delay="0"/>
+                                  </p:stCondLst>
+                                  <p:childTnLst>
+                                    <p:set>
+                                      <p:cBhvr>
+                                        <p:cTn id="10" dur="1" fill="hold">
+                                          <p:stCondLst>
+                                            <p:cond delay="0"/>
+                                          </p:stCondLst>
+                                        </p:cTn>
+                                        <p:tgtEl>
+                                          <p:spTgt spid="8"/>
+                                        </p:tgtEl>
+                                        <p:attrNameLst>
+                                          <p:attrName>style.visibility</p:attrName>
+                                        </p:attrNameLst>
+                                      </p:cBhvr>
+                                      <p:to>
+                                        <p:strVal val="visible"/>
+                                      </p:to>
+                                    </p:set>
+                                  </p:childTnLst>
+                                </p:cTn>
+                              </p:par>
+                            </p:childTnLst>
+                          </p:cTn>
+                        </p:par>
+                      </p:childTnLst>
+                    </p:cTn>
+                  </p:par>
+                  <p:par>
+                    <p:cTn id="11" fill="hold">
+                      <p:stCondLst>
+                        <p:cond delay="indefinite"/>
+                      </p:stCondLst>
+                      <p:childTnLst>
+                        <p:par>
+                          <p:cTn id="12" fill="hold">
+                            <p:stCondLst>
+                              <p:cond delay="0"/>
+                            </p:stCondLst>
+                            <p:childTnLst>
+                              <p:par>
+                                <p:cTn id="13" presetID="1" presetClass="entr" presetSubtype="0" fill="hold" nodeType="clickEffect">
+                                  <p:stCondLst>
+                                    <p:cond delay="0"/>
+                                  </p:stCondLst>
+                                  <p:childTnLst>
+                                    <p:set>
+                                      <p:cBhvr>
+                                        <p:cTn id="14" dur="1" fill="hold">
+                                          <p:stCondLst>
+                                            <p:cond delay="0"/>
+                                          </p:stCondLst>
+                                        </p:cTn>
+                                        <p:tgtEl>
+                                          <p:spTgt spid="14"/>
+                                        </p:tgtEl>
+                                        <p:attrNameLst>
+                                          <p:attrName>style.visibility</p:attrName>
+                                        </p:attrNameLst>
+                                      </p:cBhvr>
+                                      <p:to>
+                                        <p:strVal val="visible"/>
+                                      </p:to>
+                                    </p:set>
+                                  </p:childTnLst>
+                                </p:cTn>
+                              </p:par>
+                            </p:childTnLst>
+                          </p:cTn>
+                        </p:par>
+                      </p:childTnLst>
+                    </p:cTn>
+                  </p:par>
+                  <p:par>
+                    <p:cTn id="15" fill="hold">
+                      <p:stCondLst>
+                        <p:cond delay="indefinite"/>
+                      </p:stCondLst>
+                      <p:childTnLst>
+                        <p:par>
+                          <p:cTn id="16" fill="hold">
+                            <p:stCondLst>
+                              <p:cond delay="0"/>
+                            </p:stCondLst>
+                            <p:childTnLst>
+                              <p:par>
+                                <p:cTn id="17" presetID="1" presetClass="entr" presetSubtype="0" fill="hold" grpId="0" nodeType="clickEffect">
+                                  <p:stCondLst>
+                                    <p:cond delay="0"/>
+                                  </p:stCondLst>
+                                  <p:childTnLst>
+                                    <p:set>
+                                      <p:cBhvr>
+                                        <p:cTn id="18" dur="1" fill="hold">
+                                          <p:stCondLst>
+                                            <p:cond delay="0"/>
+                                          </p:stCondLst>
+                                        </p:cTn>
+                                        <p:tgtEl>
+                                          <p:spTgt spid="21"/>
+                                        </p:tgtEl>
+                                        <p:attrNameLst>
+                                          <p:attrName>style.visibility</p:attrName>
+                                        </p:attrNameLst>
+                                      </p:cBhvr>
+                                      <p:to>
+                                        <p:strVal val="visible"/>
+                                      </p:to>
+                                    </p:set>
+                                  </p:childTnLst>
+                                </p:cTn>
+                              </p:par>
+                            </p:childTnLst>
+                          </p:cTn>
+                        </p:par>
+                      </p:childTnLst>
+                    </p:cTn>
+                  </p:par>
+                  <p:par>
+                    <p:cTn id="19" fill="hold">
+                      <p:stCondLst>
+                        <p:cond delay="indefinite"/>
+                      </p:stCondLst>
+                      <p:childTnLst>
+                        <p:par>
+                          <p:cTn id="20" fill="hold">
+                            <p:stCondLst>
+                              <p:cond delay="0"/>
+                            </p:stCondLst>
+                            <p:childTnLst>
+                              <p:par>
+                                <p:cTn id="21" presetID="1" presetClass="entr" presetSubtype="0" fill="hold" grpId="0" nodeType="clickEffect">
+                                  <p:stCondLst>
+                                    <p:cond delay="0"/>
+                                  </p:stCondLst>
+                                  <p:childTnLst>
+                                    <p:set>
+                                      <p:cBhvr>
+                                        <p:cTn id="22" dur="1" fill="hold">
+                                          <p:stCondLst>
+                                            <p:cond delay="0"/>
+                                          </p:stCondLst>
+                                        </p:cTn>
+                                        <p:tgtEl>
+                                          <p:spTgt spid="3">
+                                            <p:txEl>
+                                              <p:pRg st="0" end="0"/>
+                                            </p:txEl>
+                                          </p:spTgt>
+                                        </p:tgtEl>
+                                        <p:attrNameLst>
+                                          <p:attrName>style.visibility</p:attrName>
+                                        </p:attrNameLst>
+                                      </p:cBhvr>
+                                      <p:to>
+                                        <p:strVal val="visible"/>
+                                      </p:to>
+                                    </p:set>
+                                  </p:childTnLst>
+                                </p:cTn>
+                              </p:par>
+                              <p:par>
+                                <p:cTn id="23" presetID="1" presetClass="entr" presetSubtype="0" fill="hold" grpId="0" nodeType="withEffect">
+                                  <p:stCondLst>
+                                    <p:cond delay="0"/>
+                                  </p:stCondLst>
+                                  <p:childTnLst>
+                                    <p:set>
+                                      <p:cBhvr>
+                                        <p:cTn id="24" dur="1" fill="hold">
+                                          <p:stCondLst>
+                                            <p:cond delay="0"/>
+                                          </p:stCondLst>
+                                        </p:cTn>
+                                        <p:tgtEl>
+                                          <p:spTgt spid="3">
+                                            <p:txEl>
+                                              <p:pRg st="1" end="1"/>
+                                            </p:txEl>
+                                          </p:spTgt>
+                                        </p:tgtEl>
+                                        <p:attrNameLst>
+                                          <p:attrName>style.visibility</p:attrName>
+                                        </p:attrNameLst>
+                                      </p:cBhvr>
+                                      <p:to>
+                                        <p:strVal val="visible"/>
+                                      </p:to>
+                                    </p:set>
+                                  </p:childTnLst>
+                                </p:cTn>
+                              </p:par>
+                              <p:par>
+                                <p:cTn id="25" presetID="1" presetClass="entr" presetSubtype="0" fill="hold" grpId="0" nodeType="withEffect">
+                                  <p:stCondLst>
+                                    <p:cond delay="0"/>
+                                  </p:stCondLst>
+                                  <p:childTnLst>
+                                    <p:set>
+                                      <p:cBhvr>
+                                        <p:cTn id="26" dur="1" fill="hold">
+                                          <p:stCondLst>
+                                            <p:cond delay="0"/>
+                                          </p:stCondLst>
+                                        </p:cTn>
+                                        <p:tgtEl>
+                                          <p:spTgt spid="3">
+                                            <p:txEl>
+                                              <p:pRg st="2" end="2"/>
+                                            </p:txEl>
+                                          </p:spTgt>
+                                        </p:tgtEl>
+                                        <p:attrNameLst>
+                                          <p:attrName>style.visibility</p:attrName>
+                                        </p:attrNameLst>
+                                      </p:cBhvr>
+                                      <p:to>
+                                        <p:strVal val="visible"/>
+                                      </p:to>
+                                    </p:set>
+                                  </p:childTnLst>
+                                </p:cTn>
+                              </p:par>
+                            </p:childTnLst>
+                          </p:cTn>
+                        </p:par>
+                      </p:childTnLst>
+                    </p:cTn>
+                  </p:par>
+                  <p:par>
+                    <p:cTn id="27" fill="hold">
+                      <p:stCondLst>
+                        <p:cond delay="indefinite"/>
+                      </p:stCondLst>
+                      <p:childTnLst>
+                        <p:par>
+                          <p:cTn id="28" fill="hold">
+                            <p:stCondLst>
+                              <p:cond delay="0"/>
+                            </p:stCondLst>
+                            <p:childTnLst>
+                              <p:par>
+                                <p:cTn id="29" presetID="1" presetClass="entr" presetSubtype="0" fill="hold" grpId="0" nodeType="clickEffect">
+                                  <p:stCondLst>
+                                    <p:cond delay="0"/>
+                                  </p:stCondLst>
+                                  <p:childTnLst>
+                                    <p:set>
+                                      <p:cBhvr>
+                                        <p:cTn id="30" dur="1" fill="hold">
+                                          <p:stCondLst>
+                                            <p:cond delay="0"/>
+                                          </p:stCondLst>
+                                        </p:cTn>
+                                        <p:tgtEl>
+                                          <p:spTgt spid="3">
+                                            <p:txEl>
+                                              <p:pRg st="3" end="3"/>
+                                            </p:txEl>
+                                          </p:spTgt>
+                                        </p:tgtEl>
+                                        <p:attrNameLst>
+                                          <p:attrName>style.visibility</p:attrName>
+                                        </p:attrNameLst>
+                                      </p:cBhvr>
+                                      <p:to>
+                                        <p:strVal val="visible"/>
+                                      </p:to>
+                                    </p:set>
+                                  </p:childTnLst>
+                                </p:cTn>
+                              </p:par>
+                            </p:childTnLst>
+                          </p:cTn>
+                        </p:par>
+                      </p:childTnLst>
+                    </p:cTn>
+                  </p:par>
+                  <p:par>
+                    <p:cTn id="31" fill="hold">
+                      <p:stCondLst>
+                        <p:cond delay="indefinite"/>
+                      </p:stCondLst>
+                      <p:childTnLst>
+                        <p:par>
+                          <p:cTn id="32" fill="hold">
+                            <p:stCondLst>
+                              <p:cond delay="0"/>
+                            </p:stCondLst>
+                            <p:childTnLst>
+                              <p:par>
+                                <p:cTn id="33" presetID="1" presetClass="entr" presetSubtype="0" fill="hold" grpId="0" nodeType="clickEffect">
+                                  <p:stCondLst>
+                                    <p:cond delay="0"/>
+                                  </p:stCondLst>
+                                  <p:childTnLst>
+                                    <p:set>
+                                      <p:cBhvr>
+                                        <p:cTn id="34" dur="1" fill="hold">
+                                          <p:stCondLst>
+                                            <p:cond delay="0"/>
+                                          </p:stCondLst>
+                                        </p:cTn>
+                                        <p:tgtEl>
+                                          <p:spTgt spid="3">
+                                            <p:txEl>
+                                              <p:pRg st="4" end="4"/>
+                                            </p:txEl>
+                                          </p:spTgt>
+                                        </p:tgtEl>
+                                        <p:attrNameLst>
+                                          <p:attrName>style.visibility</p:attrName>
+                                        </p:attrNameLst>
+                                      </p:cBhvr>
+                                      <p:to>
+                                        <p:strVal val="visible"/>
+                                      </p:to>
+                                    </p:set>
+                                  </p:childTnLst>
+                                </p:cTn>
+                              </p:par>
+                              <p:par>
+                                <p:cTn id="35" presetID="1" presetClass="entr" presetSubtype="0" fill="hold" grpId="0" nodeType="withEffect">
+                                  <p:stCondLst>
+                                    <p:cond delay="0"/>
+                                  </p:stCondLst>
+                                  <p:childTnLst>
+                                    <p:set>
+                                      <p:cBhvr>
+                                        <p:cTn id="36" dur="1" fill="hold">
+                                          <p:stCondLst>
+                                            <p:cond delay="0"/>
+                                          </p:stCondLst>
+                                        </p:cTn>
+                                        <p:tgtEl>
+                                          <p:spTgt spid="3">
+                                            <p:txEl>
+                                              <p:pRg st="5" end="5"/>
+                                            </p:txEl>
+                                          </p:spTgt>
+                                        </p:tgtEl>
+                                        <p:attrNameLst>
+                                          <p:attrName>style.visibility</p:attrName>
+                                        </p:attrNameLst>
+                                      </p:cBhvr>
+                                      <p:to>
+                                        <p:strVal val="visible"/>
+                                      </p:to>
+                                    </p:set>
+                                  </p:childTnLst>
+                                </p:cTn>
+                              </p:par>
+                            </p:childTnLst>
+                          </p:cTn>
+                        </p:par>
+                      </p:childTnLst>
+                    </p:cTn>
+                  </p:par>
+                  <p:par>
+                    <p:cTn id="37" fill="hold">
+                      <p:stCondLst>
+                        <p:cond delay="indefinite"/>
+                      </p:stCondLst>
+                      <p:childTnLst>
+                        <p:par>
+                          <p:cTn id="38" fill="hold">
+                            <p:stCondLst>
+                              <p:cond delay="0"/>
+                            </p:stCondLst>
+                            <p:childTnLst>
+                              <p:par>
+                                <p:cTn id="39" presetID="1" presetClass="entr" presetSubtype="0" fill="hold" grpId="0" nodeType="clickEffect">
+                                  <p:stCondLst>
+                                    <p:cond delay="0"/>
+                                  </p:stCondLst>
+                                  <p:childTnLst>
+                                    <p:set>
+                                      <p:cBhvr>
+                                        <p:cTn id="40" dur="1" fill="hold">
+                                          <p:stCondLst>
+                                            <p:cond delay="0"/>
+                                          </p:stCondLst>
+                                        </p:cTn>
+                                        <p:tgtEl>
+                                          <p:spTgt spid="3">
+                                            <p:txEl>
+                                              <p:pRg st="6" end="6"/>
+                                            </p:txEl>
+                                          </p:spTgt>
+                                        </p:tgtEl>
+                                        <p:attrNameLst>
+                                          <p:attrName>style.visibility</p:attrName>
+                                        </p:attrNameLst>
+                                      </p:cBhvr>
+                                      <p:to>
+                                        <p:strVal val="visible"/>
+                                      </p:to>
+                                    </p:set>
+                                  </p:childTnLst>
+                                </p:cTn>
+                              </p:par>
+                              <p:par>
+                                <p:cTn id="41" presetID="1" presetClass="entr" presetSubtype="0" fill="hold" grpId="0" nodeType="withEffect">
+                                  <p:stCondLst>
+                                    <p:cond delay="0"/>
+                                  </p:stCondLst>
+                                  <p:childTnLst>
+                                    <p:set>
+                                      <p:cBhvr>
+                                        <p:cTn id="42" dur="1" fill="hold">
+                                          <p:stCondLst>
+                                            <p:cond delay="0"/>
+                                          </p:stCondLst>
+                                        </p:cTn>
+                                        <p:tgtEl>
+                                          <p:spTgt spid="3">
+                                            <p:txEl>
+                                              <p:pRg st="7" end="7"/>
+                                            </p:txEl>
+                                          </p:spTgt>
+                                        </p:tgtEl>
+                                        <p:attrNameLst>
+                                          <p:attrName>style.visibility</p:attrName>
+                                        </p:attrNameLst>
+                                      </p:cBhvr>
+                                      <p:to>
+                                        <p:strVal val="visible"/>
+                                      </p:to>
+                                    </p:set>
+                                  </p:childTnLst>
+                                </p:cTn>
+                              </p:par>
+                            </p:childTnLst>
+                          </p:cTn>
+                        </p:par>
+                      </p:childTnLst>
+                    </p:cTn>
+                  </p:par>
+                </p:childTnLst>
+              </p:cTn>
+              <p:prevCondLst>
+                <p:cond evt="onPrev" delay="0">
+                  <p:tgtEl>
+                    <p:sldTgt/>
+                  </p:tgtEl>
+                </p:cond>
+              </p:prevCondLst>
+              <p:nextCondLst>
+                <p:cond evt="onNext" delay="0">
+                  <p:tgtEl>
+                    <p:sldTgt/>
+                  </p:tgtEl>
+                </p:cond>
+              </p:nextCondLst>
+            </p:seq>
+          </p:childTnLst>
+        </p:cTn>
+      </p:par>
+    </p:tnLst>
+    <p:bldLst>
+      <p:bldP spid="3" grpId="0" build="p"/>
+      <p:bldP spid="21" grpId="0" animBg="1"/>
+    </p:bldLst>
+  </p:timing>
 </p:sld>
 </file>
 
@@ -3957,8 +4627,13 @@
           <a:p>
             <a:r>
               <a:rPr lang="en-US" dirty="0"/>
-              <a:t>Blockchain – longest chain</a:t>
-            </a:r>
+              <a:t>Blockchain – longest </a:t>
+            </a:r>
+            <a:r>
+              <a:rPr lang="en-US" dirty="0" err="1"/>
+              <a:t>chain_TODO</a:t>
+            </a:r>
+            <a:endParaRPr lang="en-US" dirty="0"/>
           </a:p>
         </p:txBody>
       </p:sp>
@@ -4021,152 +4696,6 @@
           </a:prstGeom>
         </p:spPr>
       </p:pic>
-      <p:grpSp>
-        <p:nvGrpSpPr>
-          <p:cNvPr id="63" name="Group 62">
-            <a:extLst>
-              <a:ext uri="{FF2B5EF4-FFF2-40B4-BE49-F238E27FC236}">
-                <a16:creationId xmlns:a16="http://schemas.microsoft.com/office/drawing/2014/main" id="{1F9D1138-16F8-4F25-8FF0-42B66766FA90}"/>
-              </a:ext>
-            </a:extLst>
-          </p:cNvPr>
-          <p:cNvGrpSpPr/>
-          <p:nvPr/>
-        </p:nvGrpSpPr>
-        <p:grpSpPr>
-          <a:xfrm>
-            <a:off x="343526" y="3330750"/>
-            <a:ext cx="4842197" cy="3463947"/>
-            <a:chOff x="368238" y="3528462"/>
-            <a:chExt cx="4842197" cy="3463947"/>
-          </a:xfrm>
-        </p:grpSpPr>
-        <p:pic>
-          <p:nvPicPr>
-            <p:cNvPr id="61" name="Picture 60">
-              <a:extLst>
-                <a:ext uri="{FF2B5EF4-FFF2-40B4-BE49-F238E27FC236}">
-                  <a16:creationId xmlns:a16="http://schemas.microsoft.com/office/drawing/2014/main" id="{5D354563-D64E-4A78-81FE-5A592DE19DA6}"/>
-                </a:ext>
-              </a:extLst>
-            </p:cNvPr>
-            <p:cNvPicPr>
-              <a:picLocks noChangeAspect="1"/>
-            </p:cNvPicPr>
-            <p:nvPr/>
-          </p:nvPicPr>
-          <p:blipFill>
-            <a:blip r:embed="rId3"/>
-            <a:stretch>
-              <a:fillRect/>
-            </a:stretch>
-          </p:blipFill>
-          <p:spPr>
-            <a:xfrm>
-              <a:off x="368238" y="3528462"/>
-              <a:ext cx="4842197" cy="2827888"/>
-            </a:xfrm>
-            <a:prstGeom prst="rect">
-              <a:avLst/>
-            </a:prstGeom>
-          </p:spPr>
-        </p:pic>
-        <p:sp>
-          <p:nvSpPr>
-            <p:cNvPr id="62" name="Rectangle 61">
-              <a:extLst>
-                <a:ext uri="{FF2B5EF4-FFF2-40B4-BE49-F238E27FC236}">
-                  <a16:creationId xmlns:a16="http://schemas.microsoft.com/office/drawing/2014/main" id="{9CA543AB-8DB9-42E2-A328-B9E134C49DD1}"/>
-                </a:ext>
-              </a:extLst>
-            </p:cNvPr>
-            <p:cNvSpPr/>
-            <p:nvPr/>
-          </p:nvSpPr>
-          <p:spPr>
-            <a:xfrm>
-              <a:off x="697820" y="6038302"/>
-              <a:ext cx="1258329" cy="954107"/>
-            </a:xfrm>
-            <a:prstGeom prst="rect">
-              <a:avLst/>
-            </a:prstGeom>
-          </p:spPr>
-          <p:txBody>
-            <a:bodyPr wrap="square">
-              <a:spAutoFit/>
-            </a:bodyPr>
-            <a:lstStyle/>
-            <a:p>
-              <a:r>
-                <a:rPr lang="en-US" altLang="zh-CN" sz="1400" dirty="0">
-                  <a:solidFill>
-                    <a:srgbClr val="C00000"/>
-                  </a:solidFill>
-                  <a:latin typeface="Arial" panose="020B0604020202020204" pitchFamily="34" charset="0"/>
-                </a:rPr>
-                <a:t>3028237</a:t>
-              </a:r>
-              <a:endParaRPr lang="zh-CN" altLang="en-US" sz="1400" dirty="0">
-                <a:solidFill>
-                  <a:srgbClr val="C00000"/>
-                </a:solidFill>
-                <a:latin typeface="Arial" panose="020B0604020202020204" pitchFamily="34" charset="0"/>
-              </a:endParaRPr>
-            </a:p>
-            <a:p>
-              <a:r>
-                <a:rPr lang="en-US" altLang="zh-CN" sz="1400" dirty="0">
-                  <a:solidFill>
-                    <a:srgbClr val="C00000"/>
-                  </a:solidFill>
-                  <a:latin typeface="Arial" panose="020B0604020202020204" pitchFamily="34" charset="0"/>
-                </a:rPr>
-                <a:t>3028238</a:t>
-              </a:r>
-              <a:endParaRPr lang="zh-CN" altLang="en-US" sz="1400" dirty="0">
-                <a:solidFill>
-                  <a:srgbClr val="C00000"/>
-                </a:solidFill>
-                <a:latin typeface="Arial" panose="020B0604020202020204" pitchFamily="34" charset="0"/>
-              </a:endParaRPr>
-            </a:p>
-            <a:p>
-              <a:r>
-                <a:rPr lang="en-US" altLang="zh-CN" sz="1400" dirty="0">
-                  <a:solidFill>
-                    <a:srgbClr val="C00000"/>
-                  </a:solidFill>
-                  <a:latin typeface="Arial" panose="020B0604020202020204" pitchFamily="34" charset="0"/>
-                </a:rPr>
-                <a:t>3028239</a:t>
-              </a:r>
-              <a:endParaRPr lang="zh-CN" altLang="en-US" sz="1400" dirty="0">
-                <a:solidFill>
-                  <a:srgbClr val="C00000"/>
-                </a:solidFill>
-                <a:latin typeface="Arial" panose="020B0604020202020204" pitchFamily="34" charset="0"/>
-              </a:endParaRPr>
-            </a:p>
-            <a:p>
-              <a:r>
-                <a:rPr lang="en-US" altLang="zh-CN" sz="1400" dirty="0">
-                  <a:solidFill>
-                    <a:srgbClr val="C00000"/>
-                  </a:solidFill>
-                  <a:latin typeface="Arial" panose="020B0604020202020204" pitchFamily="34" charset="0"/>
-                </a:rPr>
-                <a:t>...</a:t>
-              </a:r>
-              <a:endParaRPr lang="en-US" sz="1400" dirty="0">
-                <a:solidFill>
-                  <a:srgbClr val="C00000"/>
-                </a:solidFill>
-              </a:endParaRPr>
-            </a:p>
-          </p:txBody>
-        </p:sp>
-      </p:grpSp>
       <p:grpSp>
         <p:nvGrpSpPr>
           <p:cNvPr id="11" name="Group 10">
@@ -4222,7 +4751,7 @@
               <p:nvPr/>
             </p:nvPicPr>
             <p:blipFill>
-              <a:blip r:embed="rId4">
+              <a:blip r:embed="rId3">
                 <a:extLst>
                   <a:ext uri="{28A0092B-C50C-407E-A947-70E740481C1C}">
                     <a14:useLocalDpi xmlns:a14="http://schemas.microsoft.com/office/drawing/2010/main" val="0"/>
@@ -4296,7 +4825,7 @@
               <p:nvPr/>
             </p:nvPicPr>
             <p:blipFill>
-              <a:blip r:embed="rId5"/>
+              <a:blip r:embed="rId4"/>
               <a:stretch>
                 <a:fillRect/>
               </a:stretch>
@@ -4326,7 +4855,7 @@
               <p:nvPr/>
             </p:nvPicPr>
             <p:blipFill>
-              <a:blip r:embed="rId5"/>
+              <a:blip r:embed="rId4"/>
               <a:stretch>
                 <a:fillRect/>
               </a:stretch>
@@ -4357,7 +4886,7 @@
             <p:nvPr/>
           </p:nvPicPr>
           <p:blipFill>
-            <a:blip r:embed="rId5"/>
+            <a:blip r:embed="rId4"/>
             <a:stretch>
               <a:fillRect/>
             </a:stretch>
@@ -4387,7 +4916,7 @@
             <p:nvPr/>
           </p:nvPicPr>
           <p:blipFill>
-            <a:blip r:embed="rId5"/>
+            <a:blip r:embed="rId4"/>
             <a:stretch>
               <a:fillRect/>
             </a:stretch>
@@ -4403,6 +4932,286 @@
           </p:spPr>
         </p:pic>
       </p:grpSp>
+      <p:grpSp>
+        <p:nvGrpSpPr>
+          <p:cNvPr id="23" name="Group 22"/>
+          <p:cNvGrpSpPr/>
+          <p:nvPr/>
+        </p:nvGrpSpPr>
+        <p:grpSpPr>
+          <a:xfrm>
+            <a:off x="245805" y="3158730"/>
+            <a:ext cx="6091554" cy="3635967"/>
+            <a:chOff x="245805" y="3158730"/>
+            <a:chExt cx="6091554" cy="3635967"/>
+          </a:xfrm>
+        </p:grpSpPr>
+        <p:pic>
+          <p:nvPicPr>
+            <p:cNvPr id="24" name="Picture 23"/>
+            <p:cNvPicPr>
+              <a:picLocks noChangeAspect="1"/>
+            </p:cNvPicPr>
+            <p:nvPr/>
+          </p:nvPicPr>
+          <p:blipFill>
+            <a:blip r:embed="rId5"/>
+            <a:stretch>
+              <a:fillRect/>
+            </a:stretch>
+          </p:blipFill>
+          <p:spPr>
+            <a:xfrm>
+              <a:off x="245805" y="3158730"/>
+              <a:ext cx="6091554" cy="3552308"/>
+            </a:xfrm>
+            <a:prstGeom prst="rect">
+              <a:avLst/>
+            </a:prstGeom>
+          </p:spPr>
+        </p:pic>
+        <p:sp>
+          <p:nvSpPr>
+            <p:cNvPr id="25" name="Rectangle 24">
+              <a:extLst/>
+            </p:cNvPr>
+            <p:cNvSpPr/>
+            <p:nvPr/>
+          </p:nvSpPr>
+          <p:spPr>
+            <a:xfrm>
+              <a:off x="673108" y="5840590"/>
+              <a:ext cx="1258329" cy="954107"/>
+            </a:xfrm>
+            <a:prstGeom prst="rect">
+              <a:avLst/>
+            </a:prstGeom>
+          </p:spPr>
+          <p:txBody>
+            <a:bodyPr wrap="square">
+              <a:spAutoFit/>
+            </a:bodyPr>
+            <a:lstStyle/>
+            <a:p>
+              <a:r>
+                <a:rPr lang="en-US" altLang="zh-CN" sz="1400" dirty="0">
+                  <a:solidFill>
+                    <a:srgbClr val="C00000"/>
+                  </a:solidFill>
+                  <a:latin typeface="Arial" panose="020B0604020202020204" pitchFamily="34" charset="0"/>
+                </a:rPr>
+                <a:t>3028237</a:t>
+              </a:r>
+              <a:endParaRPr lang="zh-CN" altLang="en-US" sz="1400" dirty="0">
+                <a:solidFill>
+                  <a:srgbClr val="C00000"/>
+                </a:solidFill>
+                <a:latin typeface="Arial" panose="020B0604020202020204" pitchFamily="34" charset="0"/>
+              </a:endParaRPr>
+            </a:p>
+            <a:p>
+              <a:r>
+                <a:rPr lang="en-US" altLang="zh-CN" sz="1400" dirty="0">
+                  <a:solidFill>
+                    <a:srgbClr val="C00000"/>
+                  </a:solidFill>
+                  <a:latin typeface="Arial" panose="020B0604020202020204" pitchFamily="34" charset="0"/>
+                </a:rPr>
+                <a:t>3028238</a:t>
+              </a:r>
+              <a:endParaRPr lang="zh-CN" altLang="en-US" sz="1400" dirty="0">
+                <a:solidFill>
+                  <a:srgbClr val="C00000"/>
+                </a:solidFill>
+                <a:latin typeface="Arial" panose="020B0604020202020204" pitchFamily="34" charset="0"/>
+              </a:endParaRPr>
+            </a:p>
+            <a:p>
+              <a:r>
+                <a:rPr lang="en-US" altLang="zh-CN" sz="1400" dirty="0">
+                  <a:solidFill>
+                    <a:srgbClr val="C00000"/>
+                  </a:solidFill>
+                  <a:latin typeface="Arial" panose="020B0604020202020204" pitchFamily="34" charset="0"/>
+                </a:rPr>
+                <a:t>3028239</a:t>
+              </a:r>
+              <a:endParaRPr lang="zh-CN" altLang="en-US" sz="1400" dirty="0">
+                <a:solidFill>
+                  <a:srgbClr val="C00000"/>
+                </a:solidFill>
+                <a:latin typeface="Arial" panose="020B0604020202020204" pitchFamily="34" charset="0"/>
+              </a:endParaRPr>
+            </a:p>
+            <a:p>
+              <a:r>
+                <a:rPr lang="en-US" altLang="zh-CN" sz="1400" dirty="0">
+                  <a:solidFill>
+                    <a:srgbClr val="C00000"/>
+                  </a:solidFill>
+                  <a:latin typeface="Arial" panose="020B0604020202020204" pitchFamily="34" charset="0"/>
+                </a:rPr>
+                <a:t>...</a:t>
+              </a:r>
+              <a:endParaRPr lang="en-US" sz="1400" dirty="0">
+                <a:solidFill>
+                  <a:srgbClr val="C00000"/>
+                </a:solidFill>
+              </a:endParaRPr>
+            </a:p>
+          </p:txBody>
+        </p:sp>
+      </p:grpSp>
+      <p:grpSp>
+        <p:nvGrpSpPr>
+          <p:cNvPr id="26" name="Group 25"/>
+          <p:cNvGrpSpPr/>
+          <p:nvPr/>
+        </p:nvGrpSpPr>
+        <p:grpSpPr>
+          <a:xfrm>
+            <a:off x="1847907" y="4337508"/>
+            <a:ext cx="929870" cy="1882033"/>
+            <a:chOff x="1847907" y="4337508"/>
+            <a:chExt cx="929870" cy="1882033"/>
+          </a:xfrm>
+        </p:grpSpPr>
+        <p:sp>
+          <p:nvSpPr>
+            <p:cNvPr id="27" name="Rectangle 26"/>
+            <p:cNvSpPr/>
+            <p:nvPr/>
+          </p:nvSpPr>
+          <p:spPr>
+            <a:xfrm>
+              <a:off x="1931437" y="4817289"/>
+              <a:ext cx="688330" cy="369332"/>
+            </a:xfrm>
+            <a:prstGeom prst="rect">
+              <a:avLst/>
+            </a:prstGeom>
+            <a:solidFill>
+              <a:srgbClr val="FF0000">
+                <a:alpha val="36000"/>
+              </a:srgbClr>
+            </a:solidFill>
+          </p:spPr>
+          <p:txBody>
+            <a:bodyPr wrap="none">
+              <a:spAutoFit/>
+            </a:bodyPr>
+            <a:lstStyle/>
+            <a:p>
+              <a:r>
+                <a:rPr lang="en-US" dirty="0" err="1"/>
+                <a:t>const</a:t>
+              </a:r>
+              <a:endParaRPr lang="en-US" dirty="0"/>
+            </a:p>
+          </p:txBody>
+        </p:sp>
+        <p:sp>
+          <p:nvSpPr>
+            <p:cNvPr id="28" name="Rectangle 27"/>
+            <p:cNvSpPr/>
+            <p:nvPr/>
+          </p:nvSpPr>
+          <p:spPr>
+            <a:xfrm>
+              <a:off x="1942728" y="4337508"/>
+              <a:ext cx="688330" cy="369332"/>
+            </a:xfrm>
+            <a:prstGeom prst="rect">
+              <a:avLst/>
+            </a:prstGeom>
+            <a:solidFill>
+              <a:srgbClr val="FF0000">
+                <a:alpha val="36000"/>
+              </a:srgbClr>
+            </a:solidFill>
+          </p:spPr>
+          <p:txBody>
+            <a:bodyPr wrap="none">
+              <a:spAutoFit/>
+            </a:bodyPr>
+            <a:lstStyle/>
+            <a:p>
+              <a:r>
+                <a:rPr lang="en-US" dirty="0" err="1"/>
+                <a:t>const</a:t>
+              </a:r>
+              <a:endParaRPr lang="en-US" dirty="0"/>
+            </a:p>
+          </p:txBody>
+        </p:sp>
+        <p:sp>
+          <p:nvSpPr>
+            <p:cNvPr id="29" name="Rectangle 28"/>
+            <p:cNvSpPr/>
+            <p:nvPr/>
+          </p:nvSpPr>
+          <p:spPr>
+            <a:xfrm>
+              <a:off x="1847907" y="5850209"/>
+              <a:ext cx="929870" cy="369332"/>
+            </a:xfrm>
+            <a:prstGeom prst="rect">
+              <a:avLst/>
+            </a:prstGeom>
+            <a:solidFill>
+              <a:srgbClr val="FF0000">
+                <a:alpha val="36000"/>
+              </a:srgbClr>
+            </a:solidFill>
+          </p:spPr>
+          <p:txBody>
+            <a:bodyPr wrap="none">
+              <a:spAutoFit/>
+            </a:bodyPr>
+            <a:lstStyle/>
+            <a:p>
+              <a:r>
+                <a:rPr lang="en-US" dirty="0"/>
+                <a:t>variable</a:t>
+              </a:r>
+            </a:p>
+          </p:txBody>
+        </p:sp>
+      </p:grpSp>
+      <p:sp>
+        <p:nvSpPr>
+          <p:cNvPr id="30" name="Rectangle 29"/>
+          <p:cNvSpPr/>
+          <p:nvPr/>
+        </p:nvSpPr>
+        <p:spPr>
+          <a:xfrm>
+            <a:off x="1934824" y="3736955"/>
+            <a:ext cx="688330" cy="369332"/>
+          </a:xfrm>
+          <a:prstGeom prst="rect">
+            <a:avLst/>
+          </a:prstGeom>
+          <a:solidFill>
+            <a:srgbClr val="00B050">
+              <a:alpha val="36000"/>
+            </a:srgbClr>
+          </a:solidFill>
+        </p:spPr>
+        <p:txBody>
+          <a:bodyPr wrap="none">
+            <a:spAutoFit/>
+          </a:bodyPr>
+          <a:lstStyle/>
+          <a:p>
+            <a:r>
+              <a:rPr lang="en-US" dirty="0" err="1"/>
+              <a:t>const</a:t>
+            </a:r>
+            <a:endParaRPr lang="en-US" dirty="0"/>
+          </a:p>
+        </p:txBody>
+      </p:sp>
     </p:spTree>
     <p:extLst>
       <p:ext uri="{BB962C8B-B14F-4D97-AF65-F5344CB8AC3E}">
@@ -4413,6 +5222,81 @@
   <p:clrMapOvr>
     <a:masterClrMapping/>
   </p:clrMapOvr>
+  <p:timing>
+    <p:tnLst>
+      <p:par>
+        <p:cTn id="1" dur="indefinite" restart="never" nodeType="tmRoot">
+          <p:childTnLst>
+            <p:seq concurrent="1" nextAc="seek">
+              <p:cTn id="2" dur="indefinite" nodeType="mainSeq">
+                <p:childTnLst>
+                  <p:par>
+                    <p:cTn id="3" fill="hold">
+                      <p:stCondLst>
+                        <p:cond delay="indefinite"/>
+                      </p:stCondLst>
+                      <p:childTnLst>
+                        <p:par>
+                          <p:cTn id="4" fill="hold">
+                            <p:stCondLst>
+                              <p:cond delay="0"/>
+                            </p:stCondLst>
+                            <p:childTnLst>
+                              <p:par>
+                                <p:cTn id="5" presetID="1" presetClass="entr" presetSubtype="0" fill="hold" nodeType="clickEffect">
+                                  <p:stCondLst>
+                                    <p:cond delay="0"/>
+                                  </p:stCondLst>
+                                  <p:childTnLst>
+                                    <p:set>
+                                      <p:cBhvr>
+                                        <p:cTn id="6" dur="1" fill="hold">
+                                          <p:stCondLst>
+                                            <p:cond delay="0"/>
+                                          </p:stCondLst>
+                                        </p:cTn>
+                                        <p:tgtEl>
+                                          <p:spTgt spid="11"/>
+                                        </p:tgtEl>
+                                        <p:attrNameLst>
+                                          <p:attrName>style.visibility</p:attrName>
+                                        </p:attrNameLst>
+                                      </p:cBhvr>
+                                      <p:to>
+                                        <p:strVal val="visible"/>
+                                      </p:to>
+                                    </p:set>
+                                  </p:childTnLst>
+                                </p:cTn>
+                              </p:par>
+                            </p:childTnLst>
+                          </p:cTn>
+                        </p:par>
+                      </p:childTnLst>
+                    </p:cTn>
+                  </p:par>
+                </p:childTnLst>
+              </p:cTn>
+              <p:prevCondLst>
+                <p:cond evt="onPrev" delay="0">
+                  <p:tgtEl>
+                    <p:sldTgt/>
+                  </p:tgtEl>
+                </p:cond>
+              </p:prevCondLst>
+              <p:nextCondLst>
+                <p:cond evt="onNext" delay="0">
+                  <p:tgtEl>
+                    <p:sldTgt/>
+                  </p:tgtEl>
+                </p:cond>
+              </p:nextCondLst>
+            </p:seq>
+          </p:childTnLst>
+        </p:cTn>
+      </p:par>
+    </p:tnLst>
+  </p:timing>
 </p:sld>
 </file>
 
@@ -4490,28 +5374,36 @@
           <a:p>
             <a:r>
               <a:rPr lang="en-US" dirty="0"/>
-              <a:t>Potential next blocks</a:t>
-            </a:r>
-          </a:p>
-          <a:p>
+              <a:t>Transactions</a:t>
+            </a:r>
+          </a:p>
+          <a:p>
+            <a:pPr lvl="1"/>
             <a:r>
               <a:rPr lang="en-US" dirty="0"/>
-              <a:t>Transaction Chain: History of Ownership</a:t>
-            </a:r>
+              <a:t>Confirmed Transactions </a:t>
+            </a:r>
+            <a:r>
+              <a:rPr lang="en-US" dirty="0">
+                <a:sym typeface="Wingdings" panose="05000000000000000000" pitchFamily="2" charset="2"/>
+              </a:rPr>
+              <a:t> added</a:t>
+            </a:r>
+            <a:endParaRPr lang="en-US" dirty="0"/>
           </a:p>
           <a:p>
             <a:pPr lvl="1"/>
             <a:r>
               <a:rPr lang="en-US" dirty="0"/>
-              <a:t>Unconfirmed Transactions</a:t>
-            </a:r>
-          </a:p>
-          <a:p>
-            <a:pPr lvl="1"/>
-            <a:r>
-              <a:rPr lang="en-US" dirty="0"/>
-              <a:t>Add to new Block</a:t>
-            </a:r>
+              <a:t>Unconfirmed Transactions </a:t>
+            </a:r>
+            <a:r>
+              <a:rPr lang="en-US" dirty="0">
+                <a:sym typeface="Wingdings" panose="05000000000000000000" pitchFamily="2" charset="2"/>
+              </a:rPr>
+              <a:t> to add</a:t>
+            </a:r>
+            <a:endParaRPr lang="en-US" dirty="0"/>
           </a:p>
         </p:txBody>
       </p:sp>
@@ -4588,13 +5480,7 @@
       </p:sp>
       <p:pic>
         <p:nvPicPr>
-          <p:cNvPr id="12" name="Picture 11">
-            <a:extLst>
-              <a:ext uri="{FF2B5EF4-FFF2-40B4-BE49-F238E27FC236}">
-                <a16:creationId xmlns:a16="http://schemas.microsoft.com/office/drawing/2014/main" id="{82DF8253-6EB5-432A-A582-CF719DFBA0A9}"/>
-              </a:ext>
-            </a:extLst>
-          </p:cNvPr>
+          <p:cNvPr id="4" name="Picture 3"/>
           <p:cNvPicPr>
             <a:picLocks noChangeAspect="1"/>
           </p:cNvPicPr>
@@ -4608,8 +5494,8 @@
         </p:blipFill>
         <p:spPr>
           <a:xfrm>
-            <a:off x="6221626" y="181715"/>
-            <a:ext cx="5132173" cy="2022403"/>
+            <a:off x="6806367" y="64218"/>
+            <a:ext cx="6351666" cy="2841667"/>
           </a:xfrm>
           <a:prstGeom prst="rect">
             <a:avLst/>
@@ -4717,7 +5603,7 @@
         </p:spPr>
         <p:txBody>
           <a:bodyPr>
-            <a:normAutofit/>
+            <a:normAutofit fontScale="92500"/>
           </a:bodyPr>
           <a:lstStyle/>
           <a:p>
@@ -4730,7 +5616,42 @@
             <a:pPr lvl="1"/>
             <a:r>
               <a:rPr lang="en-US" dirty="0"/>
-              <a:t>Every 4 years, cut in half, every 10 minutes</a:t>
+              <a:t>Create block every 10 minutes</a:t>
+            </a:r>
+          </a:p>
+          <a:p>
+            <a:pPr lvl="2"/>
+            <a:r>
+              <a:rPr lang="en-US" dirty="0"/>
+              <a:t>Adjust difficulty every 2016 blocks, (around 2 weeks)</a:t>
+            </a:r>
+          </a:p>
+          <a:p>
+            <a:pPr lvl="1"/>
+            <a:r>
+              <a:rPr lang="en-US" dirty="0"/>
+              <a:t>Every 4 years, award cut in half, </a:t>
+            </a:r>
+          </a:p>
+          <a:p>
+            <a:pPr lvl="2"/>
+            <a:r>
+              <a:rPr lang="en-US" dirty="0"/>
+              <a:t>Start from 50 BTC / block</a:t>
+            </a:r>
+          </a:p>
+          <a:p>
+            <a:pPr lvl="2"/>
+            <a:r>
+              <a:rPr lang="en-US" dirty="0"/>
+              <a:t>Current: 12.5 coins, </a:t>
+            </a:r>
+          </a:p>
+          <a:p>
+            <a:pPr lvl="2"/>
+            <a:r>
+              <a:rPr lang="en-US" dirty="0"/>
+              <a:t>Future: no award, depend on transactions</a:t>
             </a:r>
           </a:p>
           <a:p>
@@ -4752,25 +5673,9 @@
             <a:endParaRPr lang="en-US" dirty="0"/>
           </a:p>
           <a:p>
-            <a:pPr lvl="1"/>
             <a:r>
               <a:rPr lang="en-US" dirty="0"/>
-              <a:t>Smallest: 1/100,000,000 </a:t>
-            </a:r>
-            <a:r>
-              <a:rPr lang="en-US" dirty="0" err="1"/>
-              <a:t>BitCoin</a:t>
-            </a:r>
-            <a:r>
-              <a:rPr lang="en-US" dirty="0"/>
-              <a:t>  = 1 Satoshi</a:t>
-            </a:r>
-          </a:p>
-          <a:p>
-            <a:pPr lvl="1"/>
-            <a:r>
-              <a:rPr lang="en-US" dirty="0"/>
-              <a:t>Current: 12.5 coins, Future: transactions</a:t>
+              <a:t>Smallest transaction unit: 1/10^8 BTC  = 1 Satoshi</a:t>
             </a:r>
           </a:p>
           <a:p>
@@ -4790,25 +5695,8 @@
             <a:pPr lvl="1"/>
             <a:r>
               <a:rPr lang="en-US" dirty="0"/>
-              <a:t>Safeguard the block chain</a:t>
-            </a:r>
-          </a:p>
-          <a:p>
-            <a:r>
-              <a:rPr lang="en-US" dirty="0"/>
-              <a:t>How 10 minutes:</a:t>
-            </a:r>
-          </a:p>
-          <a:p>
-            <a:pPr lvl="1"/>
-            <a:r>
-              <a:rPr lang="en-US" dirty="0"/>
-              <a:t>Adjust difficulty every 2016 blocks, (around 2 weeks)</a:t>
-            </a:r>
-          </a:p>
-          <a:p>
-            <a:pPr lvl="1"/>
-            <a:endParaRPr lang="en-US" dirty="0"/>
+              <a:t>Safeguard the blockchain</a:t>
+            </a:r>
           </a:p>
         </p:txBody>
       </p:sp>

--- a/how_bitcoin_works/How_02_Mining_blocks_blockchain.pptx
+++ b/how_bitcoin_works/How_02_Mining_blocks_blockchain.pptx
@@ -205,7 +205,7 @@
           <a:p>
             <a:fld id="{997B8459-DB34-44B7-8088-D81CF29DBC4F}" type="datetimeFigureOut">
               <a:rPr lang="en-US" smtClean="0"/>
-              <a:t>6/5/2017</a:t>
+              <a:t>6/6/2017</a:t>
             </a:fld>
             <a:endParaRPr lang="en-US"/>
           </a:p>
@@ -601,7 +601,7 @@
           <a:p>
             <a:fld id="{1A0CC6C9-F88A-4A1A-8FB0-07A130189CC8}" type="datetime1">
               <a:rPr lang="en-US" smtClean="0"/>
-              <a:t>6/5/2017</a:t>
+              <a:t>6/6/2017</a:t>
             </a:fld>
             <a:endParaRPr lang="en-US"/>
           </a:p>
@@ -769,7 +769,7 @@
           <a:p>
             <a:fld id="{662CE6F3-128A-4A7E-948E-31AC50BA5F60}" type="datetime1">
               <a:rPr lang="en-US" smtClean="0"/>
-              <a:t>6/5/2017</a:t>
+              <a:t>6/6/2017</a:t>
             </a:fld>
             <a:endParaRPr lang="en-US"/>
           </a:p>
@@ -947,7 +947,7 @@
           <a:p>
             <a:fld id="{D8EF803D-58A6-4B2B-AD8D-C3D6CC66E6EB}" type="datetime1">
               <a:rPr lang="en-US" smtClean="0"/>
-              <a:t>6/5/2017</a:t>
+              <a:t>6/6/2017</a:t>
             </a:fld>
             <a:endParaRPr lang="en-US"/>
           </a:p>
@@ -1025,6 +1025,36 @@
           <a:chExt cx="0" cy="0"/>
         </a:xfrm>
       </p:grpSpPr>
+      <p:pic>
+        <p:nvPicPr>
+          <p:cNvPr id="25" name="Picture 24">
+            <a:extLst>
+              <a:ext uri="{FF2B5EF4-FFF2-40B4-BE49-F238E27FC236}">
+                <a16:creationId xmlns:a16="http://schemas.microsoft.com/office/drawing/2014/main" id="{93BA1E05-BB29-4A8D-8376-44255F3C918E}"/>
+              </a:ext>
+            </a:extLst>
+          </p:cNvPr>
+          <p:cNvPicPr>
+            <a:picLocks noChangeAspect="1"/>
+          </p:cNvPicPr>
+          <p:nvPr userDrawn="1"/>
+        </p:nvPicPr>
+        <p:blipFill>
+          <a:blip r:embed="rId2"/>
+          <a:stretch>
+            <a:fillRect/>
+          </a:stretch>
+        </p:blipFill>
+        <p:spPr>
+          <a:xfrm>
+            <a:off x="7857501" y="1254785"/>
+            <a:ext cx="4552939" cy="2859635"/>
+          </a:xfrm>
+          <a:prstGeom prst="rect">
+            <a:avLst/>
+          </a:prstGeom>
+        </p:spPr>
+      </p:pic>
       <p:sp>
         <p:nvSpPr>
           <p:cNvPr id="2" name="Title 1"/>
@@ -1072,7 +1102,7 @@
         </p:nvSpPr>
         <p:spPr>
           <a:xfrm>
-            <a:off x="245805" y="1150374"/>
+            <a:off x="250885" y="1150374"/>
             <a:ext cx="11818375" cy="5026589"/>
           </a:xfrm>
         </p:spPr>
@@ -1082,35 +1112,35 @@
           <a:p>
             <a:pPr lvl="0"/>
             <a:r>
-              <a:rPr lang="en-US"/>
+              <a:rPr lang="en-US" dirty="0"/>
               <a:t>Edit Master text styles</a:t>
             </a:r>
           </a:p>
           <a:p>
             <a:pPr lvl="1"/>
             <a:r>
-              <a:rPr lang="en-US"/>
+              <a:rPr lang="en-US" dirty="0"/>
               <a:t>Second level</a:t>
             </a:r>
           </a:p>
           <a:p>
             <a:pPr lvl="2"/>
             <a:r>
-              <a:rPr lang="en-US"/>
+              <a:rPr lang="en-US" dirty="0"/>
               <a:t>Third level</a:t>
             </a:r>
           </a:p>
           <a:p>
             <a:pPr lvl="3"/>
             <a:r>
-              <a:rPr lang="en-US"/>
+              <a:rPr lang="en-US" dirty="0"/>
               <a:t>Fourth level</a:t>
             </a:r>
           </a:p>
           <a:p>
             <a:pPr lvl="4"/>
             <a:r>
-              <a:rPr lang="en-US"/>
+              <a:rPr lang="en-US" dirty="0"/>
               <a:t>Fifth level</a:t>
             </a:r>
           </a:p>
@@ -1126,14 +1156,19 @@
             <p:ph type="dt" sz="half" idx="10"/>
           </p:nvPr>
         </p:nvSpPr>
-        <p:spPr/>
+        <p:spPr>
+          <a:xfrm>
+            <a:off x="838200" y="6356350"/>
+            <a:ext cx="2255414" cy="365125"/>
+          </a:xfrm>
+        </p:spPr>
         <p:txBody>
           <a:bodyPr/>
           <a:lstStyle/>
           <a:p>
             <a:fld id="{519BD8FA-81DB-4BAD-B3C3-CA109C80A853}" type="datetime1">
               <a:rPr lang="en-US" smtClean="0"/>
-              <a:t>6/5/2017</a:t>
+              <a:t>6/6/2017</a:t>
             </a:fld>
             <a:endParaRPr lang="en-US"/>
           </a:p>
@@ -1149,12 +1184,17 @@
             <p:ph type="ftr" sz="quarter" idx="11"/>
           </p:nvPr>
         </p:nvSpPr>
-        <p:spPr/>
+        <p:spPr>
+          <a:xfrm>
+            <a:off x="3254169" y="6356350"/>
+            <a:ext cx="3383121" cy="365125"/>
+          </a:xfrm>
+        </p:spPr>
         <p:txBody>
           <a:bodyPr/>
           <a:lstStyle/>
           <a:p>
-            <a:endParaRPr lang="en-US"/>
+            <a:endParaRPr lang="en-US" dirty="0"/>
           </a:p>
         </p:txBody>
       </p:sp>
@@ -1168,7 +1208,12 @@
             <p:ph type="sldNum" sz="quarter" idx="12"/>
           </p:nvPr>
         </p:nvSpPr>
-        <p:spPr/>
+        <p:spPr>
+          <a:xfrm>
+            <a:off x="6967471" y="6356354"/>
+            <a:ext cx="1050568" cy="365125"/>
+          </a:xfrm>
+        </p:spPr>
         <p:txBody>
           <a:bodyPr/>
           <a:lstStyle/>
@@ -1181,6 +1226,221 @@
           </a:p>
         </p:txBody>
       </p:sp>
+      <p:pic>
+        <p:nvPicPr>
+          <p:cNvPr id="17" name="Picture 16">
+            <a:extLst>
+              <a:ext uri="{FF2B5EF4-FFF2-40B4-BE49-F238E27FC236}">
+                <a16:creationId xmlns:a16="http://schemas.microsoft.com/office/drawing/2014/main" id="{461E3501-985A-4CBD-880C-B7E38081C34A}"/>
+              </a:ext>
+            </a:extLst>
+          </p:cNvPr>
+          <p:cNvPicPr>
+            <a:picLocks noChangeAspect="1"/>
+          </p:cNvPicPr>
+          <p:nvPr userDrawn="1"/>
+        </p:nvPicPr>
+        <p:blipFill>
+          <a:blip r:embed="rId3"/>
+          <a:stretch>
+            <a:fillRect/>
+          </a:stretch>
+        </p:blipFill>
+        <p:spPr>
+          <a:xfrm>
+            <a:off x="8078998" y="5291374"/>
+            <a:ext cx="1339529" cy="1508539"/>
+          </a:xfrm>
+          <a:prstGeom prst="rect">
+            <a:avLst/>
+          </a:prstGeom>
+        </p:spPr>
+      </p:pic>
+      <p:pic>
+        <p:nvPicPr>
+          <p:cNvPr id="18" name="Picture 17">
+            <a:extLst>
+              <a:ext uri="{FF2B5EF4-FFF2-40B4-BE49-F238E27FC236}">
+                <a16:creationId xmlns:a16="http://schemas.microsoft.com/office/drawing/2014/main" id="{8BA2A57D-B3AB-4959-AB68-24673357BFD8}"/>
+              </a:ext>
+            </a:extLst>
+          </p:cNvPr>
+          <p:cNvPicPr>
+            <a:picLocks noChangeAspect="1"/>
+          </p:cNvPicPr>
+          <p:nvPr userDrawn="1"/>
+        </p:nvPicPr>
+        <p:blipFill>
+          <a:blip r:embed="rId4"/>
+          <a:stretch>
+            <a:fillRect/>
+          </a:stretch>
+        </p:blipFill>
+        <p:spPr>
+          <a:xfrm>
+            <a:off x="9249876" y="5291374"/>
+            <a:ext cx="1498720" cy="1508539"/>
+          </a:xfrm>
+          <a:prstGeom prst="rect">
+            <a:avLst/>
+          </a:prstGeom>
+        </p:spPr>
+      </p:pic>
+      <p:pic>
+        <p:nvPicPr>
+          <p:cNvPr id="19" name="Picture 18">
+            <a:extLst>
+              <a:ext uri="{FF2B5EF4-FFF2-40B4-BE49-F238E27FC236}">
+                <a16:creationId xmlns:a16="http://schemas.microsoft.com/office/drawing/2014/main" id="{175CCB61-8412-4576-A8E0-3462CCD3468E}"/>
+              </a:ext>
+            </a:extLst>
+          </p:cNvPr>
+          <p:cNvPicPr>
+            <a:picLocks noChangeAspect="1"/>
+          </p:cNvPicPr>
+          <p:nvPr userDrawn="1"/>
+        </p:nvPicPr>
+        <p:blipFill>
+          <a:blip r:embed="rId5"/>
+          <a:stretch>
+            <a:fillRect/>
+          </a:stretch>
+        </p:blipFill>
+        <p:spPr>
+          <a:xfrm>
+            <a:off x="10601415" y="5291374"/>
+            <a:ext cx="1506486" cy="1508539"/>
+          </a:xfrm>
+          <a:prstGeom prst="rect">
+            <a:avLst/>
+          </a:prstGeom>
+        </p:spPr>
+      </p:pic>
+      <p:sp>
+        <p:nvSpPr>
+          <p:cNvPr id="22" name="Rectangle 21">
+            <a:extLst>
+              <a:ext uri="{FF2B5EF4-FFF2-40B4-BE49-F238E27FC236}">
+                <a16:creationId xmlns:a16="http://schemas.microsoft.com/office/drawing/2014/main" id="{93322184-CFB5-40A6-BDD4-3CE74D19F093}"/>
+              </a:ext>
+            </a:extLst>
+          </p:cNvPr>
+          <p:cNvSpPr/>
+          <p:nvPr/>
+        </p:nvSpPr>
+        <p:spPr>
+          <a:xfrm>
+            <a:off x="8131809" y="3827956"/>
+            <a:ext cx="1258329" cy="954107"/>
+          </a:xfrm>
+          <a:prstGeom prst="rect">
+            <a:avLst/>
+          </a:prstGeom>
+        </p:spPr>
+        <p:txBody>
+          <a:bodyPr wrap="square">
+            <a:spAutoFit/>
+          </a:bodyPr>
+          <a:lstStyle/>
+          <a:p>
+            <a:r>
+              <a:rPr lang="en-US" altLang="zh-CN" sz="1400" dirty="0">
+                <a:solidFill>
+                  <a:srgbClr val="C00000"/>
+                </a:solidFill>
+                <a:latin typeface="Arial" panose="020B0604020202020204" pitchFamily="34" charset="0"/>
+              </a:rPr>
+              <a:t>3028237</a:t>
+            </a:r>
+            <a:endParaRPr lang="zh-CN" altLang="en-US" sz="1400" dirty="0">
+              <a:solidFill>
+                <a:srgbClr val="C00000"/>
+              </a:solidFill>
+              <a:latin typeface="Arial" panose="020B0604020202020204" pitchFamily="34" charset="0"/>
+            </a:endParaRPr>
+          </a:p>
+          <a:p>
+            <a:r>
+              <a:rPr lang="en-US" altLang="zh-CN" sz="1400" dirty="0">
+                <a:solidFill>
+                  <a:srgbClr val="C00000"/>
+                </a:solidFill>
+                <a:latin typeface="Arial" panose="020B0604020202020204" pitchFamily="34" charset="0"/>
+              </a:rPr>
+              <a:t>3028238</a:t>
+            </a:r>
+            <a:endParaRPr lang="zh-CN" altLang="en-US" sz="1400" dirty="0">
+              <a:solidFill>
+                <a:srgbClr val="C00000"/>
+              </a:solidFill>
+              <a:latin typeface="Arial" panose="020B0604020202020204" pitchFamily="34" charset="0"/>
+            </a:endParaRPr>
+          </a:p>
+          <a:p>
+            <a:r>
+              <a:rPr lang="en-US" altLang="zh-CN" sz="1400" dirty="0">
+                <a:solidFill>
+                  <a:srgbClr val="C00000"/>
+                </a:solidFill>
+                <a:latin typeface="Arial" panose="020B0604020202020204" pitchFamily="34" charset="0"/>
+              </a:rPr>
+              <a:t>3028239</a:t>
+            </a:r>
+            <a:endParaRPr lang="zh-CN" altLang="en-US" sz="1400" dirty="0">
+              <a:solidFill>
+                <a:srgbClr val="C00000"/>
+              </a:solidFill>
+              <a:latin typeface="Arial" panose="020B0604020202020204" pitchFamily="34" charset="0"/>
+            </a:endParaRPr>
+          </a:p>
+          <a:p>
+            <a:r>
+              <a:rPr lang="en-US" altLang="zh-CN" sz="1400" dirty="0">
+                <a:solidFill>
+                  <a:srgbClr val="C00000"/>
+                </a:solidFill>
+                <a:latin typeface="Arial" panose="020B0604020202020204" pitchFamily="34" charset="0"/>
+              </a:rPr>
+              <a:t>...</a:t>
+            </a:r>
+            <a:endParaRPr lang="en-US" sz="1400" dirty="0">
+              <a:solidFill>
+                <a:srgbClr val="C00000"/>
+              </a:solidFill>
+            </a:endParaRPr>
+          </a:p>
+        </p:txBody>
+      </p:sp>
+      <p:pic>
+        <p:nvPicPr>
+          <p:cNvPr id="24" name="Picture 23">
+            <a:extLst>
+              <a:ext uri="{FF2B5EF4-FFF2-40B4-BE49-F238E27FC236}">
+                <a16:creationId xmlns:a16="http://schemas.microsoft.com/office/drawing/2014/main" id="{E8740E3B-C67B-46BF-A946-361CBB8A4FFC}"/>
+              </a:ext>
+            </a:extLst>
+          </p:cNvPr>
+          <p:cNvPicPr>
+            <a:picLocks noChangeAspect="1"/>
+          </p:cNvPicPr>
+          <p:nvPr userDrawn="1"/>
+        </p:nvPicPr>
+        <p:blipFill>
+          <a:blip r:embed="rId6"/>
+          <a:stretch>
+            <a:fillRect/>
+          </a:stretch>
+        </p:blipFill>
+        <p:spPr>
+          <a:xfrm>
+            <a:off x="7810880" y="5484577"/>
+            <a:ext cx="303676" cy="332023"/>
+          </a:xfrm>
+          <a:prstGeom prst="rect">
+            <a:avLst/>
+          </a:prstGeom>
+        </p:spPr>
+      </p:pic>
     </p:spTree>
     <p:extLst>
       <p:ext uri="{BB962C8B-B14F-4D97-AF65-F5344CB8AC3E}">
@@ -1363,7 +1623,13 @@
       </p:sp>
       <p:sp>
         <p:nvSpPr>
-          <p:cNvPr id="4" name="Date Placeholder 3"/>
+          <p:cNvPr id="9" name="Date Placeholder 3">
+            <a:extLst>
+              <a:ext uri="{FF2B5EF4-FFF2-40B4-BE49-F238E27FC236}">
+                <a16:creationId xmlns:a16="http://schemas.microsoft.com/office/drawing/2014/main" id="{6B2AD93D-4E59-4593-8278-7D510F139C8E}"/>
+              </a:ext>
+            </a:extLst>
+          </p:cNvPr>
           <p:cNvSpPr>
             <a:spLocks noGrp="1"/>
           </p:cNvSpPr>
@@ -1371,14 +1637,19 @@
             <p:ph type="dt" sz="half" idx="10"/>
           </p:nvPr>
         </p:nvSpPr>
-        <p:spPr/>
+        <p:spPr>
+          <a:xfrm>
+            <a:off x="838200" y="6356350"/>
+            <a:ext cx="2255414" cy="365125"/>
+          </a:xfrm>
+        </p:spPr>
         <p:txBody>
           <a:bodyPr/>
           <a:lstStyle/>
           <a:p>
-            <a:fld id="{3F6C7022-96DB-48F2-B3FB-BE06C53B7BA1}" type="datetime1">
+            <a:fld id="{519BD8FA-81DB-4BAD-B3C3-CA109C80A853}" type="datetime1">
               <a:rPr lang="en-US" smtClean="0"/>
-              <a:t>6/5/2017</a:t>
+              <a:t>6/6/2017</a:t>
             </a:fld>
             <a:endParaRPr lang="en-US"/>
           </a:p>
@@ -1386,7 +1657,13 @@
       </p:sp>
       <p:sp>
         <p:nvSpPr>
-          <p:cNvPr id="5" name="Footer Placeholder 4"/>
+          <p:cNvPr id="10" name="Footer Placeholder 4">
+            <a:extLst>
+              <a:ext uri="{FF2B5EF4-FFF2-40B4-BE49-F238E27FC236}">
+                <a16:creationId xmlns:a16="http://schemas.microsoft.com/office/drawing/2014/main" id="{07681BA5-34EF-4C8F-87C8-5990284B7625}"/>
+              </a:ext>
+            </a:extLst>
+          </p:cNvPr>
           <p:cNvSpPr>
             <a:spLocks noGrp="1"/>
           </p:cNvSpPr>
@@ -1394,18 +1671,29 @@
             <p:ph type="ftr" sz="quarter" idx="11"/>
           </p:nvPr>
         </p:nvSpPr>
-        <p:spPr/>
+        <p:spPr>
+          <a:xfrm>
+            <a:off x="3254169" y="6356350"/>
+            <a:ext cx="3383121" cy="365125"/>
+          </a:xfrm>
+        </p:spPr>
         <p:txBody>
           <a:bodyPr/>
           <a:lstStyle/>
           <a:p>
-            <a:endParaRPr lang="en-US"/>
+            <a:endParaRPr lang="en-US" dirty="0"/>
           </a:p>
         </p:txBody>
       </p:sp>
       <p:sp>
         <p:nvSpPr>
-          <p:cNvPr id="6" name="Slide Number Placeholder 5"/>
+          <p:cNvPr id="11" name="Slide Number Placeholder 5">
+            <a:extLst>
+              <a:ext uri="{FF2B5EF4-FFF2-40B4-BE49-F238E27FC236}">
+                <a16:creationId xmlns:a16="http://schemas.microsoft.com/office/drawing/2014/main" id="{4092A8C4-C18B-443A-AF07-7C79A335DBD8}"/>
+              </a:ext>
+            </a:extLst>
+          </p:cNvPr>
           <p:cNvSpPr>
             <a:spLocks noGrp="1"/>
           </p:cNvSpPr>
@@ -1413,7 +1701,12 @@
             <p:ph type="sldNum" sz="quarter" idx="12"/>
           </p:nvPr>
         </p:nvSpPr>
-        <p:spPr/>
+        <p:spPr>
+          <a:xfrm>
+            <a:off x="6967471" y="6356354"/>
+            <a:ext cx="1050568" cy="365125"/>
+          </a:xfrm>
+        </p:spPr>
         <p:txBody>
           <a:bodyPr/>
           <a:lstStyle/>
@@ -1426,6 +1719,96 @@
           </a:p>
         </p:txBody>
       </p:sp>
+      <p:pic>
+        <p:nvPicPr>
+          <p:cNvPr id="12" name="Picture 11">
+            <a:extLst>
+              <a:ext uri="{FF2B5EF4-FFF2-40B4-BE49-F238E27FC236}">
+                <a16:creationId xmlns:a16="http://schemas.microsoft.com/office/drawing/2014/main" id="{6AB392EF-CE91-425E-A1CC-49AB3D777E32}"/>
+              </a:ext>
+            </a:extLst>
+          </p:cNvPr>
+          <p:cNvPicPr>
+            <a:picLocks noChangeAspect="1"/>
+          </p:cNvPicPr>
+          <p:nvPr userDrawn="1"/>
+        </p:nvPicPr>
+        <p:blipFill>
+          <a:blip r:embed="rId2"/>
+          <a:stretch>
+            <a:fillRect/>
+          </a:stretch>
+        </p:blipFill>
+        <p:spPr>
+          <a:xfrm>
+            <a:off x="8018038" y="5184694"/>
+            <a:ext cx="1339529" cy="1508539"/>
+          </a:xfrm>
+          <a:prstGeom prst="rect">
+            <a:avLst/>
+          </a:prstGeom>
+        </p:spPr>
+      </p:pic>
+      <p:pic>
+        <p:nvPicPr>
+          <p:cNvPr id="13" name="Picture 12">
+            <a:extLst>
+              <a:ext uri="{FF2B5EF4-FFF2-40B4-BE49-F238E27FC236}">
+                <a16:creationId xmlns:a16="http://schemas.microsoft.com/office/drawing/2014/main" id="{59BD84A6-EB22-42E0-8D8B-F5232601EC42}"/>
+              </a:ext>
+            </a:extLst>
+          </p:cNvPr>
+          <p:cNvPicPr>
+            <a:picLocks noChangeAspect="1"/>
+          </p:cNvPicPr>
+          <p:nvPr userDrawn="1"/>
+        </p:nvPicPr>
+        <p:blipFill>
+          <a:blip r:embed="rId3"/>
+          <a:stretch>
+            <a:fillRect/>
+          </a:stretch>
+        </p:blipFill>
+        <p:spPr>
+          <a:xfrm>
+            <a:off x="9224476" y="5184694"/>
+            <a:ext cx="1498720" cy="1508539"/>
+          </a:xfrm>
+          <a:prstGeom prst="rect">
+            <a:avLst/>
+          </a:prstGeom>
+        </p:spPr>
+      </p:pic>
+      <p:pic>
+        <p:nvPicPr>
+          <p:cNvPr id="14" name="Picture 13">
+            <a:extLst>
+              <a:ext uri="{FF2B5EF4-FFF2-40B4-BE49-F238E27FC236}">
+                <a16:creationId xmlns:a16="http://schemas.microsoft.com/office/drawing/2014/main" id="{908C75CF-24E4-448B-A40F-1FA42A328AE6}"/>
+              </a:ext>
+            </a:extLst>
+          </p:cNvPr>
+          <p:cNvPicPr>
+            <a:picLocks noChangeAspect="1"/>
+          </p:cNvPicPr>
+          <p:nvPr userDrawn="1"/>
+        </p:nvPicPr>
+        <p:blipFill>
+          <a:blip r:embed="rId4"/>
+          <a:stretch>
+            <a:fillRect/>
+          </a:stretch>
+        </p:blipFill>
+        <p:spPr>
+          <a:xfrm>
+            <a:off x="10591255" y="5184694"/>
+            <a:ext cx="1506486" cy="1508539"/>
+          </a:xfrm>
+          <a:prstGeom prst="rect">
+            <a:avLst/>
+          </a:prstGeom>
+        </p:spPr>
+      </p:pic>
     </p:spTree>
     <p:extLst>
       <p:ext uri="{BB962C8B-B14F-4D97-AF65-F5344CB8AC3E}">
@@ -1605,7 +1988,13 @@
       </p:sp>
       <p:sp>
         <p:nvSpPr>
-          <p:cNvPr id="5" name="Date Placeholder 4"/>
+          <p:cNvPr id="8" name="Date Placeholder 3">
+            <a:extLst>
+              <a:ext uri="{FF2B5EF4-FFF2-40B4-BE49-F238E27FC236}">
+                <a16:creationId xmlns:a16="http://schemas.microsoft.com/office/drawing/2014/main" id="{FC422085-4301-4033-9EF1-D2A1E8D11C87}"/>
+              </a:ext>
+            </a:extLst>
+          </p:cNvPr>
           <p:cNvSpPr>
             <a:spLocks noGrp="1"/>
           </p:cNvSpPr>
@@ -1613,14 +2002,19 @@
             <p:ph type="dt" sz="half" idx="10"/>
           </p:nvPr>
         </p:nvSpPr>
-        <p:spPr/>
+        <p:spPr>
+          <a:xfrm>
+            <a:off x="838200" y="6356350"/>
+            <a:ext cx="2255414" cy="365125"/>
+          </a:xfrm>
+        </p:spPr>
         <p:txBody>
           <a:bodyPr/>
           <a:lstStyle/>
           <a:p>
-            <a:fld id="{CD2E27BA-B0B3-403B-BCD6-8B8E73844757}" type="datetime1">
+            <a:fld id="{519BD8FA-81DB-4BAD-B3C3-CA109C80A853}" type="datetime1">
               <a:rPr lang="en-US" smtClean="0"/>
-              <a:t>6/5/2017</a:t>
+              <a:t>6/6/2017</a:t>
             </a:fld>
             <a:endParaRPr lang="en-US"/>
           </a:p>
@@ -1628,7 +2022,13 @@
       </p:sp>
       <p:sp>
         <p:nvSpPr>
-          <p:cNvPr id="6" name="Footer Placeholder 5"/>
+          <p:cNvPr id="9" name="Footer Placeholder 4">
+            <a:extLst>
+              <a:ext uri="{FF2B5EF4-FFF2-40B4-BE49-F238E27FC236}">
+                <a16:creationId xmlns:a16="http://schemas.microsoft.com/office/drawing/2014/main" id="{D4E4023F-D9AA-4B97-86FF-29754C01D4D9}"/>
+              </a:ext>
+            </a:extLst>
+          </p:cNvPr>
           <p:cNvSpPr>
             <a:spLocks noGrp="1"/>
           </p:cNvSpPr>
@@ -1636,18 +2036,29 @@
             <p:ph type="ftr" sz="quarter" idx="11"/>
           </p:nvPr>
         </p:nvSpPr>
-        <p:spPr/>
+        <p:spPr>
+          <a:xfrm>
+            <a:off x="3254169" y="6356350"/>
+            <a:ext cx="3383121" cy="365125"/>
+          </a:xfrm>
+        </p:spPr>
         <p:txBody>
           <a:bodyPr/>
           <a:lstStyle/>
           <a:p>
-            <a:endParaRPr lang="en-US"/>
+            <a:endParaRPr lang="en-US" dirty="0"/>
           </a:p>
         </p:txBody>
       </p:sp>
       <p:sp>
         <p:nvSpPr>
-          <p:cNvPr id="7" name="Slide Number Placeholder 6"/>
+          <p:cNvPr id="10" name="Slide Number Placeholder 5">
+            <a:extLst>
+              <a:ext uri="{FF2B5EF4-FFF2-40B4-BE49-F238E27FC236}">
+                <a16:creationId xmlns:a16="http://schemas.microsoft.com/office/drawing/2014/main" id="{7EAE4821-880C-4983-8574-A7B931A5F29F}"/>
+              </a:ext>
+            </a:extLst>
+          </p:cNvPr>
           <p:cNvSpPr>
             <a:spLocks noGrp="1"/>
           </p:cNvSpPr>
@@ -1655,7 +2066,12 @@
             <p:ph type="sldNum" sz="quarter" idx="12"/>
           </p:nvPr>
         </p:nvSpPr>
-        <p:spPr/>
+        <p:spPr>
+          <a:xfrm>
+            <a:off x="6967471" y="6356354"/>
+            <a:ext cx="1050568" cy="365125"/>
+          </a:xfrm>
+        </p:spPr>
         <p:txBody>
           <a:bodyPr/>
           <a:lstStyle/>
@@ -1668,6 +2084,96 @@
           </a:p>
         </p:txBody>
       </p:sp>
+      <p:pic>
+        <p:nvPicPr>
+          <p:cNvPr id="11" name="Picture 10">
+            <a:extLst>
+              <a:ext uri="{FF2B5EF4-FFF2-40B4-BE49-F238E27FC236}">
+                <a16:creationId xmlns:a16="http://schemas.microsoft.com/office/drawing/2014/main" id="{E20155F6-E8FA-4457-9C6F-5210268A8532}"/>
+              </a:ext>
+            </a:extLst>
+          </p:cNvPr>
+          <p:cNvPicPr>
+            <a:picLocks noChangeAspect="1"/>
+          </p:cNvPicPr>
+          <p:nvPr userDrawn="1"/>
+        </p:nvPicPr>
+        <p:blipFill>
+          <a:blip r:embed="rId2"/>
+          <a:stretch>
+            <a:fillRect/>
+          </a:stretch>
+        </p:blipFill>
+        <p:spPr>
+          <a:xfrm>
+            <a:off x="8018038" y="5184694"/>
+            <a:ext cx="1339529" cy="1508539"/>
+          </a:xfrm>
+          <a:prstGeom prst="rect">
+            <a:avLst/>
+          </a:prstGeom>
+        </p:spPr>
+      </p:pic>
+      <p:pic>
+        <p:nvPicPr>
+          <p:cNvPr id="12" name="Picture 11">
+            <a:extLst>
+              <a:ext uri="{FF2B5EF4-FFF2-40B4-BE49-F238E27FC236}">
+                <a16:creationId xmlns:a16="http://schemas.microsoft.com/office/drawing/2014/main" id="{A26F7D8B-CF5D-4C17-88D0-A844006D383C}"/>
+              </a:ext>
+            </a:extLst>
+          </p:cNvPr>
+          <p:cNvPicPr>
+            <a:picLocks noChangeAspect="1"/>
+          </p:cNvPicPr>
+          <p:nvPr userDrawn="1"/>
+        </p:nvPicPr>
+        <p:blipFill>
+          <a:blip r:embed="rId3"/>
+          <a:stretch>
+            <a:fillRect/>
+          </a:stretch>
+        </p:blipFill>
+        <p:spPr>
+          <a:xfrm>
+            <a:off x="9224476" y="5184694"/>
+            <a:ext cx="1498720" cy="1508539"/>
+          </a:xfrm>
+          <a:prstGeom prst="rect">
+            <a:avLst/>
+          </a:prstGeom>
+        </p:spPr>
+      </p:pic>
+      <p:pic>
+        <p:nvPicPr>
+          <p:cNvPr id="13" name="Picture 12">
+            <a:extLst>
+              <a:ext uri="{FF2B5EF4-FFF2-40B4-BE49-F238E27FC236}">
+                <a16:creationId xmlns:a16="http://schemas.microsoft.com/office/drawing/2014/main" id="{5223E572-59A4-4B5B-862A-E6640CFE1456}"/>
+              </a:ext>
+            </a:extLst>
+          </p:cNvPr>
+          <p:cNvPicPr>
+            <a:picLocks noChangeAspect="1"/>
+          </p:cNvPicPr>
+          <p:nvPr userDrawn="1"/>
+        </p:nvPicPr>
+        <p:blipFill>
+          <a:blip r:embed="rId4"/>
+          <a:stretch>
+            <a:fillRect/>
+          </a:stretch>
+        </p:blipFill>
+        <p:spPr>
+          <a:xfrm>
+            <a:off x="10591255" y="5184694"/>
+            <a:ext cx="1506486" cy="1508539"/>
+          </a:xfrm>
+          <a:prstGeom prst="rect">
+            <a:avLst/>
+          </a:prstGeom>
+        </p:spPr>
+      </p:pic>
     </p:spTree>
     <p:extLst>
       <p:ext uri="{BB962C8B-B14F-4D97-AF65-F5344CB8AC3E}">
@@ -1969,7 +2475,13 @@
       </p:sp>
       <p:sp>
         <p:nvSpPr>
-          <p:cNvPr id="7" name="Date Placeholder 6"/>
+          <p:cNvPr id="10" name="Date Placeholder 3">
+            <a:extLst>
+              <a:ext uri="{FF2B5EF4-FFF2-40B4-BE49-F238E27FC236}">
+                <a16:creationId xmlns:a16="http://schemas.microsoft.com/office/drawing/2014/main" id="{AC743033-AB83-488E-960C-8E3D262D02EC}"/>
+              </a:ext>
+            </a:extLst>
+          </p:cNvPr>
           <p:cNvSpPr>
             <a:spLocks noGrp="1"/>
           </p:cNvSpPr>
@@ -1977,14 +2489,19 @@
             <p:ph type="dt" sz="half" idx="10"/>
           </p:nvPr>
         </p:nvSpPr>
-        <p:spPr/>
+        <p:spPr>
+          <a:xfrm>
+            <a:off x="838200" y="6356350"/>
+            <a:ext cx="2255414" cy="365125"/>
+          </a:xfrm>
+        </p:spPr>
         <p:txBody>
           <a:bodyPr/>
           <a:lstStyle/>
           <a:p>
-            <a:fld id="{AB2F35F9-5498-4A6F-8B26-24AF253CCFB1}" type="datetime1">
+            <a:fld id="{519BD8FA-81DB-4BAD-B3C3-CA109C80A853}" type="datetime1">
               <a:rPr lang="en-US" smtClean="0"/>
-              <a:t>6/5/2017</a:t>
+              <a:t>6/6/2017</a:t>
             </a:fld>
             <a:endParaRPr lang="en-US"/>
           </a:p>
@@ -1992,7 +2509,13 @@
       </p:sp>
       <p:sp>
         <p:nvSpPr>
-          <p:cNvPr id="8" name="Footer Placeholder 7"/>
+          <p:cNvPr id="11" name="Footer Placeholder 4">
+            <a:extLst>
+              <a:ext uri="{FF2B5EF4-FFF2-40B4-BE49-F238E27FC236}">
+                <a16:creationId xmlns:a16="http://schemas.microsoft.com/office/drawing/2014/main" id="{8B93C5FE-BFAF-49BD-BE6B-D6E3B672F3F9}"/>
+              </a:ext>
+            </a:extLst>
+          </p:cNvPr>
           <p:cNvSpPr>
             <a:spLocks noGrp="1"/>
           </p:cNvSpPr>
@@ -2000,18 +2523,29 @@
             <p:ph type="ftr" sz="quarter" idx="11"/>
           </p:nvPr>
         </p:nvSpPr>
-        <p:spPr/>
+        <p:spPr>
+          <a:xfrm>
+            <a:off x="3254169" y="6356350"/>
+            <a:ext cx="3383121" cy="365125"/>
+          </a:xfrm>
+        </p:spPr>
         <p:txBody>
           <a:bodyPr/>
           <a:lstStyle/>
           <a:p>
-            <a:endParaRPr lang="en-US"/>
+            <a:endParaRPr lang="en-US" dirty="0"/>
           </a:p>
         </p:txBody>
       </p:sp>
       <p:sp>
         <p:nvSpPr>
-          <p:cNvPr id="9" name="Slide Number Placeholder 8"/>
+          <p:cNvPr id="12" name="Slide Number Placeholder 5">
+            <a:extLst>
+              <a:ext uri="{FF2B5EF4-FFF2-40B4-BE49-F238E27FC236}">
+                <a16:creationId xmlns:a16="http://schemas.microsoft.com/office/drawing/2014/main" id="{C5C850F4-92D8-461E-9A9D-6D251E382152}"/>
+              </a:ext>
+            </a:extLst>
+          </p:cNvPr>
           <p:cNvSpPr>
             <a:spLocks noGrp="1"/>
           </p:cNvSpPr>
@@ -2019,7 +2553,12 @@
             <p:ph type="sldNum" sz="quarter" idx="12"/>
           </p:nvPr>
         </p:nvSpPr>
-        <p:spPr/>
+        <p:spPr>
+          <a:xfrm>
+            <a:off x="6967471" y="6356354"/>
+            <a:ext cx="1050568" cy="365125"/>
+          </a:xfrm>
+        </p:spPr>
         <p:txBody>
           <a:bodyPr/>
           <a:lstStyle/>
@@ -2101,7 +2640,7 @@
           <a:p>
             <a:fld id="{7CF3DE6C-3CCC-462F-8C19-C9BE5AF82050}" type="datetime1">
               <a:rPr lang="en-US" smtClean="0"/>
-              <a:t>6/5/2017</a:t>
+              <a:t>6/6/2017</a:t>
             </a:fld>
             <a:endParaRPr lang="en-US"/>
           </a:p>
@@ -2196,7 +2735,7 @@
           <a:p>
             <a:fld id="{CFF9B72E-B071-4894-9AE8-77A99437A194}" type="datetime1">
               <a:rPr lang="en-US" smtClean="0"/>
-              <a:t>6/5/2017</a:t>
+              <a:t>6/6/2017</a:t>
             </a:fld>
             <a:endParaRPr lang="en-US"/>
           </a:p>
@@ -2471,7 +3010,7 @@
           <a:p>
             <a:fld id="{C8FC85DF-04F6-4067-9D57-5BD634B76237}" type="datetime1">
               <a:rPr lang="en-US" smtClean="0"/>
-              <a:t>6/5/2017</a:t>
+              <a:t>6/6/2017</a:t>
             </a:fld>
             <a:endParaRPr lang="en-US"/>
           </a:p>
@@ -2723,7 +3262,7 @@
           <a:p>
             <a:fld id="{F482CF38-5737-4019-A5EB-32F20C60B120}" type="datetime1">
               <a:rPr lang="en-US" smtClean="0"/>
-              <a:t>6/5/2017</a:t>
+              <a:t>6/6/2017</a:t>
             </a:fld>
             <a:endParaRPr lang="en-US"/>
           </a:p>
@@ -2934,7 +3473,7 @@
           <a:p>
             <a:fld id="{71B3BB5B-EB4F-4885-9330-962C885E153D}" type="datetime1">
               <a:rPr lang="en-US" smtClean="0"/>
-              <a:t>6/5/2017</a:t>
+              <a:t>6/6/2017</a:t>
             </a:fld>
             <a:endParaRPr lang="en-US"/>
           </a:p>
@@ -3415,35 +3954,6 @@
           </a:p>
         </p:txBody>
       </p:sp>
-      <p:sp>
-        <p:nvSpPr>
-          <p:cNvPr id="4" name="Slide Number Placeholder 3">
-            <a:extLst>
-              <a:ext uri="{FF2B5EF4-FFF2-40B4-BE49-F238E27FC236}">
-                <a16:creationId xmlns:a16="http://schemas.microsoft.com/office/drawing/2014/main" id="{3D28F290-C9A6-4603-9A33-BF1C94E1D7E5}"/>
-              </a:ext>
-            </a:extLst>
-          </p:cNvPr>
-          <p:cNvSpPr>
-            <a:spLocks noGrp="1"/>
-          </p:cNvSpPr>
-          <p:nvPr>
-            <p:ph type="sldNum" sz="quarter" idx="12"/>
-          </p:nvPr>
-        </p:nvSpPr>
-        <p:spPr/>
-        <p:txBody>
-          <a:bodyPr/>
-          <a:lstStyle/>
-          <a:p>
-            <a:fld id="{656EEF9C-D8EE-4444-AD18-FDA4DCDDF73B}" type="slidenum">
-              <a:rPr lang="en-US" smtClean="0"/>
-              <a:t>1</a:t>
-            </a:fld>
-            <a:endParaRPr lang="en-US"/>
-          </a:p>
-        </p:txBody>
-      </p:sp>
       <p:pic>
         <p:nvPicPr>
           <p:cNvPr id="5" name="Content Placeholder 3">
@@ -3472,8 +3982,8 @@
         </p:blipFill>
         <p:spPr>
           <a:xfrm>
-            <a:off x="5184502" y="957048"/>
-            <a:ext cx="6985553" cy="5239165"/>
+            <a:off x="5928860" y="387724"/>
+            <a:ext cx="6263140" cy="4697356"/>
           </a:xfrm>
           <a:prstGeom prst="rect">
             <a:avLst/>
@@ -3603,15 +4113,7 @@
           <a:p>
             <a:r>
               <a:rPr lang="en-US" dirty="0"/>
-              <a:t>Blockchain__</a:t>
-            </a:r>
-            <a:r>
-              <a:rPr lang="en-US" dirty="0" err="1"/>
-              <a:t>TODO_insert</a:t>
-            </a:r>
-            <a:r>
-              <a:rPr lang="en-US" dirty="0"/>
-              <a:t> Explain Transaction</a:t>
+              <a:t>Blockchain</a:t>
             </a:r>
           </a:p>
         </p:txBody>
@@ -3634,52 +4136,19 @@
         </p:nvSpPr>
         <p:spPr>
           <a:xfrm>
-            <a:off x="5871410" y="943903"/>
-            <a:ext cx="6140072" cy="5091134"/>
+            <a:off x="301460" y="1154214"/>
+            <a:ext cx="7552220" cy="5091134"/>
           </a:xfrm>
         </p:spPr>
         <p:txBody>
           <a:bodyPr>
-            <a:normAutofit/>
+            <a:normAutofit lnSpcReduction="10000"/>
           </a:bodyPr>
           <a:lstStyle/>
           <a:p>
             <a:r>
               <a:rPr lang="en-US" dirty="0"/>
-              <a:t>Mines 1 block every 10 minutes</a:t>
-            </a:r>
-          </a:p>
-          <a:p>
-            <a:pPr lvl="1"/>
-            <a:r>
-              <a:rPr lang="en-US" dirty="0"/>
-              <a:t>Adjust difficulty every 2016 blocks</a:t>
-            </a:r>
-          </a:p>
-          <a:p>
-            <a:pPr lvl="1"/>
-            <a:r>
-              <a:rPr lang="en-US" dirty="0"/>
-              <a:t>Hash value &lt; target difficulty</a:t>
-            </a:r>
-          </a:p>
-          <a:p>
-            <a:r>
-              <a:rPr lang="en-US" dirty="0"/>
-              <a:t>New block keeps transactions of 10 minutes</a:t>
-            </a:r>
-          </a:p>
-          <a:p>
-            <a:r>
-              <a:rPr lang="en-US" dirty="0"/>
-              <a:t>Block Puzzle: SHA256</a:t>
-            </a:r>
-          </a:p>
-          <a:p>
-            <a:pPr lvl="1"/>
-            <a:r>
-              <a:rPr lang="en-US" dirty="0"/>
-              <a:t>Target: 000000000000A1B7E…</a:t>
+              <a:t>Miner machine keeps unconfirmed transactions</a:t>
             </a:r>
           </a:p>
           <a:p>
@@ -3689,11 +4158,38 @@
                   <a:srgbClr val="0070C0"/>
                 </a:solidFill>
               </a:rPr>
-              <a:t>SHA256(“short sentence”)</a:t>
+              <a:t>Mining process</a:t>
             </a:r>
           </a:p>
           <a:p>
             <a:pPr lvl="1"/>
+            <a:r>
+              <a:rPr lang="en-US" dirty="0">
+                <a:solidFill>
+                  <a:srgbClr val="0070C0"/>
+                </a:solidFill>
+              </a:rPr>
+              <a:t>Construct block, fill in unconfirmed transactions</a:t>
+            </a:r>
+          </a:p>
+          <a:p>
+            <a:pPr lvl="1"/>
+            <a:r>
+              <a:rPr lang="en-US" dirty="0" err="1">
+                <a:solidFill>
+                  <a:srgbClr val="0070C0"/>
+                </a:solidFill>
+              </a:rPr>
+              <a:t>txnHash</a:t>
+            </a:r>
+            <a:r>
+              <a:rPr lang="en-US" dirty="0">
+                <a:solidFill>
+                  <a:srgbClr val="0070C0"/>
+                </a:solidFill>
+              </a:rPr>
+              <a:t> = SHA256(transactions) : </a:t>
+            </a:r>
             <a:r>
               <a:rPr lang="en-US" dirty="0">
                 <a:solidFill>
@@ -3701,6 +4197,113 @@
                 </a:solidFill>
               </a:rPr>
               <a:t>0x 155c4f360385ac264470eb71cdab81c3d2155c4f360385ac264470eb71cdab81</a:t>
+            </a:r>
+            <a:endParaRPr lang="en-US" dirty="0">
+              <a:solidFill>
+                <a:srgbClr val="0070C0"/>
+              </a:solidFill>
+            </a:endParaRPr>
+          </a:p>
+          <a:p>
+            <a:pPr lvl="1"/>
+            <a:r>
+              <a:rPr lang="en-US" dirty="0" err="1">
+                <a:solidFill>
+                  <a:srgbClr val="0070C0"/>
+                </a:solidFill>
+              </a:rPr>
+              <a:t>blockID</a:t>
+            </a:r>
+            <a:r>
+              <a:rPr lang="en-US" dirty="0">
+                <a:solidFill>
+                  <a:srgbClr val="0070C0"/>
+                </a:solidFill>
+              </a:rPr>
+              <a:t> = SHA256(</a:t>
+            </a:r>
+            <a:r>
+              <a:rPr lang="en-US" dirty="0" err="1">
+                <a:solidFill>
+                  <a:srgbClr val="0070C0"/>
+                </a:solidFill>
+              </a:rPr>
+              <a:t>prev</a:t>
+            </a:r>
+            <a:r>
+              <a:rPr lang="en-US" dirty="0">
+                <a:solidFill>
+                  <a:srgbClr val="0070C0"/>
+                </a:solidFill>
+              </a:rPr>
+              <a:t> ID, </a:t>
+            </a:r>
+            <a:r>
+              <a:rPr lang="en-US" dirty="0" err="1">
+                <a:solidFill>
+                  <a:srgbClr val="0070C0"/>
+                </a:solidFill>
+              </a:rPr>
+              <a:t>txnHash</a:t>
+            </a:r>
+            <a:r>
+              <a:rPr lang="en-US" dirty="0">
+                <a:solidFill>
+                  <a:srgbClr val="0070C0"/>
+                </a:solidFill>
+              </a:rPr>
+              <a:t>, random number) : </a:t>
+            </a:r>
+            <a:r>
+              <a:rPr lang="en-US" dirty="0">
+                <a:solidFill>
+                  <a:srgbClr val="00B050"/>
+                </a:solidFill>
+              </a:rPr>
+              <a:t>0x 4470eb71cdab81c3d2155c4f360385ac264470eb71cdab81155c4f360385ac26</a:t>
+            </a:r>
+          </a:p>
+          <a:p>
+            <a:pPr lvl="1"/>
+            <a:r>
+              <a:rPr lang="en-US" dirty="0" err="1">
+                <a:solidFill>
+                  <a:srgbClr val="0070C0"/>
+                </a:solidFill>
+              </a:rPr>
+              <a:t>blockID</a:t>
+            </a:r>
+            <a:r>
+              <a:rPr lang="en-US" dirty="0">
+                <a:solidFill>
+                  <a:srgbClr val="0070C0"/>
+                </a:solidFill>
+              </a:rPr>
+              <a:t> &lt; target difficulty</a:t>
+            </a:r>
+          </a:p>
+          <a:p>
+            <a:pPr lvl="2"/>
+            <a:r>
+              <a:rPr lang="en-US" dirty="0">
+                <a:solidFill>
+                  <a:srgbClr val="00B050"/>
+                </a:solidFill>
+              </a:rPr>
+              <a:t>Target: 000000000000A1B7E…</a:t>
+            </a:r>
+          </a:p>
+          <a:p>
+            <a:r>
+              <a:rPr lang="en-US" dirty="0"/>
+              <a:t>System control one block every 10 minutes</a:t>
+            </a:r>
+          </a:p>
+          <a:p>
+            <a:pPr lvl="1"/>
+            <a:r>
+              <a:rPr lang="en-US" dirty="0"/>
+              <a:t>Adjust difficulty every 2016 blocks</a:t>
             </a:r>
           </a:p>
         </p:txBody>
@@ -3734,276 +4337,107 @@
           </a:p>
         </p:txBody>
       </p:sp>
-      <p:pic>
-        <p:nvPicPr>
-          <p:cNvPr id="6" name="Picture 5"/>
-          <p:cNvPicPr>
-            <a:picLocks noChangeAspect="1"/>
-          </p:cNvPicPr>
+      <p:sp>
+        <p:nvSpPr>
+          <p:cNvPr id="9" name="Rectangle 8"/>
+          <p:cNvSpPr/>
           <p:nvPr/>
-        </p:nvPicPr>
-        <p:blipFill>
-          <a:blip r:embed="rId2"/>
-          <a:stretch>
-            <a:fillRect/>
-          </a:stretch>
-        </p:blipFill>
+        </p:nvSpPr>
         <p:spPr>
           <a:xfrm>
-            <a:off x="245805" y="1048548"/>
-            <a:ext cx="5572907" cy="2493259"/>
+            <a:off x="9273298" y="2894158"/>
+            <a:ext cx="688330" cy="369332"/>
           </a:xfrm>
           <a:prstGeom prst="rect">
             <a:avLst/>
           </a:prstGeom>
+          <a:solidFill>
+            <a:srgbClr val="FF0000">
+              <a:alpha val="36000"/>
+            </a:srgbClr>
+          </a:solidFill>
         </p:spPr>
-      </p:pic>
-      <p:grpSp>
-        <p:nvGrpSpPr>
-          <p:cNvPr id="8" name="Group 7"/>
-          <p:cNvGrpSpPr/>
+        <p:txBody>
+          <a:bodyPr wrap="none">
+            <a:spAutoFit/>
+          </a:bodyPr>
+          <a:lstStyle/>
+          <a:p>
+            <a:r>
+              <a:rPr lang="en-US" dirty="0" err="1"/>
+              <a:t>const</a:t>
+            </a:r>
+            <a:endParaRPr lang="en-US" dirty="0"/>
+          </a:p>
+        </p:txBody>
+      </p:sp>
+      <p:sp>
+        <p:nvSpPr>
+          <p:cNvPr id="17" name="Rectangle 16"/>
+          <p:cNvSpPr/>
           <p:nvPr/>
-        </p:nvGrpSpPr>
-        <p:grpSpPr>
+        </p:nvSpPr>
+        <p:spPr>
           <a:xfrm>
-            <a:off x="245805" y="3158730"/>
-            <a:ext cx="6091554" cy="3635967"/>
-            <a:chOff x="245805" y="3158730"/>
-            <a:chExt cx="6091554" cy="3635967"/>
+            <a:off x="9269349" y="2404217"/>
+            <a:ext cx="688330" cy="369332"/>
           </a:xfrm>
-        </p:grpSpPr>
-        <p:pic>
-          <p:nvPicPr>
-            <p:cNvPr id="7" name="Picture 6"/>
-            <p:cNvPicPr>
-              <a:picLocks noChangeAspect="1"/>
-            </p:cNvPicPr>
-            <p:nvPr/>
-          </p:nvPicPr>
-          <p:blipFill>
-            <a:blip r:embed="rId3"/>
-            <a:stretch>
-              <a:fillRect/>
-            </a:stretch>
-          </p:blipFill>
-          <p:spPr>
-            <a:xfrm>
-              <a:off x="245805" y="3158730"/>
-              <a:ext cx="6091554" cy="3552308"/>
-            </a:xfrm>
-            <a:prstGeom prst="rect">
-              <a:avLst/>
-            </a:prstGeom>
-          </p:spPr>
-        </p:pic>
-        <p:sp>
-          <p:nvSpPr>
-            <p:cNvPr id="13" name="Rectangle 12">
-              <a:extLst/>
-            </p:cNvPr>
-            <p:cNvSpPr/>
-            <p:nvPr/>
-          </p:nvSpPr>
-          <p:spPr>
-            <a:xfrm>
-              <a:off x="673108" y="5840590"/>
-              <a:ext cx="1258329" cy="954107"/>
-            </a:xfrm>
-            <a:prstGeom prst="rect">
-              <a:avLst/>
-            </a:prstGeom>
-          </p:spPr>
-          <p:txBody>
-            <a:bodyPr wrap="square">
-              <a:spAutoFit/>
-            </a:bodyPr>
-            <a:lstStyle/>
-            <a:p>
-              <a:r>
-                <a:rPr lang="en-US" altLang="zh-CN" sz="1400" dirty="0">
-                  <a:solidFill>
-                    <a:srgbClr val="C00000"/>
-                  </a:solidFill>
-                  <a:latin typeface="Arial" panose="020B0604020202020204" pitchFamily="34" charset="0"/>
-                </a:rPr>
-                <a:t>3028237</a:t>
-              </a:r>
-              <a:endParaRPr lang="zh-CN" altLang="en-US" sz="1400" dirty="0">
-                <a:solidFill>
-                  <a:srgbClr val="C00000"/>
-                </a:solidFill>
-                <a:latin typeface="Arial" panose="020B0604020202020204" pitchFamily="34" charset="0"/>
-              </a:endParaRPr>
-            </a:p>
-            <a:p>
-              <a:r>
-                <a:rPr lang="en-US" altLang="zh-CN" sz="1400" dirty="0">
-                  <a:solidFill>
-                    <a:srgbClr val="C00000"/>
-                  </a:solidFill>
-                  <a:latin typeface="Arial" panose="020B0604020202020204" pitchFamily="34" charset="0"/>
-                </a:rPr>
-                <a:t>3028238</a:t>
-              </a:r>
-              <a:endParaRPr lang="zh-CN" altLang="en-US" sz="1400" dirty="0">
-                <a:solidFill>
-                  <a:srgbClr val="C00000"/>
-                </a:solidFill>
-                <a:latin typeface="Arial" panose="020B0604020202020204" pitchFamily="34" charset="0"/>
-              </a:endParaRPr>
-            </a:p>
-            <a:p>
-              <a:r>
-                <a:rPr lang="en-US" altLang="zh-CN" sz="1400" dirty="0">
-                  <a:solidFill>
-                    <a:srgbClr val="C00000"/>
-                  </a:solidFill>
-                  <a:latin typeface="Arial" panose="020B0604020202020204" pitchFamily="34" charset="0"/>
-                </a:rPr>
-                <a:t>3028239</a:t>
-              </a:r>
-              <a:endParaRPr lang="zh-CN" altLang="en-US" sz="1400" dirty="0">
-                <a:solidFill>
-                  <a:srgbClr val="C00000"/>
-                </a:solidFill>
-                <a:latin typeface="Arial" panose="020B0604020202020204" pitchFamily="34" charset="0"/>
-              </a:endParaRPr>
-            </a:p>
-            <a:p>
-              <a:r>
-                <a:rPr lang="en-US" altLang="zh-CN" sz="1400" dirty="0">
-                  <a:solidFill>
-                    <a:srgbClr val="C00000"/>
-                  </a:solidFill>
-                  <a:latin typeface="Arial" panose="020B0604020202020204" pitchFamily="34" charset="0"/>
-                </a:rPr>
-                <a:t>...</a:t>
-              </a:r>
-              <a:endParaRPr lang="en-US" sz="1400" dirty="0">
-                <a:solidFill>
-                  <a:srgbClr val="C00000"/>
-                </a:solidFill>
-              </a:endParaRPr>
-            </a:p>
-          </p:txBody>
-        </p:sp>
-      </p:grpSp>
-      <p:grpSp>
-        <p:nvGrpSpPr>
-          <p:cNvPr id="14" name="Group 13"/>
-          <p:cNvGrpSpPr/>
+          <a:prstGeom prst="rect">
+            <a:avLst/>
+          </a:prstGeom>
+          <a:solidFill>
+            <a:srgbClr val="FF0000">
+              <a:alpha val="36000"/>
+            </a:srgbClr>
+          </a:solidFill>
+        </p:spPr>
+        <p:txBody>
+          <a:bodyPr wrap="none">
+            <a:spAutoFit/>
+          </a:bodyPr>
+          <a:lstStyle/>
+          <a:p>
+            <a:r>
+              <a:rPr lang="en-US" dirty="0" err="1"/>
+              <a:t>const</a:t>
+            </a:r>
+            <a:endParaRPr lang="en-US" dirty="0"/>
+          </a:p>
+        </p:txBody>
+      </p:sp>
+      <p:sp>
+        <p:nvSpPr>
+          <p:cNvPr id="18" name="Rectangle 17"/>
+          <p:cNvSpPr/>
           <p:nvPr/>
-        </p:nvGrpSpPr>
-        <p:grpSpPr>
+        </p:nvSpPr>
+        <p:spPr>
           <a:xfrm>
-            <a:off x="1847907" y="4337508"/>
-            <a:ext cx="929870" cy="1882033"/>
-            <a:chOff x="1847907" y="4337508"/>
-            <a:chExt cx="929870" cy="1882033"/>
+            <a:off x="9245648" y="3830558"/>
+            <a:ext cx="929870" cy="369332"/>
           </a:xfrm>
-        </p:grpSpPr>
-        <p:sp>
-          <p:nvSpPr>
-            <p:cNvPr id="9" name="Rectangle 8"/>
-            <p:cNvSpPr/>
-            <p:nvPr/>
-          </p:nvSpPr>
-          <p:spPr>
-            <a:xfrm>
-              <a:off x="1931437" y="4817289"/>
-              <a:ext cx="688330" cy="369332"/>
-            </a:xfrm>
-            <a:prstGeom prst="rect">
-              <a:avLst/>
-            </a:prstGeom>
-            <a:solidFill>
-              <a:srgbClr val="FF0000">
-                <a:alpha val="36000"/>
-              </a:srgbClr>
-            </a:solidFill>
-          </p:spPr>
-          <p:txBody>
-            <a:bodyPr wrap="none">
-              <a:spAutoFit/>
-            </a:bodyPr>
-            <a:lstStyle/>
-            <a:p>
-              <a:r>
-                <a:rPr lang="en-US" dirty="0" err="1"/>
-                <a:t>const</a:t>
-              </a:r>
-              <a:endParaRPr lang="en-US" dirty="0"/>
-            </a:p>
-          </p:txBody>
-        </p:sp>
-        <p:sp>
-          <p:nvSpPr>
-            <p:cNvPr id="17" name="Rectangle 16"/>
-            <p:cNvSpPr/>
-            <p:nvPr/>
-          </p:nvSpPr>
-          <p:spPr>
-            <a:xfrm>
-              <a:off x="1942728" y="4337508"/>
-              <a:ext cx="688330" cy="369332"/>
-            </a:xfrm>
-            <a:prstGeom prst="rect">
-              <a:avLst/>
-            </a:prstGeom>
-            <a:solidFill>
-              <a:srgbClr val="FF0000">
-                <a:alpha val="36000"/>
-              </a:srgbClr>
-            </a:solidFill>
-          </p:spPr>
-          <p:txBody>
-            <a:bodyPr wrap="none">
-              <a:spAutoFit/>
-            </a:bodyPr>
-            <a:lstStyle/>
-            <a:p>
-              <a:r>
-                <a:rPr lang="en-US" dirty="0" err="1"/>
-                <a:t>const</a:t>
-              </a:r>
-              <a:endParaRPr lang="en-US" dirty="0"/>
-            </a:p>
-          </p:txBody>
-        </p:sp>
-        <p:sp>
-          <p:nvSpPr>
-            <p:cNvPr id="18" name="Rectangle 17"/>
-            <p:cNvSpPr/>
-            <p:nvPr/>
-          </p:nvSpPr>
-          <p:spPr>
-            <a:xfrm>
-              <a:off x="1847907" y="5850209"/>
-              <a:ext cx="929870" cy="369332"/>
-            </a:xfrm>
-            <a:prstGeom prst="rect">
-              <a:avLst/>
-            </a:prstGeom>
-            <a:solidFill>
-              <a:srgbClr val="FF0000">
-                <a:alpha val="36000"/>
-              </a:srgbClr>
-            </a:solidFill>
-          </p:spPr>
-          <p:txBody>
-            <a:bodyPr wrap="none">
-              <a:spAutoFit/>
-            </a:bodyPr>
-            <a:lstStyle/>
-            <a:p>
-              <a:r>
-                <a:rPr lang="en-US" dirty="0"/>
-                <a:t>variable</a:t>
-              </a:r>
-            </a:p>
-          </p:txBody>
-        </p:sp>
-      </p:grpSp>
+          <a:prstGeom prst="rect">
+            <a:avLst/>
+          </a:prstGeom>
+          <a:solidFill>
+            <a:srgbClr val="FF0000">
+              <a:alpha val="36000"/>
+            </a:srgbClr>
+          </a:solidFill>
+        </p:spPr>
+        <p:txBody>
+          <a:bodyPr wrap="none">
+            <a:spAutoFit/>
+          </a:bodyPr>
+          <a:lstStyle/>
+          <a:p>
+            <a:r>
+              <a:rPr lang="en-US" dirty="0"/>
+              <a:t>variable</a:t>
+            </a:r>
+          </a:p>
+        </p:txBody>
+      </p:sp>
       <p:sp>
         <p:nvSpPr>
           <p:cNvPr id="21" name="Rectangle 20"/>
@@ -4012,8 +4446,8 @@
         </p:nvSpPr>
         <p:spPr>
           <a:xfrm>
-            <a:off x="1934824" y="3736955"/>
-            <a:ext cx="688330" cy="369332"/>
+            <a:off x="8972857" y="1850875"/>
+            <a:ext cx="1281313" cy="369332"/>
           </a:xfrm>
           <a:prstGeom prst="rect">
             <a:avLst/>
@@ -4031,10 +4465,9 @@
           <a:lstStyle/>
           <a:p>
             <a:r>
-              <a:rPr lang="en-US" dirty="0" err="1"/>
-              <a:t>const</a:t>
-            </a:r>
-            <a:endParaRPr lang="en-US" dirty="0"/>
+              <a:rPr lang="en-US" dirty="0"/>
+              <a:t>To calculate</a:t>
+            </a:r>
           </a:p>
         </p:txBody>
       </p:sp>
@@ -4069,7 +4502,7 @@
                             </p:stCondLst>
                             <p:childTnLst>
                               <p:par>
-                                <p:cTn id="5" presetID="1" presetClass="entr" presetSubtype="0" fill="hold" nodeType="clickEffect">
+                                <p:cTn id="5" presetID="53" presetClass="entr" presetSubtype="16" fill="hold" grpId="0" nodeType="clickEffect">
                                   <p:stCondLst>
                                     <p:cond delay="0"/>
                                   </p:stCondLst>
@@ -4077,141 +4510,6 @@
                                     <p:set>
                                       <p:cBhvr>
                                         <p:cTn id="6" dur="1" fill="hold">
-                                          <p:stCondLst>
-                                            <p:cond delay="0"/>
-                                          </p:stCondLst>
-                                        </p:cTn>
-                                        <p:tgtEl>
-                                          <p:spTgt spid="6"/>
-                                        </p:tgtEl>
-                                        <p:attrNameLst>
-                                          <p:attrName>style.visibility</p:attrName>
-                                        </p:attrNameLst>
-                                      </p:cBhvr>
-                                      <p:to>
-                                        <p:strVal val="visible"/>
-                                      </p:to>
-                                    </p:set>
-                                  </p:childTnLst>
-                                </p:cTn>
-                              </p:par>
-                            </p:childTnLst>
-                          </p:cTn>
-                        </p:par>
-                      </p:childTnLst>
-                    </p:cTn>
-                  </p:par>
-                  <p:par>
-                    <p:cTn id="7" fill="hold">
-                      <p:stCondLst>
-                        <p:cond delay="indefinite"/>
-                      </p:stCondLst>
-                      <p:childTnLst>
-                        <p:par>
-                          <p:cTn id="8" fill="hold">
-                            <p:stCondLst>
-                              <p:cond delay="0"/>
-                            </p:stCondLst>
-                            <p:childTnLst>
-                              <p:par>
-                                <p:cTn id="9" presetID="1" presetClass="entr" presetSubtype="0" fill="hold" nodeType="clickEffect">
-                                  <p:stCondLst>
-                                    <p:cond delay="0"/>
-                                  </p:stCondLst>
-                                  <p:childTnLst>
-                                    <p:set>
-                                      <p:cBhvr>
-                                        <p:cTn id="10" dur="1" fill="hold">
-                                          <p:stCondLst>
-                                            <p:cond delay="0"/>
-                                          </p:stCondLst>
-                                        </p:cTn>
-                                        <p:tgtEl>
-                                          <p:spTgt spid="8"/>
-                                        </p:tgtEl>
-                                        <p:attrNameLst>
-                                          <p:attrName>style.visibility</p:attrName>
-                                        </p:attrNameLst>
-                                      </p:cBhvr>
-                                      <p:to>
-                                        <p:strVal val="visible"/>
-                                      </p:to>
-                                    </p:set>
-                                  </p:childTnLst>
-                                </p:cTn>
-                              </p:par>
-                            </p:childTnLst>
-                          </p:cTn>
-                        </p:par>
-                      </p:childTnLst>
-                    </p:cTn>
-                  </p:par>
-                  <p:par>
-                    <p:cTn id="11" fill="hold">
-                      <p:stCondLst>
-                        <p:cond delay="indefinite"/>
-                      </p:stCondLst>
-                      <p:childTnLst>
-                        <p:par>
-                          <p:cTn id="12" fill="hold">
-                            <p:stCondLst>
-                              <p:cond delay="0"/>
-                            </p:stCondLst>
-                            <p:childTnLst>
-                              <p:par>
-                                <p:cTn id="13" presetID="1" presetClass="entr" presetSubtype="0" fill="hold" nodeType="clickEffect">
-                                  <p:stCondLst>
-                                    <p:cond delay="0"/>
-                                  </p:stCondLst>
-                                  <p:childTnLst>
-                                    <p:set>
-                                      <p:cBhvr>
-                                        <p:cTn id="14" dur="1" fill="hold">
-                                          <p:stCondLst>
-                                            <p:cond delay="0"/>
-                                          </p:stCondLst>
-                                        </p:cTn>
-                                        <p:tgtEl>
-                                          <p:spTgt spid="14"/>
-                                        </p:tgtEl>
-                                        <p:attrNameLst>
-                                          <p:attrName>style.visibility</p:attrName>
-                                        </p:attrNameLst>
-                                      </p:cBhvr>
-                                      <p:to>
-                                        <p:strVal val="visible"/>
-                                      </p:to>
-                                    </p:set>
-                                  </p:childTnLst>
-                                </p:cTn>
-                              </p:par>
-                            </p:childTnLst>
-                          </p:cTn>
-                        </p:par>
-                      </p:childTnLst>
-                    </p:cTn>
-                  </p:par>
-                  <p:par>
-                    <p:cTn id="15" fill="hold">
-                      <p:stCondLst>
-                        <p:cond delay="indefinite"/>
-                      </p:stCondLst>
-                      <p:childTnLst>
-                        <p:par>
-                          <p:cTn id="16" fill="hold">
-                            <p:stCondLst>
-                              <p:cond delay="0"/>
-                            </p:stCondLst>
-                            <p:childTnLst>
-                              <p:par>
-                                <p:cTn id="17" presetID="1" presetClass="entr" presetSubtype="0" fill="hold" grpId="0" nodeType="clickEffect">
-                                  <p:stCondLst>
-                                    <p:cond delay="0"/>
-                                  </p:stCondLst>
-                                  <p:childTnLst>
-                                    <p:set>
-                                      <p:cBhvr>
-                                        <p:cTn id="18" dur="1" fill="hold">
                                           <p:stCondLst>
                                             <p:cond delay="0"/>
                                           </p:stCondLst>
@@ -4227,6 +4525,60 @@
                                         <p:strVal val="visible"/>
                                       </p:to>
                                     </p:set>
+                                    <p:anim calcmode="lin" valueType="num">
+                                      <p:cBhvr>
+                                        <p:cTn id="7" dur="500" fill="hold"/>
+                                        <p:tgtEl>
+                                          <p:spTgt spid="21"/>
+                                        </p:tgtEl>
+                                        <p:attrNameLst>
+                                          <p:attrName>ppt_w</p:attrName>
+                                        </p:attrNameLst>
+                                      </p:cBhvr>
+                                      <p:tavLst>
+                                        <p:tav tm="0">
+                                          <p:val>
+                                            <p:fltVal val="0"/>
+                                          </p:val>
+                                        </p:tav>
+                                        <p:tav tm="100000">
+                                          <p:val>
+                                            <p:strVal val="#ppt_w"/>
+                                          </p:val>
+                                        </p:tav>
+                                      </p:tavLst>
+                                    </p:anim>
+                                    <p:anim calcmode="lin" valueType="num">
+                                      <p:cBhvr>
+                                        <p:cTn id="8" dur="500" fill="hold"/>
+                                        <p:tgtEl>
+                                          <p:spTgt spid="21"/>
+                                        </p:tgtEl>
+                                        <p:attrNameLst>
+                                          <p:attrName>ppt_h</p:attrName>
+                                        </p:attrNameLst>
+                                      </p:cBhvr>
+                                      <p:tavLst>
+                                        <p:tav tm="0">
+                                          <p:val>
+                                            <p:fltVal val="0"/>
+                                          </p:val>
+                                        </p:tav>
+                                        <p:tav tm="100000">
+                                          <p:val>
+                                            <p:strVal val="#ppt_h"/>
+                                          </p:val>
+                                        </p:tav>
+                                      </p:tavLst>
+                                    </p:anim>
+                                    <p:animEffect transition="in" filter="fade">
+                                      <p:cBhvr>
+                                        <p:cTn id="9" dur="500"/>
+                                        <p:tgtEl>
+                                          <p:spTgt spid="21"/>
+                                        </p:tgtEl>
+                                      </p:cBhvr>
+                                    </p:animEffect>
                                   </p:childTnLst>
                                 </p:cTn>
                               </p:par>
@@ -4237,26 +4589,26 @@
                     </p:cTn>
                   </p:par>
                   <p:par>
-                    <p:cTn id="19" fill="hold">
+                    <p:cTn id="10" fill="hold">
                       <p:stCondLst>
                         <p:cond delay="indefinite"/>
                       </p:stCondLst>
                       <p:childTnLst>
                         <p:par>
-                          <p:cTn id="20" fill="hold">
+                          <p:cTn id="11" fill="hold">
                             <p:stCondLst>
                               <p:cond delay="0"/>
                             </p:stCondLst>
                             <p:childTnLst>
                               <p:par>
-                                <p:cTn id="21" presetID="1" presetClass="entr" presetSubtype="0" fill="hold" grpId="0" nodeType="clickEffect">
+                                <p:cTn id="12" presetID="1" presetClass="entr" presetSubtype="0" fill="hold" grpId="0" nodeType="clickEffect">
                                   <p:stCondLst>
                                     <p:cond delay="0"/>
                                   </p:stCondLst>
                                   <p:childTnLst>
                                     <p:set>
                                       <p:cBhvr>
-                                        <p:cTn id="22" dur="1" fill="hold">
+                                        <p:cTn id="13" dur="1" fill="hold">
                                           <p:stCondLst>
                                             <p:cond delay="0"/>
                                           </p:stCondLst>
@@ -4279,15 +4631,33 @@
                                   </p:childTnLst>
                                 </p:cTn>
                               </p:par>
+                            </p:childTnLst>
+                          </p:cTn>
+                        </p:par>
+                      </p:childTnLst>
+                    </p:cTn>
+                  </p:par>
+                  <p:par>
+                    <p:cTn id="14" fill="hold">
+                      <p:stCondLst>
+                        <p:cond delay="indefinite"/>
+                      </p:stCondLst>
+                      <p:childTnLst>
+                        <p:par>
+                          <p:cTn id="15" fill="hold">
+                            <p:stCondLst>
+                              <p:cond delay="0"/>
+                            </p:stCondLst>
+                            <p:childTnLst>
                               <p:par>
-                                <p:cTn id="23" presetID="1" presetClass="entr" presetSubtype="0" fill="hold" grpId="0" nodeType="withEffect">
+                                <p:cTn id="16" presetID="1" presetClass="entr" presetSubtype="0" fill="hold" grpId="0" nodeType="clickEffect">
                                   <p:stCondLst>
                                     <p:cond delay="0"/>
                                   </p:stCondLst>
                                   <p:childTnLst>
                                     <p:set>
                                       <p:cBhvr>
-                                        <p:cTn id="24" dur="1" fill="hold">
+                                        <p:cTn id="17" dur="1" fill="hold">
                                           <p:stCondLst>
                                             <p:cond delay="0"/>
                                           </p:stCondLst>
@@ -4311,14 +4681,14 @@
                                 </p:cTn>
                               </p:par>
                               <p:par>
-                                <p:cTn id="25" presetID="1" presetClass="entr" presetSubtype="0" fill="hold" grpId="0" nodeType="withEffect">
+                                <p:cTn id="18" presetID="1" presetClass="entr" presetSubtype="0" fill="hold" grpId="0" nodeType="withEffect">
                                   <p:stCondLst>
                                     <p:cond delay="0"/>
                                   </p:stCondLst>
                                   <p:childTnLst>
                                     <p:set>
                                       <p:cBhvr>
-                                        <p:cTn id="26" dur="1" fill="hold">
+                                        <p:cTn id="19" dur="1" fill="hold">
                                           <p:stCondLst>
                                             <p:cond delay="0"/>
                                           </p:stCondLst>
@@ -4341,33 +4711,15 @@
                                   </p:childTnLst>
                                 </p:cTn>
                               </p:par>
-                            </p:childTnLst>
-                          </p:cTn>
-                        </p:par>
-                      </p:childTnLst>
-                    </p:cTn>
-                  </p:par>
-                  <p:par>
-                    <p:cTn id="27" fill="hold">
-                      <p:stCondLst>
-                        <p:cond delay="indefinite"/>
-                      </p:stCondLst>
-                      <p:childTnLst>
-                        <p:par>
-                          <p:cTn id="28" fill="hold">
-                            <p:stCondLst>
-                              <p:cond delay="0"/>
-                            </p:stCondLst>
-                            <p:childTnLst>
                               <p:par>
-                                <p:cTn id="29" presetID="1" presetClass="entr" presetSubtype="0" fill="hold" grpId="0" nodeType="clickEffect">
+                                <p:cTn id="20" presetID="1" presetClass="entr" presetSubtype="0" fill="hold" grpId="0" nodeType="withEffect">
                                   <p:stCondLst>
                                     <p:cond delay="0"/>
                                   </p:stCondLst>
                                   <p:childTnLst>
                                     <p:set>
                                       <p:cBhvr>
-                                        <p:cTn id="30" dur="1" fill="hold">
+                                        <p:cTn id="21" dur="1" fill="hold">
                                           <p:stCondLst>
                                             <p:cond delay="0"/>
                                           </p:stCondLst>
@@ -4390,33 +4742,15 @@
                                   </p:childTnLst>
                                 </p:cTn>
                               </p:par>
-                            </p:childTnLst>
-                          </p:cTn>
-                        </p:par>
-                      </p:childTnLst>
-                    </p:cTn>
-                  </p:par>
-                  <p:par>
-                    <p:cTn id="31" fill="hold">
-                      <p:stCondLst>
-                        <p:cond delay="indefinite"/>
-                      </p:stCondLst>
-                      <p:childTnLst>
-                        <p:par>
-                          <p:cTn id="32" fill="hold">
-                            <p:stCondLst>
-                              <p:cond delay="0"/>
-                            </p:stCondLst>
-                            <p:childTnLst>
                               <p:par>
-                                <p:cTn id="33" presetID="1" presetClass="entr" presetSubtype="0" fill="hold" grpId="0" nodeType="clickEffect">
+                                <p:cTn id="22" presetID="1" presetClass="entr" presetSubtype="0" fill="hold" grpId="0" nodeType="withEffect">
                                   <p:stCondLst>
                                     <p:cond delay="0"/>
                                   </p:stCondLst>
                                   <p:childTnLst>
                                     <p:set>
                                       <p:cBhvr>
-                                        <p:cTn id="34" dur="1" fill="hold">
+                                        <p:cTn id="23" dur="1" fill="hold">
                                           <p:stCondLst>
                                             <p:cond delay="0"/>
                                           </p:stCondLst>
@@ -4440,14 +4774,14 @@
                                 </p:cTn>
                               </p:par>
                               <p:par>
-                                <p:cTn id="35" presetID="1" presetClass="entr" presetSubtype="0" fill="hold" grpId="0" nodeType="withEffect">
+                                <p:cTn id="24" presetID="1" presetClass="entr" presetSubtype="0" fill="hold" grpId="0" nodeType="withEffect">
                                   <p:stCondLst>
                                     <p:cond delay="0"/>
                                   </p:stCondLst>
                                   <p:childTnLst>
                                     <p:set>
                                       <p:cBhvr>
-                                        <p:cTn id="36" dur="1" fill="hold">
+                                        <p:cTn id="25" dur="1" fill="hold">
                                           <p:stCondLst>
                                             <p:cond delay="0"/>
                                           </p:stCondLst>
@@ -4470,33 +4804,15 @@
                                   </p:childTnLst>
                                 </p:cTn>
                               </p:par>
-                            </p:childTnLst>
-                          </p:cTn>
-                        </p:par>
-                      </p:childTnLst>
-                    </p:cTn>
-                  </p:par>
-                  <p:par>
-                    <p:cTn id="37" fill="hold">
-                      <p:stCondLst>
-                        <p:cond delay="indefinite"/>
-                      </p:stCondLst>
-                      <p:childTnLst>
-                        <p:par>
-                          <p:cTn id="38" fill="hold">
-                            <p:stCondLst>
-                              <p:cond delay="0"/>
-                            </p:stCondLst>
-                            <p:childTnLst>
                               <p:par>
-                                <p:cTn id="39" presetID="1" presetClass="entr" presetSubtype="0" fill="hold" grpId="0" nodeType="clickEffect">
+                                <p:cTn id="26" presetID="1" presetClass="entr" presetSubtype="0" fill="hold" grpId="0" nodeType="withEffect">
                                   <p:stCondLst>
                                     <p:cond delay="0"/>
                                   </p:stCondLst>
                                   <p:childTnLst>
                                     <p:set>
                                       <p:cBhvr>
-                                        <p:cTn id="40" dur="1" fill="hold">
+                                        <p:cTn id="27" dur="1" fill="hold">
                                           <p:stCondLst>
                                             <p:cond delay="0"/>
                                           </p:stCondLst>
@@ -4519,15 +4835,33 @@
                                   </p:childTnLst>
                                 </p:cTn>
                               </p:par>
+                            </p:childTnLst>
+                          </p:cTn>
+                        </p:par>
+                      </p:childTnLst>
+                    </p:cTn>
+                  </p:par>
+                  <p:par>
+                    <p:cTn id="28" fill="hold">
+                      <p:stCondLst>
+                        <p:cond delay="indefinite"/>
+                      </p:stCondLst>
+                      <p:childTnLst>
+                        <p:par>
+                          <p:cTn id="29" fill="hold">
+                            <p:stCondLst>
+                              <p:cond delay="0"/>
+                            </p:stCondLst>
+                            <p:childTnLst>
                               <p:par>
-                                <p:cTn id="41" presetID="1" presetClass="entr" presetSubtype="0" fill="hold" grpId="0" nodeType="withEffect">
+                                <p:cTn id="30" presetID="1" presetClass="entr" presetSubtype="0" fill="hold" grpId="0" nodeType="clickEffect">
                                   <p:stCondLst>
                                     <p:cond delay="0"/>
                                   </p:stCondLst>
                                   <p:childTnLst>
                                     <p:set>
                                       <p:cBhvr>
-                                        <p:cTn id="42" dur="1" fill="hold">
+                                        <p:cTn id="31" dur="1" fill="hold">
                                           <p:stCondLst>
                                             <p:cond delay="0"/>
                                           </p:stCondLst>
@@ -4547,6 +4881,334 @@
                                         <p:strVal val="visible"/>
                                       </p:to>
                                     </p:set>
+                                  </p:childTnLst>
+                                </p:cTn>
+                              </p:par>
+                              <p:par>
+                                <p:cTn id="32" presetID="1" presetClass="entr" presetSubtype="0" fill="hold" grpId="0" nodeType="withEffect">
+                                  <p:stCondLst>
+                                    <p:cond delay="0"/>
+                                  </p:stCondLst>
+                                  <p:childTnLst>
+                                    <p:set>
+                                      <p:cBhvr>
+                                        <p:cTn id="33" dur="1" fill="hold">
+                                          <p:stCondLst>
+                                            <p:cond delay="0"/>
+                                          </p:stCondLst>
+                                        </p:cTn>
+                                        <p:tgtEl>
+                                          <p:spTgt spid="3">
+                                            <p:txEl>
+                                              <p:pRg st="8" end="8"/>
+                                            </p:txEl>
+                                          </p:spTgt>
+                                        </p:tgtEl>
+                                        <p:attrNameLst>
+                                          <p:attrName>style.visibility</p:attrName>
+                                        </p:attrNameLst>
+                                      </p:cBhvr>
+                                      <p:to>
+                                        <p:strVal val="visible"/>
+                                      </p:to>
+                                    </p:set>
+                                  </p:childTnLst>
+                                </p:cTn>
+                              </p:par>
+                            </p:childTnLst>
+                          </p:cTn>
+                        </p:par>
+                      </p:childTnLst>
+                    </p:cTn>
+                  </p:par>
+                  <p:par>
+                    <p:cTn id="34" fill="hold">
+                      <p:stCondLst>
+                        <p:cond delay="indefinite"/>
+                      </p:stCondLst>
+                      <p:childTnLst>
+                        <p:par>
+                          <p:cTn id="35" fill="hold">
+                            <p:stCondLst>
+                              <p:cond delay="0"/>
+                            </p:stCondLst>
+                            <p:childTnLst>
+                              <p:par>
+                                <p:cTn id="36" presetID="53" presetClass="entr" presetSubtype="16" fill="hold" grpId="0" nodeType="clickEffect">
+                                  <p:stCondLst>
+                                    <p:cond delay="0"/>
+                                  </p:stCondLst>
+                                  <p:childTnLst>
+                                    <p:set>
+                                      <p:cBhvr>
+                                        <p:cTn id="37" dur="1" fill="hold">
+                                          <p:stCondLst>
+                                            <p:cond delay="0"/>
+                                          </p:stCondLst>
+                                        </p:cTn>
+                                        <p:tgtEl>
+                                          <p:spTgt spid="17"/>
+                                        </p:tgtEl>
+                                        <p:attrNameLst>
+                                          <p:attrName>style.visibility</p:attrName>
+                                        </p:attrNameLst>
+                                      </p:cBhvr>
+                                      <p:to>
+                                        <p:strVal val="visible"/>
+                                      </p:to>
+                                    </p:set>
+                                    <p:anim calcmode="lin" valueType="num">
+                                      <p:cBhvr>
+                                        <p:cTn id="38" dur="500" fill="hold"/>
+                                        <p:tgtEl>
+                                          <p:spTgt spid="17"/>
+                                        </p:tgtEl>
+                                        <p:attrNameLst>
+                                          <p:attrName>ppt_w</p:attrName>
+                                        </p:attrNameLst>
+                                      </p:cBhvr>
+                                      <p:tavLst>
+                                        <p:tav tm="0">
+                                          <p:val>
+                                            <p:fltVal val="0"/>
+                                          </p:val>
+                                        </p:tav>
+                                        <p:tav tm="100000">
+                                          <p:val>
+                                            <p:strVal val="#ppt_w"/>
+                                          </p:val>
+                                        </p:tav>
+                                      </p:tavLst>
+                                    </p:anim>
+                                    <p:anim calcmode="lin" valueType="num">
+                                      <p:cBhvr>
+                                        <p:cTn id="39" dur="500" fill="hold"/>
+                                        <p:tgtEl>
+                                          <p:spTgt spid="17"/>
+                                        </p:tgtEl>
+                                        <p:attrNameLst>
+                                          <p:attrName>ppt_h</p:attrName>
+                                        </p:attrNameLst>
+                                      </p:cBhvr>
+                                      <p:tavLst>
+                                        <p:tav tm="0">
+                                          <p:val>
+                                            <p:fltVal val="0"/>
+                                          </p:val>
+                                        </p:tav>
+                                        <p:tav tm="100000">
+                                          <p:val>
+                                            <p:strVal val="#ppt_h"/>
+                                          </p:val>
+                                        </p:tav>
+                                      </p:tavLst>
+                                    </p:anim>
+                                    <p:animEffect transition="in" filter="fade">
+                                      <p:cBhvr>
+                                        <p:cTn id="40" dur="500"/>
+                                        <p:tgtEl>
+                                          <p:spTgt spid="17"/>
+                                        </p:tgtEl>
+                                      </p:cBhvr>
+                                    </p:animEffect>
+                                  </p:childTnLst>
+                                </p:cTn>
+                              </p:par>
+                            </p:childTnLst>
+                          </p:cTn>
+                        </p:par>
+                      </p:childTnLst>
+                    </p:cTn>
+                  </p:par>
+                  <p:par>
+                    <p:cTn id="41" fill="hold">
+                      <p:stCondLst>
+                        <p:cond delay="indefinite"/>
+                      </p:stCondLst>
+                      <p:childTnLst>
+                        <p:par>
+                          <p:cTn id="42" fill="hold">
+                            <p:stCondLst>
+                              <p:cond delay="0"/>
+                            </p:stCondLst>
+                            <p:childTnLst>
+                              <p:par>
+                                <p:cTn id="43" presetID="53" presetClass="entr" presetSubtype="16" fill="hold" grpId="0" nodeType="clickEffect">
+                                  <p:stCondLst>
+                                    <p:cond delay="0"/>
+                                  </p:stCondLst>
+                                  <p:childTnLst>
+                                    <p:set>
+                                      <p:cBhvr>
+                                        <p:cTn id="44" dur="1" fill="hold">
+                                          <p:stCondLst>
+                                            <p:cond delay="0"/>
+                                          </p:stCondLst>
+                                        </p:cTn>
+                                        <p:tgtEl>
+                                          <p:spTgt spid="9"/>
+                                        </p:tgtEl>
+                                        <p:attrNameLst>
+                                          <p:attrName>style.visibility</p:attrName>
+                                        </p:attrNameLst>
+                                      </p:cBhvr>
+                                      <p:to>
+                                        <p:strVal val="visible"/>
+                                      </p:to>
+                                    </p:set>
+                                    <p:anim calcmode="lin" valueType="num">
+                                      <p:cBhvr>
+                                        <p:cTn id="45" dur="500" fill="hold"/>
+                                        <p:tgtEl>
+                                          <p:spTgt spid="9"/>
+                                        </p:tgtEl>
+                                        <p:attrNameLst>
+                                          <p:attrName>ppt_w</p:attrName>
+                                        </p:attrNameLst>
+                                      </p:cBhvr>
+                                      <p:tavLst>
+                                        <p:tav tm="0">
+                                          <p:val>
+                                            <p:fltVal val="0"/>
+                                          </p:val>
+                                        </p:tav>
+                                        <p:tav tm="100000">
+                                          <p:val>
+                                            <p:strVal val="#ppt_w"/>
+                                          </p:val>
+                                        </p:tav>
+                                      </p:tavLst>
+                                    </p:anim>
+                                    <p:anim calcmode="lin" valueType="num">
+                                      <p:cBhvr>
+                                        <p:cTn id="46" dur="500" fill="hold"/>
+                                        <p:tgtEl>
+                                          <p:spTgt spid="9"/>
+                                        </p:tgtEl>
+                                        <p:attrNameLst>
+                                          <p:attrName>ppt_h</p:attrName>
+                                        </p:attrNameLst>
+                                      </p:cBhvr>
+                                      <p:tavLst>
+                                        <p:tav tm="0">
+                                          <p:val>
+                                            <p:fltVal val="0"/>
+                                          </p:val>
+                                        </p:tav>
+                                        <p:tav tm="100000">
+                                          <p:val>
+                                            <p:strVal val="#ppt_h"/>
+                                          </p:val>
+                                        </p:tav>
+                                      </p:tavLst>
+                                    </p:anim>
+                                    <p:animEffect transition="in" filter="fade">
+                                      <p:cBhvr>
+                                        <p:cTn id="47" dur="500"/>
+                                        <p:tgtEl>
+                                          <p:spTgt spid="9"/>
+                                        </p:tgtEl>
+                                      </p:cBhvr>
+                                    </p:animEffect>
+                                  </p:childTnLst>
+                                </p:cTn>
+                              </p:par>
+                            </p:childTnLst>
+                          </p:cTn>
+                        </p:par>
+                      </p:childTnLst>
+                    </p:cTn>
+                  </p:par>
+                  <p:par>
+                    <p:cTn id="48" fill="hold">
+                      <p:stCondLst>
+                        <p:cond delay="indefinite"/>
+                      </p:stCondLst>
+                      <p:childTnLst>
+                        <p:par>
+                          <p:cTn id="49" fill="hold">
+                            <p:stCondLst>
+                              <p:cond delay="0"/>
+                            </p:stCondLst>
+                            <p:childTnLst>
+                              <p:par>
+                                <p:cTn id="50" presetID="53" presetClass="entr" presetSubtype="16" fill="hold" grpId="0" nodeType="clickEffect">
+                                  <p:stCondLst>
+                                    <p:cond delay="0"/>
+                                  </p:stCondLst>
+                                  <p:childTnLst>
+                                    <p:set>
+                                      <p:cBhvr>
+                                        <p:cTn id="51" dur="1" fill="hold">
+                                          <p:stCondLst>
+                                            <p:cond delay="0"/>
+                                          </p:stCondLst>
+                                        </p:cTn>
+                                        <p:tgtEl>
+                                          <p:spTgt spid="18"/>
+                                        </p:tgtEl>
+                                        <p:attrNameLst>
+                                          <p:attrName>style.visibility</p:attrName>
+                                        </p:attrNameLst>
+                                      </p:cBhvr>
+                                      <p:to>
+                                        <p:strVal val="visible"/>
+                                      </p:to>
+                                    </p:set>
+                                    <p:anim calcmode="lin" valueType="num">
+                                      <p:cBhvr>
+                                        <p:cTn id="52" dur="500" fill="hold"/>
+                                        <p:tgtEl>
+                                          <p:spTgt spid="18"/>
+                                        </p:tgtEl>
+                                        <p:attrNameLst>
+                                          <p:attrName>ppt_w</p:attrName>
+                                        </p:attrNameLst>
+                                      </p:cBhvr>
+                                      <p:tavLst>
+                                        <p:tav tm="0">
+                                          <p:val>
+                                            <p:fltVal val="0"/>
+                                          </p:val>
+                                        </p:tav>
+                                        <p:tav tm="100000">
+                                          <p:val>
+                                            <p:strVal val="#ppt_w"/>
+                                          </p:val>
+                                        </p:tav>
+                                      </p:tavLst>
+                                    </p:anim>
+                                    <p:anim calcmode="lin" valueType="num">
+                                      <p:cBhvr>
+                                        <p:cTn id="53" dur="500" fill="hold"/>
+                                        <p:tgtEl>
+                                          <p:spTgt spid="18"/>
+                                        </p:tgtEl>
+                                        <p:attrNameLst>
+                                          <p:attrName>ppt_h</p:attrName>
+                                        </p:attrNameLst>
+                                      </p:cBhvr>
+                                      <p:tavLst>
+                                        <p:tav tm="0">
+                                          <p:val>
+                                            <p:fltVal val="0"/>
+                                          </p:val>
+                                        </p:tav>
+                                        <p:tav tm="100000">
+                                          <p:val>
+                                            <p:strVal val="#ppt_h"/>
+                                          </p:val>
+                                        </p:tav>
+                                      </p:tavLst>
+                                    </p:anim>
+                                    <p:animEffect transition="in" filter="fade">
+                                      <p:cBhvr>
+                                        <p:cTn id="54" dur="500"/>
+                                        <p:tgtEl>
+                                          <p:spTgt spid="18"/>
+                                        </p:tgtEl>
+                                      </p:cBhvr>
+                                    </p:animEffect>
                                   </p:childTnLst>
                                 </p:cTn>
                               </p:par>
@@ -4579,6 +5241,9 @@
     </p:tnLst>
     <p:bldLst>
       <p:bldP spid="3" grpId="0" build="p"/>
+      <p:bldP spid="9" grpId="0" animBg="1"/>
+      <p:bldP spid="17" grpId="0" animBg="1"/>
+      <p:bldP spid="18" grpId="0" animBg="1"/>
       <p:bldP spid="21" grpId="0" animBg="1"/>
     </p:bldLst>
   </p:timing>
@@ -4666,36 +5331,6 @@
           </a:p>
         </p:txBody>
       </p:sp>
-      <p:pic>
-        <p:nvPicPr>
-          <p:cNvPr id="60" name="Picture 59">
-            <a:extLst>
-              <a:ext uri="{FF2B5EF4-FFF2-40B4-BE49-F238E27FC236}">
-                <a16:creationId xmlns:a16="http://schemas.microsoft.com/office/drawing/2014/main" id="{F3BD675A-A9BE-4012-9435-A37D090934C1}"/>
-              </a:ext>
-            </a:extLst>
-          </p:cNvPr>
-          <p:cNvPicPr>
-            <a:picLocks noChangeAspect="1"/>
-          </p:cNvPicPr>
-          <p:nvPr/>
-        </p:nvPicPr>
-        <p:blipFill>
-          <a:blip r:embed="rId2"/>
-          <a:stretch>
-            <a:fillRect/>
-          </a:stretch>
-        </p:blipFill>
-        <p:spPr>
-          <a:xfrm>
-            <a:off x="245805" y="1073801"/>
-            <a:ext cx="5132173" cy="2022403"/>
-          </a:xfrm>
-          <a:prstGeom prst="rect">
-            <a:avLst/>
-          </a:prstGeom>
-        </p:spPr>
-      </p:pic>
       <p:grpSp>
         <p:nvGrpSpPr>
           <p:cNvPr id="11" name="Group 10">
@@ -4710,7 +5345,7 @@
         </p:nvGrpSpPr>
         <p:grpSpPr>
           <a:xfrm>
-            <a:off x="6009588" y="715316"/>
+            <a:off x="416431" y="1285869"/>
             <a:ext cx="5846720" cy="2615434"/>
             <a:chOff x="6095195" y="3605961"/>
             <a:chExt cx="5851060" cy="2534847"/>
@@ -4751,7 +5386,7 @@
               <p:nvPr/>
             </p:nvPicPr>
             <p:blipFill>
-              <a:blip r:embed="rId3">
+              <a:blip r:embed="rId2">
                 <a:extLst>
                   <a:ext uri="{28A0092B-C50C-407E-A947-70E740481C1C}">
                     <a14:useLocalDpi xmlns:a14="http://schemas.microsoft.com/office/drawing/2010/main" val="0"/>
@@ -4825,7 +5460,7 @@
               <p:nvPr/>
             </p:nvPicPr>
             <p:blipFill>
-              <a:blip r:embed="rId4"/>
+              <a:blip r:embed="rId3"/>
               <a:stretch>
                 <a:fillRect/>
               </a:stretch>
@@ -4855,7 +5490,7 @@
               <p:nvPr/>
             </p:nvPicPr>
             <p:blipFill>
-              <a:blip r:embed="rId4"/>
+              <a:blip r:embed="rId3"/>
               <a:stretch>
                 <a:fillRect/>
               </a:stretch>
@@ -4886,7 +5521,7 @@
             <p:nvPr/>
           </p:nvPicPr>
           <p:blipFill>
-            <a:blip r:embed="rId4"/>
+            <a:blip r:embed="rId3"/>
             <a:stretch>
               <a:fillRect/>
             </a:stretch>
@@ -4916,7 +5551,7 @@
             <p:nvPr/>
           </p:nvPicPr>
           <p:blipFill>
-            <a:blip r:embed="rId4"/>
+            <a:blip r:embed="rId3"/>
             <a:stretch>
               <a:fillRect/>
             </a:stretch>
@@ -4932,286 +5567,6 @@
           </p:spPr>
         </p:pic>
       </p:grpSp>
-      <p:grpSp>
-        <p:nvGrpSpPr>
-          <p:cNvPr id="23" name="Group 22"/>
-          <p:cNvGrpSpPr/>
-          <p:nvPr/>
-        </p:nvGrpSpPr>
-        <p:grpSpPr>
-          <a:xfrm>
-            <a:off x="245805" y="3158730"/>
-            <a:ext cx="6091554" cy="3635967"/>
-            <a:chOff x="245805" y="3158730"/>
-            <a:chExt cx="6091554" cy="3635967"/>
-          </a:xfrm>
-        </p:grpSpPr>
-        <p:pic>
-          <p:nvPicPr>
-            <p:cNvPr id="24" name="Picture 23"/>
-            <p:cNvPicPr>
-              <a:picLocks noChangeAspect="1"/>
-            </p:cNvPicPr>
-            <p:nvPr/>
-          </p:nvPicPr>
-          <p:blipFill>
-            <a:blip r:embed="rId5"/>
-            <a:stretch>
-              <a:fillRect/>
-            </a:stretch>
-          </p:blipFill>
-          <p:spPr>
-            <a:xfrm>
-              <a:off x="245805" y="3158730"/>
-              <a:ext cx="6091554" cy="3552308"/>
-            </a:xfrm>
-            <a:prstGeom prst="rect">
-              <a:avLst/>
-            </a:prstGeom>
-          </p:spPr>
-        </p:pic>
-        <p:sp>
-          <p:nvSpPr>
-            <p:cNvPr id="25" name="Rectangle 24">
-              <a:extLst/>
-            </p:cNvPr>
-            <p:cNvSpPr/>
-            <p:nvPr/>
-          </p:nvSpPr>
-          <p:spPr>
-            <a:xfrm>
-              <a:off x="673108" y="5840590"/>
-              <a:ext cx="1258329" cy="954107"/>
-            </a:xfrm>
-            <a:prstGeom prst="rect">
-              <a:avLst/>
-            </a:prstGeom>
-          </p:spPr>
-          <p:txBody>
-            <a:bodyPr wrap="square">
-              <a:spAutoFit/>
-            </a:bodyPr>
-            <a:lstStyle/>
-            <a:p>
-              <a:r>
-                <a:rPr lang="en-US" altLang="zh-CN" sz="1400" dirty="0">
-                  <a:solidFill>
-                    <a:srgbClr val="C00000"/>
-                  </a:solidFill>
-                  <a:latin typeface="Arial" panose="020B0604020202020204" pitchFamily="34" charset="0"/>
-                </a:rPr>
-                <a:t>3028237</a:t>
-              </a:r>
-              <a:endParaRPr lang="zh-CN" altLang="en-US" sz="1400" dirty="0">
-                <a:solidFill>
-                  <a:srgbClr val="C00000"/>
-                </a:solidFill>
-                <a:latin typeface="Arial" panose="020B0604020202020204" pitchFamily="34" charset="0"/>
-              </a:endParaRPr>
-            </a:p>
-            <a:p>
-              <a:r>
-                <a:rPr lang="en-US" altLang="zh-CN" sz="1400" dirty="0">
-                  <a:solidFill>
-                    <a:srgbClr val="C00000"/>
-                  </a:solidFill>
-                  <a:latin typeface="Arial" panose="020B0604020202020204" pitchFamily="34" charset="0"/>
-                </a:rPr>
-                <a:t>3028238</a:t>
-              </a:r>
-              <a:endParaRPr lang="zh-CN" altLang="en-US" sz="1400" dirty="0">
-                <a:solidFill>
-                  <a:srgbClr val="C00000"/>
-                </a:solidFill>
-                <a:latin typeface="Arial" panose="020B0604020202020204" pitchFamily="34" charset="0"/>
-              </a:endParaRPr>
-            </a:p>
-            <a:p>
-              <a:r>
-                <a:rPr lang="en-US" altLang="zh-CN" sz="1400" dirty="0">
-                  <a:solidFill>
-                    <a:srgbClr val="C00000"/>
-                  </a:solidFill>
-                  <a:latin typeface="Arial" panose="020B0604020202020204" pitchFamily="34" charset="0"/>
-                </a:rPr>
-                <a:t>3028239</a:t>
-              </a:r>
-              <a:endParaRPr lang="zh-CN" altLang="en-US" sz="1400" dirty="0">
-                <a:solidFill>
-                  <a:srgbClr val="C00000"/>
-                </a:solidFill>
-                <a:latin typeface="Arial" panose="020B0604020202020204" pitchFamily="34" charset="0"/>
-              </a:endParaRPr>
-            </a:p>
-            <a:p>
-              <a:r>
-                <a:rPr lang="en-US" altLang="zh-CN" sz="1400" dirty="0">
-                  <a:solidFill>
-                    <a:srgbClr val="C00000"/>
-                  </a:solidFill>
-                  <a:latin typeface="Arial" panose="020B0604020202020204" pitchFamily="34" charset="0"/>
-                </a:rPr>
-                <a:t>...</a:t>
-              </a:r>
-              <a:endParaRPr lang="en-US" sz="1400" dirty="0">
-                <a:solidFill>
-                  <a:srgbClr val="C00000"/>
-                </a:solidFill>
-              </a:endParaRPr>
-            </a:p>
-          </p:txBody>
-        </p:sp>
-      </p:grpSp>
-      <p:grpSp>
-        <p:nvGrpSpPr>
-          <p:cNvPr id="26" name="Group 25"/>
-          <p:cNvGrpSpPr/>
-          <p:nvPr/>
-        </p:nvGrpSpPr>
-        <p:grpSpPr>
-          <a:xfrm>
-            <a:off x="1847907" y="4337508"/>
-            <a:ext cx="929870" cy="1882033"/>
-            <a:chOff x="1847907" y="4337508"/>
-            <a:chExt cx="929870" cy="1882033"/>
-          </a:xfrm>
-        </p:grpSpPr>
-        <p:sp>
-          <p:nvSpPr>
-            <p:cNvPr id="27" name="Rectangle 26"/>
-            <p:cNvSpPr/>
-            <p:nvPr/>
-          </p:nvSpPr>
-          <p:spPr>
-            <a:xfrm>
-              <a:off x="1931437" y="4817289"/>
-              <a:ext cx="688330" cy="369332"/>
-            </a:xfrm>
-            <a:prstGeom prst="rect">
-              <a:avLst/>
-            </a:prstGeom>
-            <a:solidFill>
-              <a:srgbClr val="FF0000">
-                <a:alpha val="36000"/>
-              </a:srgbClr>
-            </a:solidFill>
-          </p:spPr>
-          <p:txBody>
-            <a:bodyPr wrap="none">
-              <a:spAutoFit/>
-            </a:bodyPr>
-            <a:lstStyle/>
-            <a:p>
-              <a:r>
-                <a:rPr lang="en-US" dirty="0" err="1"/>
-                <a:t>const</a:t>
-              </a:r>
-              <a:endParaRPr lang="en-US" dirty="0"/>
-            </a:p>
-          </p:txBody>
-        </p:sp>
-        <p:sp>
-          <p:nvSpPr>
-            <p:cNvPr id="28" name="Rectangle 27"/>
-            <p:cNvSpPr/>
-            <p:nvPr/>
-          </p:nvSpPr>
-          <p:spPr>
-            <a:xfrm>
-              <a:off x="1942728" y="4337508"/>
-              <a:ext cx="688330" cy="369332"/>
-            </a:xfrm>
-            <a:prstGeom prst="rect">
-              <a:avLst/>
-            </a:prstGeom>
-            <a:solidFill>
-              <a:srgbClr val="FF0000">
-                <a:alpha val="36000"/>
-              </a:srgbClr>
-            </a:solidFill>
-          </p:spPr>
-          <p:txBody>
-            <a:bodyPr wrap="none">
-              <a:spAutoFit/>
-            </a:bodyPr>
-            <a:lstStyle/>
-            <a:p>
-              <a:r>
-                <a:rPr lang="en-US" dirty="0" err="1"/>
-                <a:t>const</a:t>
-              </a:r>
-              <a:endParaRPr lang="en-US" dirty="0"/>
-            </a:p>
-          </p:txBody>
-        </p:sp>
-        <p:sp>
-          <p:nvSpPr>
-            <p:cNvPr id="29" name="Rectangle 28"/>
-            <p:cNvSpPr/>
-            <p:nvPr/>
-          </p:nvSpPr>
-          <p:spPr>
-            <a:xfrm>
-              <a:off x="1847907" y="5850209"/>
-              <a:ext cx="929870" cy="369332"/>
-            </a:xfrm>
-            <a:prstGeom prst="rect">
-              <a:avLst/>
-            </a:prstGeom>
-            <a:solidFill>
-              <a:srgbClr val="FF0000">
-                <a:alpha val="36000"/>
-              </a:srgbClr>
-            </a:solidFill>
-          </p:spPr>
-          <p:txBody>
-            <a:bodyPr wrap="none">
-              <a:spAutoFit/>
-            </a:bodyPr>
-            <a:lstStyle/>
-            <a:p>
-              <a:r>
-                <a:rPr lang="en-US" dirty="0"/>
-                <a:t>variable</a:t>
-              </a:r>
-            </a:p>
-          </p:txBody>
-        </p:sp>
-      </p:grpSp>
-      <p:sp>
-        <p:nvSpPr>
-          <p:cNvPr id="30" name="Rectangle 29"/>
-          <p:cNvSpPr/>
-          <p:nvPr/>
-        </p:nvSpPr>
-        <p:spPr>
-          <a:xfrm>
-            <a:off x="1934824" y="3736955"/>
-            <a:ext cx="688330" cy="369332"/>
-          </a:xfrm>
-          <a:prstGeom prst="rect">
-            <a:avLst/>
-          </a:prstGeom>
-          <a:solidFill>
-            <a:srgbClr val="00B050">
-              <a:alpha val="36000"/>
-            </a:srgbClr>
-          </a:solidFill>
-        </p:spPr>
-        <p:txBody>
-          <a:bodyPr wrap="none">
-            <a:spAutoFit/>
-          </a:bodyPr>
-          <a:lstStyle/>
-          <a:p>
-            <a:r>
-              <a:rPr lang="en-US" dirty="0" err="1"/>
-              <a:t>const</a:t>
-            </a:r>
-            <a:endParaRPr lang="en-US" dirty="0"/>
-          </a:p>
-        </p:txBody>
-      </p:sp>
     </p:spTree>
     <p:extLst>
       <p:ext uri="{BB962C8B-B14F-4D97-AF65-F5344CB8AC3E}">

--- a/how_bitcoin_works/How_02_Mining_blocks_blockchain.pptx
+++ b/how_bitcoin_works/How_02_Mining_blocks_blockchain.pptx
@@ -5,16 +5,15 @@
     <p:sldMasterId id="2147483648" r:id="rId1"/>
   </p:sldMasterIdLst>
   <p:notesMasterIdLst>
-    <p:notesMasterId r:id="rId9"/>
+    <p:notesMasterId r:id="rId8"/>
   </p:notesMasterIdLst>
   <p:sldIdLst>
     <p:sldId id="318" r:id="rId2"/>
     <p:sldId id="321" r:id="rId3"/>
     <p:sldId id="314" r:id="rId4"/>
     <p:sldId id="319" r:id="rId5"/>
-    <p:sldId id="320" r:id="rId6"/>
-    <p:sldId id="315" r:id="rId7"/>
-    <p:sldId id="317" r:id="rId8"/>
+    <p:sldId id="315" r:id="rId6"/>
+    <p:sldId id="320" r:id="rId7"/>
   </p:sldIdLst>
   <p:sldSz cx="12192000" cy="6858000"/>
   <p:notesSz cx="6858000" cy="9144000"/>
@@ -207,7 +206,7 @@
           <a:p>
             <a:fld id="{997B8459-DB34-44B7-8088-D81CF29DBC4F}" type="datetimeFigureOut">
               <a:rPr lang="en-US" smtClean="0"/>
-              <a:t>6/6/2017</a:t>
+              <a:t>6/7/2017</a:t>
             </a:fld>
             <a:endParaRPr lang="en-US"/>
           </a:p>
@@ -603,7 +602,7 @@
           <a:p>
             <a:fld id="{1A0CC6C9-F88A-4A1A-8FB0-07A130189CC8}" type="datetime1">
               <a:rPr lang="en-US" smtClean="0"/>
-              <a:t>6/6/2017</a:t>
+              <a:t>6/7/2017</a:t>
             </a:fld>
             <a:endParaRPr lang="en-US"/>
           </a:p>
@@ -771,7 +770,7 @@
           <a:p>
             <a:fld id="{662CE6F3-128A-4A7E-948E-31AC50BA5F60}" type="datetime1">
               <a:rPr lang="en-US" smtClean="0"/>
-              <a:t>6/6/2017</a:t>
+              <a:t>6/7/2017</a:t>
             </a:fld>
             <a:endParaRPr lang="en-US"/>
           </a:p>
@@ -949,7 +948,7 @@
           <a:p>
             <a:fld id="{D8EF803D-58A6-4B2B-AD8D-C3D6CC66E6EB}" type="datetime1">
               <a:rPr lang="en-US" smtClean="0"/>
-              <a:t>6/6/2017</a:t>
+              <a:t>6/7/2017</a:t>
             </a:fld>
             <a:endParaRPr lang="en-US"/>
           </a:p>
@@ -1170,7 +1169,7 @@
           <a:p>
             <a:fld id="{519BD8FA-81DB-4BAD-B3C3-CA109C80A853}" type="datetime1">
               <a:rPr lang="en-US" smtClean="0"/>
-              <a:t>6/6/2017</a:t>
+              <a:t>6/7/2017</a:t>
             </a:fld>
             <a:endParaRPr lang="en-US"/>
           </a:p>
@@ -1651,7 +1650,7 @@
           <a:p>
             <a:fld id="{519BD8FA-81DB-4BAD-B3C3-CA109C80A853}" type="datetime1">
               <a:rPr lang="en-US" smtClean="0"/>
-              <a:t>6/6/2017</a:t>
+              <a:t>6/7/2017</a:t>
             </a:fld>
             <a:endParaRPr lang="en-US"/>
           </a:p>
@@ -2016,7 +2015,7 @@
           <a:p>
             <a:fld id="{519BD8FA-81DB-4BAD-B3C3-CA109C80A853}" type="datetime1">
               <a:rPr lang="en-US" smtClean="0"/>
-              <a:t>6/6/2017</a:t>
+              <a:t>6/7/2017</a:t>
             </a:fld>
             <a:endParaRPr lang="en-US"/>
           </a:p>
@@ -2503,7 +2502,7 @@
           <a:p>
             <a:fld id="{519BD8FA-81DB-4BAD-B3C3-CA109C80A853}" type="datetime1">
               <a:rPr lang="en-US" smtClean="0"/>
-              <a:t>6/6/2017</a:t>
+              <a:t>6/7/2017</a:t>
             </a:fld>
             <a:endParaRPr lang="en-US"/>
           </a:p>
@@ -2642,7 +2641,7 @@
           <a:p>
             <a:fld id="{7CF3DE6C-3CCC-462F-8C19-C9BE5AF82050}" type="datetime1">
               <a:rPr lang="en-US" smtClean="0"/>
-              <a:t>6/6/2017</a:t>
+              <a:t>6/7/2017</a:t>
             </a:fld>
             <a:endParaRPr lang="en-US"/>
           </a:p>
@@ -2737,7 +2736,7 @@
           <a:p>
             <a:fld id="{CFF9B72E-B071-4894-9AE8-77A99437A194}" type="datetime1">
               <a:rPr lang="en-US" smtClean="0"/>
-              <a:t>6/6/2017</a:t>
+              <a:t>6/7/2017</a:t>
             </a:fld>
             <a:endParaRPr lang="en-US"/>
           </a:p>
@@ -3012,7 +3011,7 @@
           <a:p>
             <a:fld id="{C8FC85DF-04F6-4067-9D57-5BD634B76237}" type="datetime1">
               <a:rPr lang="en-US" smtClean="0"/>
-              <a:t>6/6/2017</a:t>
+              <a:t>6/7/2017</a:t>
             </a:fld>
             <a:endParaRPr lang="en-US"/>
           </a:p>
@@ -3264,7 +3263,7 @@
           <a:p>
             <a:fld id="{F482CF38-5737-4019-A5EB-32F20C60B120}" type="datetime1">
               <a:rPr lang="en-US" smtClean="0"/>
-              <a:t>6/6/2017</a:t>
+              <a:t>6/7/2017</a:t>
             </a:fld>
             <a:endParaRPr lang="en-US"/>
           </a:p>
@@ -3475,7 +3474,7 @@
           <a:p>
             <a:fld id="{71B3BB5B-EB4F-4885-9330-962C885E153D}" type="datetime1">
               <a:rPr lang="en-US" smtClean="0"/>
-              <a:t>6/6/2017</a:t>
+              <a:t>6/7/2017</a:t>
             </a:fld>
             <a:endParaRPr lang="en-US"/>
           </a:p>
@@ -3881,6 +3880,37 @@
           <a:chExt cx="0" cy="0"/>
         </a:xfrm>
       </p:grpSpPr>
+      <p:pic>
+        <p:nvPicPr>
+          <p:cNvPr id="6" name="Picture 5">
+            <a:hlinkClick r:id="rId2"/>
+            <a:extLst>
+              <a:ext uri="{FF2B5EF4-FFF2-40B4-BE49-F238E27FC236}">
+                <a16:creationId xmlns:a16="http://schemas.microsoft.com/office/drawing/2014/main" id="{33F9AF90-C1B4-4A30-AA47-48FA917B391F}"/>
+              </a:ext>
+            </a:extLst>
+          </p:cNvPr>
+          <p:cNvPicPr>
+            <a:picLocks noChangeAspect="1"/>
+          </p:cNvPicPr>
+          <p:nvPr/>
+        </p:nvPicPr>
+        <p:blipFill>
+          <a:blip r:embed="rId3"/>
+          <a:stretch>
+            <a:fillRect/>
+          </a:stretch>
+        </p:blipFill>
+        <p:spPr>
+          <a:xfrm>
+            <a:off x="-9114" y="1811746"/>
+            <a:ext cx="6256142" cy="4791184"/>
+          </a:xfrm>
+          <a:prstGeom prst="rect">
+            <a:avLst/>
+          </a:prstGeom>
+        </p:spPr>
+      </p:pic>
       <p:sp>
         <p:nvSpPr>
           <p:cNvPr id="2" name="Title 1">
@@ -3929,8 +3959,8 @@
         </p:nvSpPr>
         <p:spPr>
           <a:xfrm>
-            <a:off x="245806" y="1150374"/>
-            <a:ext cx="3597146" cy="5026589"/>
+            <a:off x="1360310" y="1150374"/>
+            <a:ext cx="2482641" cy="1880693"/>
           </a:xfrm>
         </p:spPr>
         <p:txBody>
@@ -3971,7 +4001,7 @@
           <p:nvPr/>
         </p:nvPicPr>
         <p:blipFill>
-          <a:blip r:embed="rId2" cstate="print">
+          <a:blip r:embed="rId4" cstate="print">
             <a:extLst>
               <a:ext uri="{28A0092B-C50C-407E-A947-70E740481C1C}">
                 <a14:useLocalDpi xmlns:a14="http://schemas.microsoft.com/office/drawing/2010/main" val="0"/>
@@ -3984,39 +4014,8 @@
         </p:blipFill>
         <p:spPr>
           <a:xfrm>
-            <a:off x="5928860" y="387724"/>
-            <a:ext cx="6263140" cy="4697356"/>
-          </a:xfrm>
-          <a:prstGeom prst="rect">
-            <a:avLst/>
-          </a:prstGeom>
-        </p:spPr>
-      </p:pic>
-      <p:pic>
-        <p:nvPicPr>
-          <p:cNvPr id="6" name="Picture 5">
-            <a:hlinkClick r:id="rId3"/>
-            <a:extLst>
-              <a:ext uri="{FF2B5EF4-FFF2-40B4-BE49-F238E27FC236}">
-                <a16:creationId xmlns:a16="http://schemas.microsoft.com/office/drawing/2014/main" id="{33F9AF90-C1B4-4A30-AA47-48FA917B391F}"/>
-              </a:ext>
-            </a:extLst>
-          </p:cNvPr>
-          <p:cNvPicPr>
-            <a:picLocks noChangeAspect="1"/>
-          </p:cNvPicPr>
-          <p:nvPr/>
-        </p:nvPicPr>
-        <p:blipFill>
-          <a:blip r:embed="rId4"/>
-          <a:stretch>
-            <a:fillRect/>
-          </a:stretch>
-        </p:blipFill>
-        <p:spPr>
-          <a:xfrm>
-            <a:off x="-9114" y="2637322"/>
-            <a:ext cx="5178137" cy="3965608"/>
+            <a:off x="7548816" y="1811746"/>
+            <a:ext cx="4643184" cy="3482389"/>
           </a:xfrm>
           <a:prstGeom prst="rect">
             <a:avLst/>
@@ -4038,7 +4037,7 @@
         <p:spPr>
           <a:xfrm>
             <a:off x="1962482" y="4372266"/>
-            <a:ext cx="874205" cy="461665"/>
+            <a:ext cx="1474985" cy="523220"/>
           </a:xfrm>
           <a:prstGeom prst="rect">
             <a:avLst/>
@@ -4051,15 +4050,45 @@
           <a:lstStyle/>
           <a:p>
             <a:r>
-              <a:rPr lang="en-US" sz="2400" dirty="0">
-                <a:hlinkClick r:id="rId3"/>
+              <a:rPr lang="en-US" sz="2800" dirty="0">
+                <a:hlinkClick r:id="rId2"/>
               </a:rPr>
               <a:t>Links</a:t>
             </a:r>
-            <a:endParaRPr lang="en-US" sz="2400" dirty="0"/>
+            <a:endParaRPr lang="en-US" sz="2800" dirty="0"/>
           </a:p>
         </p:txBody>
       </p:sp>
+      <p:pic>
+        <p:nvPicPr>
+          <p:cNvPr id="4" name="Picture 3">
+            <a:extLst>
+              <a:ext uri="{FF2B5EF4-FFF2-40B4-BE49-F238E27FC236}">
+                <a16:creationId xmlns:a16="http://schemas.microsoft.com/office/drawing/2014/main" id="{F032F0C6-5543-4EAF-897F-76F5FCC63086}"/>
+              </a:ext>
+            </a:extLst>
+          </p:cNvPr>
+          <p:cNvPicPr>
+            <a:picLocks noChangeAspect="1"/>
+          </p:cNvPicPr>
+          <p:nvPr/>
+        </p:nvPicPr>
+        <p:blipFill>
+          <a:blip r:embed="rId5"/>
+          <a:stretch>
+            <a:fillRect/>
+          </a:stretch>
+        </p:blipFill>
+        <p:spPr>
+          <a:xfrm>
+            <a:off x="7834488" y="71781"/>
+            <a:ext cx="3008488" cy="2316662"/>
+          </a:xfrm>
+          <a:prstGeom prst="rect">
+            <a:avLst/>
+          </a:prstGeom>
+        </p:spPr>
+      </p:pic>
     </p:spTree>
     <p:extLst>
       <p:ext uri="{BB962C8B-B14F-4D97-AF65-F5344CB8AC3E}">
@@ -10407,6 +10436,30 @@
           <a:chExt cx="0" cy="0"/>
         </a:xfrm>
       </p:grpSpPr>
+      <p:pic>
+        <p:nvPicPr>
+          <p:cNvPr id="7" name="pic_unconfirmed"/>
+          <p:cNvPicPr>
+            <a:picLocks noChangeAspect="1"/>
+          </p:cNvPicPr>
+          <p:nvPr/>
+        </p:nvPicPr>
+        <p:blipFill>
+          <a:blip r:embed="rId2"/>
+          <a:stretch>
+            <a:fillRect/>
+          </a:stretch>
+        </p:blipFill>
+        <p:spPr>
+          <a:xfrm>
+            <a:off x="1031519" y="2973493"/>
+            <a:ext cx="4404991" cy="1957773"/>
+          </a:xfrm>
+          <a:prstGeom prst="rect">
+            <a:avLst/>
+          </a:prstGeom>
+        </p:spPr>
+      </p:pic>
       <p:sp>
         <p:nvSpPr>
           <p:cNvPr id="2" name="Title 1"/>
@@ -10426,7 +10479,518 @@
           <a:p>
             <a:r>
               <a:rPr lang="en-US" dirty="0"/>
-              <a:t>Block Header Hash Relations</a:t>
+              <a:t>Blockchain with transaction</a:t>
+            </a:r>
+          </a:p>
+        </p:txBody>
+      </p:sp>
+      <p:sp>
+        <p:nvSpPr>
+          <p:cNvPr id="3" name="Content Placeholder 2"/>
+          <p:cNvSpPr>
+            <a:spLocks noGrp="1"/>
+          </p:cNvSpPr>
+          <p:nvPr>
+            <p:ph idx="1"/>
+          </p:nvPr>
+        </p:nvSpPr>
+        <p:spPr>
+          <a:xfrm>
+            <a:off x="245806" y="1150374"/>
+            <a:ext cx="8184210" cy="2219127"/>
+          </a:xfrm>
+        </p:spPr>
+        <p:txBody>
+          <a:bodyPr>
+            <a:normAutofit/>
+          </a:bodyPr>
+          <a:lstStyle/>
+          <a:p>
+            <a:r>
+              <a:rPr lang="en-US" sz="3200" dirty="0"/>
+              <a:t>The Block Chain: Ordering Solution</a:t>
+            </a:r>
+          </a:p>
+          <a:p>
+            <a:r>
+              <a:rPr lang="en-US" sz="3200" dirty="0"/>
+              <a:t>Transactions: History of Ownership </a:t>
+            </a:r>
+          </a:p>
+          <a:p>
+            <a:pPr lvl="1"/>
+            <a:r>
+              <a:rPr lang="en-US" dirty="0"/>
+              <a:t>Confirmed Transactions </a:t>
+            </a:r>
+            <a:r>
+              <a:rPr lang="en-US" dirty="0">
+                <a:sym typeface="Wingdings" panose="05000000000000000000" pitchFamily="2" charset="2"/>
+              </a:rPr>
+              <a:t> </a:t>
+            </a:r>
+            <a:r>
+              <a:rPr lang="en-US" sz="2000" dirty="0">
+                <a:sym typeface="Wingdings" panose="05000000000000000000" pitchFamily="2" charset="2"/>
+              </a:rPr>
+              <a:t>added to blockchain</a:t>
+            </a:r>
+            <a:endParaRPr lang="en-US" dirty="0"/>
+          </a:p>
+          <a:p>
+            <a:pPr lvl="1"/>
+            <a:r>
+              <a:rPr lang="en-US" sz="2800" dirty="0"/>
+              <a:t>Unconfirmed Transactions </a:t>
+            </a:r>
+            <a:r>
+              <a:rPr lang="en-US" sz="2800" dirty="0">
+                <a:sym typeface="Wingdings" panose="05000000000000000000" pitchFamily="2" charset="2"/>
+              </a:rPr>
+              <a:t> </a:t>
+            </a:r>
+            <a:r>
+              <a:rPr lang="en-US" sz="2000" dirty="0">
+                <a:sym typeface="Wingdings" panose="05000000000000000000" pitchFamily="2" charset="2"/>
+              </a:rPr>
+              <a:t>to add to blockchain</a:t>
+            </a:r>
+            <a:endParaRPr lang="en-US" sz="2800" dirty="0"/>
+          </a:p>
+        </p:txBody>
+      </p:sp>
+      <p:pic>
+        <p:nvPicPr>
+          <p:cNvPr id="9" name="pic_blockchain"/>
+          <p:cNvPicPr>
+            <a:picLocks noChangeAspect="1"/>
+          </p:cNvPicPr>
+          <p:nvPr/>
+        </p:nvPicPr>
+        <p:blipFill>
+          <a:blip r:embed="rId3"/>
+          <a:stretch>
+            <a:fillRect/>
+          </a:stretch>
+        </p:blipFill>
+        <p:spPr>
+          <a:xfrm>
+            <a:off x="2206681" y="4931266"/>
+            <a:ext cx="5131408" cy="1926734"/>
+          </a:xfrm>
+          <a:prstGeom prst="rect">
+            <a:avLst/>
+          </a:prstGeom>
+        </p:spPr>
+      </p:pic>
+      <p:pic>
+        <p:nvPicPr>
+          <p:cNvPr id="6" name="Picture 5">
+            <a:extLst>
+              <a:ext uri="{FF2B5EF4-FFF2-40B4-BE49-F238E27FC236}">
+                <a16:creationId xmlns:a16="http://schemas.microsoft.com/office/drawing/2014/main" id="{35A52510-7D85-4F2C-9025-36A6752E72B4}"/>
+              </a:ext>
+            </a:extLst>
+          </p:cNvPr>
+          <p:cNvPicPr>
+            <a:picLocks noChangeAspect="1"/>
+          </p:cNvPicPr>
+          <p:nvPr/>
+        </p:nvPicPr>
+        <p:blipFill>
+          <a:blip r:embed="rId4"/>
+          <a:stretch>
+            <a:fillRect/>
+          </a:stretch>
+        </p:blipFill>
+        <p:spPr>
+          <a:xfrm>
+            <a:off x="7382272" y="335630"/>
+            <a:ext cx="3457105" cy="2369134"/>
+          </a:xfrm>
+          <a:prstGeom prst="rect">
+            <a:avLst/>
+          </a:prstGeom>
+        </p:spPr>
+      </p:pic>
+    </p:spTree>
+    <p:extLst>
+      <p:ext uri="{BB962C8B-B14F-4D97-AF65-F5344CB8AC3E}">
+        <p14:creationId xmlns:p14="http://schemas.microsoft.com/office/powerpoint/2010/main" val="3544000831"/>
+      </p:ext>
+    </p:extLst>
+  </p:cSld>
+  <p:clrMapOvr>
+    <a:masterClrMapping/>
+  </p:clrMapOvr>
+  <p:timing>
+    <p:tnLst>
+      <p:par>
+        <p:cTn id="1" dur="indefinite" restart="never" nodeType="tmRoot">
+          <p:childTnLst>
+            <p:seq concurrent="1" nextAc="seek">
+              <p:cTn id="2" dur="indefinite" nodeType="mainSeq">
+                <p:childTnLst>
+                  <p:par>
+                    <p:cTn id="3" fill="hold">
+                      <p:stCondLst>
+                        <p:cond delay="indefinite"/>
+                      </p:stCondLst>
+                      <p:childTnLst>
+                        <p:par>
+                          <p:cTn id="4" fill="hold">
+                            <p:stCondLst>
+                              <p:cond delay="0"/>
+                            </p:stCondLst>
+                            <p:childTnLst>
+                              <p:par>
+                                <p:cTn id="5" presetID="1" presetClass="entr" presetSubtype="0" fill="hold" grpId="0" nodeType="clickEffect">
+                                  <p:stCondLst>
+                                    <p:cond delay="0"/>
+                                  </p:stCondLst>
+                                  <p:childTnLst>
+                                    <p:set>
+                                      <p:cBhvr>
+                                        <p:cTn id="6" dur="1" fill="hold">
+                                          <p:stCondLst>
+                                            <p:cond delay="0"/>
+                                          </p:stCondLst>
+                                        </p:cTn>
+                                        <p:tgtEl>
+                                          <p:spTgt spid="3">
+                                            <p:txEl>
+                                              <p:pRg st="0" end="0"/>
+                                            </p:txEl>
+                                          </p:spTgt>
+                                        </p:tgtEl>
+                                        <p:attrNameLst>
+                                          <p:attrName>style.visibility</p:attrName>
+                                        </p:attrNameLst>
+                                      </p:cBhvr>
+                                      <p:to>
+                                        <p:strVal val="visible"/>
+                                      </p:to>
+                                    </p:set>
+                                  </p:childTnLst>
+                                </p:cTn>
+                              </p:par>
+                            </p:childTnLst>
+                          </p:cTn>
+                        </p:par>
+                      </p:childTnLst>
+                    </p:cTn>
+                  </p:par>
+                  <p:par>
+                    <p:cTn id="7" fill="hold">
+                      <p:stCondLst>
+                        <p:cond delay="indefinite"/>
+                      </p:stCondLst>
+                      <p:childTnLst>
+                        <p:par>
+                          <p:cTn id="8" fill="hold">
+                            <p:stCondLst>
+                              <p:cond delay="0"/>
+                            </p:stCondLst>
+                            <p:childTnLst>
+                              <p:par>
+                                <p:cTn id="9" presetID="1" presetClass="entr" presetSubtype="0" fill="hold" grpId="0" nodeType="clickEffect">
+                                  <p:stCondLst>
+                                    <p:cond delay="0"/>
+                                  </p:stCondLst>
+                                  <p:childTnLst>
+                                    <p:set>
+                                      <p:cBhvr>
+                                        <p:cTn id="10" dur="1" fill="hold">
+                                          <p:stCondLst>
+                                            <p:cond delay="0"/>
+                                          </p:stCondLst>
+                                        </p:cTn>
+                                        <p:tgtEl>
+                                          <p:spTgt spid="3">
+                                            <p:txEl>
+                                              <p:pRg st="1" end="1"/>
+                                            </p:txEl>
+                                          </p:spTgt>
+                                        </p:tgtEl>
+                                        <p:attrNameLst>
+                                          <p:attrName>style.visibility</p:attrName>
+                                        </p:attrNameLst>
+                                      </p:cBhvr>
+                                      <p:to>
+                                        <p:strVal val="visible"/>
+                                      </p:to>
+                                    </p:set>
+                                  </p:childTnLst>
+                                </p:cTn>
+                              </p:par>
+                              <p:par>
+                                <p:cTn id="11" presetID="1" presetClass="entr" presetSubtype="0" fill="hold" nodeType="withEffect">
+                                  <p:stCondLst>
+                                    <p:cond delay="0"/>
+                                  </p:stCondLst>
+                                  <p:childTnLst>
+                                    <p:set>
+                                      <p:cBhvr>
+                                        <p:cTn id="12" dur="1" fill="hold">
+                                          <p:stCondLst>
+                                            <p:cond delay="0"/>
+                                          </p:stCondLst>
+                                        </p:cTn>
+                                        <p:tgtEl>
+                                          <p:spTgt spid="6"/>
+                                        </p:tgtEl>
+                                        <p:attrNameLst>
+                                          <p:attrName>style.visibility</p:attrName>
+                                        </p:attrNameLst>
+                                      </p:cBhvr>
+                                      <p:to>
+                                        <p:strVal val="visible"/>
+                                      </p:to>
+                                    </p:set>
+                                  </p:childTnLst>
+                                </p:cTn>
+                              </p:par>
+                            </p:childTnLst>
+                          </p:cTn>
+                        </p:par>
+                      </p:childTnLst>
+                    </p:cTn>
+                  </p:par>
+                  <p:par>
+                    <p:cTn id="13" fill="hold">
+                      <p:stCondLst>
+                        <p:cond delay="indefinite"/>
+                      </p:stCondLst>
+                      <p:childTnLst>
+                        <p:par>
+                          <p:cTn id="14" fill="hold">
+                            <p:stCondLst>
+                              <p:cond delay="0"/>
+                            </p:stCondLst>
+                            <p:childTnLst>
+                              <p:par>
+                                <p:cTn id="15" presetID="1" presetClass="entr" presetSubtype="0" fill="hold" grpId="0" nodeType="clickEffect">
+                                  <p:stCondLst>
+                                    <p:cond delay="0"/>
+                                  </p:stCondLst>
+                                  <p:childTnLst>
+                                    <p:set>
+                                      <p:cBhvr>
+                                        <p:cTn id="16" dur="1" fill="hold">
+                                          <p:stCondLst>
+                                            <p:cond delay="0"/>
+                                          </p:stCondLst>
+                                        </p:cTn>
+                                        <p:tgtEl>
+                                          <p:spTgt spid="3">
+                                            <p:txEl>
+                                              <p:pRg st="2" end="2"/>
+                                            </p:txEl>
+                                          </p:spTgt>
+                                        </p:tgtEl>
+                                        <p:attrNameLst>
+                                          <p:attrName>style.visibility</p:attrName>
+                                        </p:attrNameLst>
+                                      </p:cBhvr>
+                                      <p:to>
+                                        <p:strVal val="visible"/>
+                                      </p:to>
+                                    </p:set>
+                                  </p:childTnLst>
+                                </p:cTn>
+                              </p:par>
+                              <p:par>
+                                <p:cTn id="17" presetID="1" presetClass="entr" presetSubtype="0" fill="hold" grpId="0" nodeType="withEffect">
+                                  <p:stCondLst>
+                                    <p:cond delay="0"/>
+                                  </p:stCondLst>
+                                  <p:childTnLst>
+                                    <p:set>
+                                      <p:cBhvr>
+                                        <p:cTn id="18" dur="1" fill="hold">
+                                          <p:stCondLst>
+                                            <p:cond delay="0"/>
+                                          </p:stCondLst>
+                                        </p:cTn>
+                                        <p:tgtEl>
+                                          <p:spTgt spid="3">
+                                            <p:txEl>
+                                              <p:pRg st="3" end="3"/>
+                                            </p:txEl>
+                                          </p:spTgt>
+                                        </p:tgtEl>
+                                        <p:attrNameLst>
+                                          <p:attrName>style.visibility</p:attrName>
+                                        </p:attrNameLst>
+                                      </p:cBhvr>
+                                      <p:to>
+                                        <p:strVal val="visible"/>
+                                      </p:to>
+                                    </p:set>
+                                  </p:childTnLst>
+                                </p:cTn>
+                              </p:par>
+                            </p:childTnLst>
+                          </p:cTn>
+                        </p:par>
+                      </p:childTnLst>
+                    </p:cTn>
+                  </p:par>
+                  <p:par>
+                    <p:cTn id="19" fill="hold">
+                      <p:stCondLst>
+                        <p:cond delay="indefinite"/>
+                      </p:stCondLst>
+                      <p:childTnLst>
+                        <p:par>
+                          <p:cTn id="20" fill="hold">
+                            <p:stCondLst>
+                              <p:cond delay="0"/>
+                            </p:stCondLst>
+                            <p:childTnLst>
+                              <p:par>
+                                <p:cTn id="21" presetID="1" presetClass="entr" presetSubtype="0" fill="hold" nodeType="clickEffect">
+                                  <p:stCondLst>
+                                    <p:cond delay="0"/>
+                                  </p:stCondLst>
+                                  <p:childTnLst>
+                                    <p:set>
+                                      <p:cBhvr>
+                                        <p:cTn id="22" dur="1" fill="hold">
+                                          <p:stCondLst>
+                                            <p:cond delay="0"/>
+                                          </p:stCondLst>
+                                        </p:cTn>
+                                        <p:tgtEl>
+                                          <p:spTgt spid="7"/>
+                                        </p:tgtEl>
+                                        <p:attrNameLst>
+                                          <p:attrName>style.visibility</p:attrName>
+                                        </p:attrNameLst>
+                                      </p:cBhvr>
+                                      <p:to>
+                                        <p:strVal val="visible"/>
+                                      </p:to>
+                                    </p:set>
+                                  </p:childTnLst>
+                                </p:cTn>
+                              </p:par>
+                            </p:childTnLst>
+                          </p:cTn>
+                        </p:par>
+                      </p:childTnLst>
+                    </p:cTn>
+                  </p:par>
+                  <p:par>
+                    <p:cTn id="23" fill="hold">
+                      <p:stCondLst>
+                        <p:cond delay="indefinite"/>
+                      </p:stCondLst>
+                      <p:childTnLst>
+                        <p:par>
+                          <p:cTn id="24" fill="hold">
+                            <p:stCondLst>
+                              <p:cond delay="0"/>
+                            </p:stCondLst>
+                            <p:childTnLst>
+                              <p:par>
+                                <p:cTn id="25" presetID="1" presetClass="entr" presetSubtype="0" fill="hold" nodeType="clickEffect">
+                                  <p:stCondLst>
+                                    <p:cond delay="0"/>
+                                  </p:stCondLst>
+                                  <p:childTnLst>
+                                    <p:set>
+                                      <p:cBhvr>
+                                        <p:cTn id="26" dur="1" fill="hold">
+                                          <p:stCondLst>
+                                            <p:cond delay="0"/>
+                                          </p:stCondLst>
+                                        </p:cTn>
+                                        <p:tgtEl>
+                                          <p:spTgt spid="9"/>
+                                        </p:tgtEl>
+                                        <p:attrNameLst>
+                                          <p:attrName>style.visibility</p:attrName>
+                                        </p:attrNameLst>
+                                      </p:cBhvr>
+                                      <p:to>
+                                        <p:strVal val="visible"/>
+                                      </p:to>
+                                    </p:set>
+                                  </p:childTnLst>
+                                </p:cTn>
+                              </p:par>
+                            </p:childTnLst>
+                          </p:cTn>
+                        </p:par>
+                      </p:childTnLst>
+                    </p:cTn>
+                  </p:par>
+                </p:childTnLst>
+              </p:cTn>
+              <p:prevCondLst>
+                <p:cond evt="onPrev" delay="0">
+                  <p:tgtEl>
+                    <p:sldTgt/>
+                  </p:tgtEl>
+                </p:cond>
+              </p:prevCondLst>
+              <p:nextCondLst>
+                <p:cond evt="onNext" delay="0">
+                  <p:tgtEl>
+                    <p:sldTgt/>
+                  </p:tgtEl>
+                </p:cond>
+              </p:nextCondLst>
+            </p:seq>
+          </p:childTnLst>
+        </p:cTn>
+      </p:par>
+    </p:tnLst>
+    <p:bldLst>
+      <p:bldP spid="3" grpId="0" uiExpand="1" build="p"/>
+    </p:bldLst>
+  </p:timing>
+</p:sld>
+</file>
+
+<file path=ppt/slides/slide6.xml><?xml version="1.0" encoding="utf-8"?>
+<p:sld xmlns:a="http://schemas.openxmlformats.org/drawingml/2006/main" xmlns:r="http://schemas.openxmlformats.org/officeDocument/2006/relationships" xmlns:p="http://schemas.openxmlformats.org/presentationml/2006/main">
+  <p:cSld>
+    <p:spTree>
+      <p:nvGrpSpPr>
+        <p:cNvPr id="1" name=""/>
+        <p:cNvGrpSpPr/>
+        <p:nvPr/>
+      </p:nvGrpSpPr>
+      <p:grpSpPr>
+        <a:xfrm>
+          <a:off x="0" y="0"/>
+          <a:ext cx="0" cy="0"/>
+          <a:chOff x="0" y="0"/>
+          <a:chExt cx="0" cy="0"/>
+        </a:xfrm>
+      </p:grpSpPr>
+      <p:sp>
+        <p:nvSpPr>
+          <p:cNvPr id="2" name="Title 1"/>
+          <p:cNvSpPr>
+            <a:spLocks noGrp="1"/>
+          </p:cNvSpPr>
+          <p:nvPr>
+            <p:ph type="title"/>
+          </p:nvPr>
+        </p:nvSpPr>
+        <p:spPr/>
+        <p:txBody>
+          <a:bodyPr>
+            <a:normAutofit fontScale="90000"/>
+          </a:bodyPr>
+          <a:lstStyle/>
+          <a:p>
+            <a:r>
+              <a:rPr lang="en-US" dirty="0"/>
+              <a:t>Block Header Hash</a:t>
             </a:r>
           </a:p>
         </p:txBody>
@@ -10448,7 +11012,7 @@
           <a:p>
             <a:fld id="{656EEF9C-D8EE-4444-AD18-FDA4DCDDF73B}" type="slidenum">
               <a:rPr lang="en-US" smtClean="0"/>
-              <a:t>5</a:t>
+              <a:t>6</a:t>
             </a:fld>
             <a:endParaRPr lang="en-US"/>
           </a:p>
@@ -12938,737 +13502,6 @@
 </p:sld>
 </file>
 
-<file path=ppt/slides/slide6.xml><?xml version="1.0" encoding="utf-8"?>
-<p:sld xmlns:a="http://schemas.openxmlformats.org/drawingml/2006/main" xmlns:r="http://schemas.openxmlformats.org/officeDocument/2006/relationships" xmlns:p="http://schemas.openxmlformats.org/presentationml/2006/main">
-  <p:cSld>
-    <p:spTree>
-      <p:nvGrpSpPr>
-        <p:cNvPr id="1" name=""/>
-        <p:cNvGrpSpPr/>
-        <p:nvPr/>
-      </p:nvGrpSpPr>
-      <p:grpSpPr>
-        <a:xfrm>
-          <a:off x="0" y="0"/>
-          <a:ext cx="0" cy="0"/>
-          <a:chOff x="0" y="0"/>
-          <a:chExt cx="0" cy="0"/>
-        </a:xfrm>
-      </p:grpSpPr>
-      <p:pic>
-        <p:nvPicPr>
-          <p:cNvPr id="7" name="pic_unconfirmed"/>
-          <p:cNvPicPr>
-            <a:picLocks noChangeAspect="1"/>
-          </p:cNvPicPr>
-          <p:nvPr/>
-        </p:nvPicPr>
-        <p:blipFill>
-          <a:blip r:embed="rId2"/>
-          <a:stretch>
-            <a:fillRect/>
-          </a:stretch>
-        </p:blipFill>
-        <p:spPr>
-          <a:xfrm>
-            <a:off x="1031519" y="2973493"/>
-            <a:ext cx="4404991" cy="1957773"/>
-          </a:xfrm>
-          <a:prstGeom prst="rect">
-            <a:avLst/>
-          </a:prstGeom>
-        </p:spPr>
-      </p:pic>
-      <p:sp>
-        <p:nvSpPr>
-          <p:cNvPr id="2" name="Title 1"/>
-          <p:cNvSpPr>
-            <a:spLocks noGrp="1"/>
-          </p:cNvSpPr>
-          <p:nvPr>
-            <p:ph type="title"/>
-          </p:nvPr>
-        </p:nvSpPr>
-        <p:spPr/>
-        <p:txBody>
-          <a:bodyPr>
-            <a:normAutofit fontScale="90000"/>
-          </a:bodyPr>
-          <a:lstStyle/>
-          <a:p>
-            <a:r>
-              <a:rPr lang="en-US" dirty="0"/>
-              <a:t>Blockchain </a:t>
-            </a:r>
-            <a:r>
-              <a:rPr lang="en-US"/>
-              <a:t>with transaction</a:t>
-            </a:r>
-            <a:endParaRPr lang="en-US" dirty="0"/>
-          </a:p>
-        </p:txBody>
-      </p:sp>
-      <p:sp>
-        <p:nvSpPr>
-          <p:cNvPr id="3" name="Content Placeholder 2"/>
-          <p:cNvSpPr>
-            <a:spLocks noGrp="1"/>
-          </p:cNvSpPr>
-          <p:nvPr>
-            <p:ph idx="1"/>
-          </p:nvPr>
-        </p:nvSpPr>
-        <p:spPr>
-          <a:xfrm>
-            <a:off x="245806" y="1150374"/>
-            <a:ext cx="8184210" cy="2219127"/>
-          </a:xfrm>
-        </p:spPr>
-        <p:txBody>
-          <a:bodyPr>
-            <a:normAutofit/>
-          </a:bodyPr>
-          <a:lstStyle/>
-          <a:p>
-            <a:r>
-              <a:rPr lang="en-US" sz="3200" dirty="0"/>
-              <a:t>The Block Chain: Ordering Solution</a:t>
-            </a:r>
-          </a:p>
-          <a:p>
-            <a:r>
-              <a:rPr lang="en-US" sz="3200" dirty="0"/>
-              <a:t>Transactions: History of Ownership </a:t>
-            </a:r>
-          </a:p>
-          <a:p>
-            <a:pPr lvl="1"/>
-            <a:r>
-              <a:rPr lang="en-US" dirty="0"/>
-              <a:t>Confirmed Transactions </a:t>
-            </a:r>
-            <a:r>
-              <a:rPr lang="en-US" dirty="0">
-                <a:sym typeface="Wingdings" panose="05000000000000000000" pitchFamily="2" charset="2"/>
-              </a:rPr>
-              <a:t> </a:t>
-            </a:r>
-            <a:r>
-              <a:rPr lang="en-US" sz="2000" dirty="0">
-                <a:sym typeface="Wingdings" panose="05000000000000000000" pitchFamily="2" charset="2"/>
-              </a:rPr>
-              <a:t>added to blockchain</a:t>
-            </a:r>
-            <a:endParaRPr lang="en-US" dirty="0"/>
-          </a:p>
-          <a:p>
-            <a:pPr lvl="1"/>
-            <a:r>
-              <a:rPr lang="en-US" sz="2800" dirty="0"/>
-              <a:t>Unconfirmed Transactions </a:t>
-            </a:r>
-            <a:r>
-              <a:rPr lang="en-US" sz="2800" dirty="0">
-                <a:sym typeface="Wingdings" panose="05000000000000000000" pitchFamily="2" charset="2"/>
-              </a:rPr>
-              <a:t> </a:t>
-            </a:r>
-            <a:r>
-              <a:rPr lang="en-US" sz="2000" dirty="0">
-                <a:sym typeface="Wingdings" panose="05000000000000000000" pitchFamily="2" charset="2"/>
-              </a:rPr>
-              <a:t>to add to blockchain</a:t>
-            </a:r>
-            <a:endParaRPr lang="en-US" sz="2800" dirty="0"/>
-          </a:p>
-        </p:txBody>
-      </p:sp>
-      <p:pic>
-        <p:nvPicPr>
-          <p:cNvPr id="9" name="pic_blockchain"/>
-          <p:cNvPicPr>
-            <a:picLocks noChangeAspect="1"/>
-          </p:cNvPicPr>
-          <p:nvPr/>
-        </p:nvPicPr>
-        <p:blipFill>
-          <a:blip r:embed="rId3"/>
-          <a:stretch>
-            <a:fillRect/>
-          </a:stretch>
-        </p:blipFill>
-        <p:spPr>
-          <a:xfrm>
-            <a:off x="2206681" y="4931266"/>
-            <a:ext cx="5131408" cy="1926734"/>
-          </a:xfrm>
-          <a:prstGeom prst="rect">
-            <a:avLst/>
-          </a:prstGeom>
-        </p:spPr>
-      </p:pic>
-    </p:spTree>
-    <p:extLst>
-      <p:ext uri="{BB962C8B-B14F-4D97-AF65-F5344CB8AC3E}">
-        <p14:creationId xmlns:p14="http://schemas.microsoft.com/office/powerpoint/2010/main" val="3544000831"/>
-      </p:ext>
-    </p:extLst>
-  </p:cSld>
-  <p:clrMapOvr>
-    <a:masterClrMapping/>
-  </p:clrMapOvr>
-  <p:timing>
-    <p:tnLst>
-      <p:par>
-        <p:cTn id="1" dur="indefinite" restart="never" nodeType="tmRoot">
-          <p:childTnLst>
-            <p:seq concurrent="1" nextAc="seek">
-              <p:cTn id="2" dur="indefinite" nodeType="mainSeq">
-                <p:childTnLst>
-                  <p:par>
-                    <p:cTn id="3" fill="hold">
-                      <p:stCondLst>
-                        <p:cond delay="indefinite"/>
-                      </p:stCondLst>
-                      <p:childTnLst>
-                        <p:par>
-                          <p:cTn id="4" fill="hold">
-                            <p:stCondLst>
-                              <p:cond delay="0"/>
-                            </p:stCondLst>
-                            <p:childTnLst>
-                              <p:par>
-                                <p:cTn id="5" presetID="1" presetClass="entr" presetSubtype="0" fill="hold" grpId="0" nodeType="clickEffect">
-                                  <p:stCondLst>
-                                    <p:cond delay="0"/>
-                                  </p:stCondLst>
-                                  <p:childTnLst>
-                                    <p:set>
-                                      <p:cBhvr>
-                                        <p:cTn id="6" dur="1" fill="hold">
-                                          <p:stCondLst>
-                                            <p:cond delay="0"/>
-                                          </p:stCondLst>
-                                        </p:cTn>
-                                        <p:tgtEl>
-                                          <p:spTgt spid="3">
-                                            <p:txEl>
-                                              <p:pRg st="0" end="0"/>
-                                            </p:txEl>
-                                          </p:spTgt>
-                                        </p:tgtEl>
-                                        <p:attrNameLst>
-                                          <p:attrName>style.visibility</p:attrName>
-                                        </p:attrNameLst>
-                                      </p:cBhvr>
-                                      <p:to>
-                                        <p:strVal val="visible"/>
-                                      </p:to>
-                                    </p:set>
-                                  </p:childTnLst>
-                                </p:cTn>
-                              </p:par>
-                            </p:childTnLst>
-                          </p:cTn>
-                        </p:par>
-                      </p:childTnLst>
-                    </p:cTn>
-                  </p:par>
-                  <p:par>
-                    <p:cTn id="7" fill="hold">
-                      <p:stCondLst>
-                        <p:cond delay="indefinite"/>
-                      </p:stCondLst>
-                      <p:childTnLst>
-                        <p:par>
-                          <p:cTn id="8" fill="hold">
-                            <p:stCondLst>
-                              <p:cond delay="0"/>
-                            </p:stCondLst>
-                            <p:childTnLst>
-                              <p:par>
-                                <p:cTn id="9" presetID="1" presetClass="entr" presetSubtype="0" fill="hold" grpId="0" nodeType="clickEffect">
-                                  <p:stCondLst>
-                                    <p:cond delay="0"/>
-                                  </p:stCondLst>
-                                  <p:childTnLst>
-                                    <p:set>
-                                      <p:cBhvr>
-                                        <p:cTn id="10" dur="1" fill="hold">
-                                          <p:stCondLst>
-                                            <p:cond delay="0"/>
-                                          </p:stCondLst>
-                                        </p:cTn>
-                                        <p:tgtEl>
-                                          <p:spTgt spid="3">
-                                            <p:txEl>
-                                              <p:pRg st="1" end="1"/>
-                                            </p:txEl>
-                                          </p:spTgt>
-                                        </p:tgtEl>
-                                        <p:attrNameLst>
-                                          <p:attrName>style.visibility</p:attrName>
-                                        </p:attrNameLst>
-                                      </p:cBhvr>
-                                      <p:to>
-                                        <p:strVal val="visible"/>
-                                      </p:to>
-                                    </p:set>
-                                  </p:childTnLst>
-                                </p:cTn>
-                              </p:par>
-                              <p:par>
-                                <p:cTn id="11" presetID="1" presetClass="entr" presetSubtype="0" fill="hold" grpId="0" nodeType="withEffect">
-                                  <p:stCondLst>
-                                    <p:cond delay="0"/>
-                                  </p:stCondLst>
-                                  <p:childTnLst>
-                                    <p:set>
-                                      <p:cBhvr>
-                                        <p:cTn id="12" dur="1" fill="hold">
-                                          <p:stCondLst>
-                                            <p:cond delay="0"/>
-                                          </p:stCondLst>
-                                        </p:cTn>
-                                        <p:tgtEl>
-                                          <p:spTgt spid="3">
-                                            <p:txEl>
-                                              <p:pRg st="2" end="2"/>
-                                            </p:txEl>
-                                          </p:spTgt>
-                                        </p:tgtEl>
-                                        <p:attrNameLst>
-                                          <p:attrName>style.visibility</p:attrName>
-                                        </p:attrNameLst>
-                                      </p:cBhvr>
-                                      <p:to>
-                                        <p:strVal val="visible"/>
-                                      </p:to>
-                                    </p:set>
-                                  </p:childTnLst>
-                                </p:cTn>
-                              </p:par>
-                              <p:par>
-                                <p:cTn id="13" presetID="1" presetClass="entr" presetSubtype="0" fill="hold" grpId="0" nodeType="withEffect">
-                                  <p:stCondLst>
-                                    <p:cond delay="0"/>
-                                  </p:stCondLst>
-                                  <p:childTnLst>
-                                    <p:set>
-                                      <p:cBhvr>
-                                        <p:cTn id="14" dur="1" fill="hold">
-                                          <p:stCondLst>
-                                            <p:cond delay="0"/>
-                                          </p:stCondLst>
-                                        </p:cTn>
-                                        <p:tgtEl>
-                                          <p:spTgt spid="3">
-                                            <p:txEl>
-                                              <p:pRg st="3" end="3"/>
-                                            </p:txEl>
-                                          </p:spTgt>
-                                        </p:tgtEl>
-                                        <p:attrNameLst>
-                                          <p:attrName>style.visibility</p:attrName>
-                                        </p:attrNameLst>
-                                      </p:cBhvr>
-                                      <p:to>
-                                        <p:strVal val="visible"/>
-                                      </p:to>
-                                    </p:set>
-                                  </p:childTnLst>
-                                </p:cTn>
-                              </p:par>
-                            </p:childTnLst>
-                          </p:cTn>
-                        </p:par>
-                      </p:childTnLst>
-                    </p:cTn>
-                  </p:par>
-                  <p:par>
-                    <p:cTn id="15" fill="hold">
-                      <p:stCondLst>
-                        <p:cond delay="indefinite"/>
-                      </p:stCondLst>
-                      <p:childTnLst>
-                        <p:par>
-                          <p:cTn id="16" fill="hold">
-                            <p:stCondLst>
-                              <p:cond delay="0"/>
-                            </p:stCondLst>
-                            <p:childTnLst>
-                              <p:par>
-                                <p:cTn id="17" presetID="1" presetClass="entr" presetSubtype="0" fill="hold" nodeType="clickEffect">
-                                  <p:stCondLst>
-                                    <p:cond delay="0"/>
-                                  </p:stCondLst>
-                                  <p:childTnLst>
-                                    <p:set>
-                                      <p:cBhvr>
-                                        <p:cTn id="18" dur="1" fill="hold">
-                                          <p:stCondLst>
-                                            <p:cond delay="0"/>
-                                          </p:stCondLst>
-                                        </p:cTn>
-                                        <p:tgtEl>
-                                          <p:spTgt spid="7"/>
-                                        </p:tgtEl>
-                                        <p:attrNameLst>
-                                          <p:attrName>style.visibility</p:attrName>
-                                        </p:attrNameLst>
-                                      </p:cBhvr>
-                                      <p:to>
-                                        <p:strVal val="visible"/>
-                                      </p:to>
-                                    </p:set>
-                                  </p:childTnLst>
-                                </p:cTn>
-                              </p:par>
-                            </p:childTnLst>
-                          </p:cTn>
-                        </p:par>
-                      </p:childTnLst>
-                    </p:cTn>
-                  </p:par>
-                  <p:par>
-                    <p:cTn id="19" fill="hold">
-                      <p:stCondLst>
-                        <p:cond delay="indefinite"/>
-                      </p:stCondLst>
-                      <p:childTnLst>
-                        <p:par>
-                          <p:cTn id="20" fill="hold">
-                            <p:stCondLst>
-                              <p:cond delay="0"/>
-                            </p:stCondLst>
-                            <p:childTnLst>
-                              <p:par>
-                                <p:cTn id="21" presetID="1" presetClass="entr" presetSubtype="0" fill="hold" nodeType="clickEffect">
-                                  <p:stCondLst>
-                                    <p:cond delay="0"/>
-                                  </p:stCondLst>
-                                  <p:childTnLst>
-                                    <p:set>
-                                      <p:cBhvr>
-                                        <p:cTn id="22" dur="1" fill="hold">
-                                          <p:stCondLst>
-                                            <p:cond delay="0"/>
-                                          </p:stCondLst>
-                                        </p:cTn>
-                                        <p:tgtEl>
-                                          <p:spTgt spid="9"/>
-                                        </p:tgtEl>
-                                        <p:attrNameLst>
-                                          <p:attrName>style.visibility</p:attrName>
-                                        </p:attrNameLst>
-                                      </p:cBhvr>
-                                      <p:to>
-                                        <p:strVal val="visible"/>
-                                      </p:to>
-                                    </p:set>
-                                  </p:childTnLst>
-                                </p:cTn>
-                              </p:par>
-                            </p:childTnLst>
-                          </p:cTn>
-                        </p:par>
-                      </p:childTnLst>
-                    </p:cTn>
-                  </p:par>
-                </p:childTnLst>
-              </p:cTn>
-              <p:prevCondLst>
-                <p:cond evt="onPrev" delay="0">
-                  <p:tgtEl>
-                    <p:sldTgt/>
-                  </p:tgtEl>
-                </p:cond>
-              </p:prevCondLst>
-              <p:nextCondLst>
-                <p:cond evt="onNext" delay="0">
-                  <p:tgtEl>
-                    <p:sldTgt/>
-                  </p:tgtEl>
-                </p:cond>
-              </p:nextCondLst>
-            </p:seq>
-          </p:childTnLst>
-        </p:cTn>
-      </p:par>
-    </p:tnLst>
-    <p:bldLst>
-      <p:bldP spid="3" grpId="0" build="p"/>
-    </p:bldLst>
-  </p:timing>
-</p:sld>
-</file>
-
-<file path=ppt/slides/slide7.xml><?xml version="1.0" encoding="utf-8"?>
-<p:sld xmlns:a="http://schemas.openxmlformats.org/drawingml/2006/main" xmlns:r="http://schemas.openxmlformats.org/officeDocument/2006/relationships" xmlns:p="http://schemas.openxmlformats.org/presentationml/2006/main">
-  <p:cSld>
-    <p:spTree>
-      <p:nvGrpSpPr>
-        <p:cNvPr id="1" name=""/>
-        <p:cNvGrpSpPr/>
-        <p:nvPr/>
-      </p:nvGrpSpPr>
-      <p:grpSpPr>
-        <a:xfrm>
-          <a:off x="0" y="0"/>
-          <a:ext cx="0" cy="0"/>
-          <a:chOff x="0" y="0"/>
-          <a:chExt cx="0" cy="0"/>
-        </a:xfrm>
-      </p:grpSpPr>
-      <p:pic>
-        <p:nvPicPr>
-          <p:cNvPr id="9" name="Picture 1"/>
-          <p:cNvPicPr>
-            <a:picLocks noChangeAspect="1" noChangeArrowheads="1"/>
-          </p:cNvPicPr>
-          <p:nvPr/>
-        </p:nvPicPr>
-        <p:blipFill>
-          <a:blip r:embed="rId2">
-            <a:extLst>
-              <a:ext uri="{28A0092B-C50C-407E-A947-70E740481C1C}">
-                <a14:useLocalDpi xmlns:a14="http://schemas.microsoft.com/office/drawing/2010/main" val="0"/>
-              </a:ext>
-            </a:extLst>
-          </a:blip>
-          <a:srcRect/>
-          <a:stretch>
-            <a:fillRect/>
-          </a:stretch>
-        </p:blipFill>
-        <p:spPr bwMode="auto">
-          <a:xfrm>
-            <a:off x="7389257" y="2929364"/>
-            <a:ext cx="4341942" cy="1500357"/>
-          </a:xfrm>
-          <a:prstGeom prst="rect">
-            <a:avLst/>
-          </a:prstGeom>
-          <a:noFill/>
-          <a:ln>
-            <a:noFill/>
-          </a:ln>
-          <a:effectLst/>
-          <a:extLst>
-            <a:ext uri="{909E8E84-426E-40DD-AFC4-6F175D3DCCD1}">
-              <a14:hiddenFill xmlns:a14="http://schemas.microsoft.com/office/drawing/2010/main">
-                <a:blipFill dpi="0" rotWithShape="0">
-                  <a:blip/>
-                  <a:srcRect/>
-                  <a:stretch>
-                    <a:fillRect/>
-                  </a:stretch>
-                </a:blipFill>
-              </a14:hiddenFill>
-            </a:ext>
-            <a:ext uri="{91240B29-F687-4F45-9708-019B960494DF}">
-              <a14:hiddenLine xmlns:a14="http://schemas.microsoft.com/office/drawing/2010/main" w="9525" cap="flat">
-                <a:solidFill>
-                  <a:srgbClr val="808080"/>
-                </a:solidFill>
-                <a:round/>
-                <a:headEnd/>
-                <a:tailEnd/>
-              </a14:hiddenLine>
-            </a:ext>
-            <a:ext uri="{AF507438-7753-43E0-B8FC-AC1667EBCBE1}">
-              <a14:hiddenEffects xmlns:a14="http://schemas.microsoft.com/office/drawing/2010/main">
-                <a:effectLst>
-                  <a:outerShdw dist="35921" dir="2700000" algn="ctr" rotWithShape="0">
-                    <a:srgbClr val="808080"/>
-                  </a:outerShdw>
-                </a:effectLst>
-              </a14:hiddenEffects>
-            </a:ext>
-          </a:extLst>
-        </p:spPr>
-      </p:pic>
-      <p:pic>
-        <p:nvPicPr>
-          <p:cNvPr id="4" name="Picture 3"/>
-          <p:cNvPicPr>
-            <a:picLocks noChangeAspect="1"/>
-          </p:cNvPicPr>
-          <p:nvPr/>
-        </p:nvPicPr>
-        <p:blipFill>
-          <a:blip r:embed="rId3"/>
-          <a:stretch>
-            <a:fillRect/>
-          </a:stretch>
-        </p:blipFill>
-        <p:spPr>
-          <a:xfrm>
-            <a:off x="8274094" y="148445"/>
-            <a:ext cx="3457105" cy="2369134"/>
-          </a:xfrm>
-          <a:prstGeom prst="rect">
-            <a:avLst/>
-          </a:prstGeom>
-        </p:spPr>
-      </p:pic>
-      <p:sp>
-        <p:nvSpPr>
-          <p:cNvPr id="2" name="Title 1"/>
-          <p:cNvSpPr>
-            <a:spLocks noGrp="1"/>
-          </p:cNvSpPr>
-          <p:nvPr>
-            <p:ph type="title"/>
-          </p:nvPr>
-        </p:nvSpPr>
-        <p:spPr>
-          <a:xfrm>
-            <a:off x="294462" y="365125"/>
-            <a:ext cx="5230439" cy="618101"/>
-          </a:xfrm>
-        </p:spPr>
-        <p:txBody>
-          <a:bodyPr>
-            <a:normAutofit fontScale="90000"/>
-          </a:bodyPr>
-          <a:lstStyle/>
-          <a:p>
-            <a:r>
-              <a:rPr lang="en-US" dirty="0"/>
-              <a:t>Blockchain info</a:t>
-            </a:r>
-          </a:p>
-        </p:txBody>
-      </p:sp>
-      <p:sp>
-        <p:nvSpPr>
-          <p:cNvPr id="3" name="Content Placeholder 2"/>
-          <p:cNvSpPr>
-            <a:spLocks noGrp="1"/>
-          </p:cNvSpPr>
-          <p:nvPr>
-            <p:ph sz="half" idx="1"/>
-          </p:nvPr>
-        </p:nvSpPr>
-        <p:spPr>
-          <a:xfrm>
-            <a:off x="294462" y="1108176"/>
-            <a:ext cx="9475180" cy="5749823"/>
-          </a:xfrm>
-        </p:spPr>
-        <p:txBody>
-          <a:bodyPr>
-            <a:normAutofit/>
-          </a:bodyPr>
-          <a:lstStyle/>
-          <a:p>
-            <a:r>
-              <a:rPr lang="en-US" sz="3200" dirty="0"/>
-              <a:t>Mining: </a:t>
-            </a:r>
-          </a:p>
-          <a:p>
-            <a:pPr lvl="1"/>
-            <a:r>
-              <a:rPr lang="en-US" sz="2800" dirty="0"/>
-              <a:t>Create block every 10 minutes</a:t>
-            </a:r>
-          </a:p>
-          <a:p>
-            <a:pPr lvl="2"/>
-            <a:r>
-              <a:rPr lang="en-US" sz="2400" dirty="0"/>
-              <a:t>Adjust difficulty every 2016 blocks, (around 2 weeks)</a:t>
-            </a:r>
-          </a:p>
-          <a:p>
-            <a:pPr lvl="1"/>
-            <a:r>
-              <a:rPr lang="en-US" sz="2800" dirty="0"/>
-              <a:t>Every 4 years, award cut in half, </a:t>
-            </a:r>
-          </a:p>
-          <a:p>
-            <a:pPr lvl="2"/>
-            <a:r>
-              <a:rPr lang="en-US" sz="2400" dirty="0"/>
-              <a:t>Start from 50 BTC / block</a:t>
-            </a:r>
-          </a:p>
-          <a:p>
-            <a:pPr lvl="2"/>
-            <a:r>
-              <a:rPr lang="en-US" sz="2400" dirty="0"/>
-              <a:t>Current: 12.5 coins, </a:t>
-            </a:r>
-          </a:p>
-          <a:p>
-            <a:pPr lvl="2"/>
-            <a:r>
-              <a:rPr lang="en-US" sz="2400" dirty="0"/>
-              <a:t>Future: no award, depend on transactions</a:t>
-            </a:r>
-          </a:p>
-          <a:p>
-            <a:pPr lvl="1"/>
-            <a:r>
-              <a:rPr lang="en-US" sz="2800" dirty="0"/>
-              <a:t>all 21 million in 2140,</a:t>
-            </a:r>
-            <a:r>
-              <a:rPr lang="zh-CN" altLang="en-US" sz="2800" dirty="0"/>
-              <a:t> </a:t>
-            </a:r>
-            <a:r>
-              <a:rPr lang="en-US" sz="2800" dirty="0">
-                <a:hlinkClick r:id="rId4"/>
-              </a:rPr>
-              <a:t>Current 16.3 million</a:t>
-            </a:r>
-            <a:endParaRPr lang="en-US" sz="2800" dirty="0"/>
-          </a:p>
-          <a:p>
-            <a:r>
-              <a:rPr lang="en-US" sz="3200" dirty="0"/>
-              <a:t>Smallest transaction unit: 1/10^8 BTC  = 1 Satoshi</a:t>
-            </a:r>
-          </a:p>
-          <a:p>
-            <a:r>
-              <a:rPr lang="en-US" sz="3200" dirty="0"/>
-              <a:t>Real purpose:</a:t>
-            </a:r>
-          </a:p>
-          <a:p>
-            <a:pPr lvl="1"/>
-            <a:r>
-              <a:rPr lang="en-US" sz="2800" dirty="0"/>
-              <a:t>Verify transactions</a:t>
-            </a:r>
-          </a:p>
-          <a:p>
-            <a:pPr lvl="1"/>
-            <a:r>
-              <a:rPr lang="en-US" sz="2800" dirty="0"/>
-              <a:t>Safeguard the blockchain</a:t>
-            </a:r>
-          </a:p>
-        </p:txBody>
-      </p:sp>
-    </p:spTree>
-    <p:extLst>
-      <p:ext uri="{BB962C8B-B14F-4D97-AF65-F5344CB8AC3E}">
-        <p14:creationId xmlns:p14="http://schemas.microsoft.com/office/powerpoint/2010/main" val="1708433073"/>
-      </p:ext>
-    </p:extLst>
-  </p:cSld>
-  <p:clrMapOvr>
-    <a:masterClrMapping/>
-  </p:clrMapOvr>
-</p:sld>
-</file>
-
 <file path=ppt/theme/theme1.xml><?xml version="1.0" encoding="utf-8"?>
 <a:theme xmlns:a="http://schemas.openxmlformats.org/drawingml/2006/main" name="Office Theme">
   <a:themeElements>
